--- a/Presentations/02_04_2020/Modifying Layer Activations.pptx
+++ b/Presentations/02_04_2020/Modifying Layer Activations.pptx
@@ -20,6 +20,16 @@
     <p:sldId id="270" r:id="rId14"/>
     <p:sldId id="265" r:id="rId15"/>
     <p:sldId id="266" r:id="rId16"/>
+    <p:sldId id="272" r:id="rId17"/>
+    <p:sldId id="275" r:id="rId18"/>
+    <p:sldId id="277" r:id="rId19"/>
+    <p:sldId id="276" r:id="rId20"/>
+    <p:sldId id="279" r:id="rId21"/>
+    <p:sldId id="278" r:id="rId22"/>
+    <p:sldId id="281" r:id="rId23"/>
+    <p:sldId id="280" r:id="rId24"/>
+    <p:sldId id="282" r:id="rId25"/>
+    <p:sldId id="283" r:id="rId26"/>
   </p:sldIdLst>
   <p:sldSz cx="12192000" cy="6858000"/>
   <p:notesSz cx="6858000" cy="9144000"/>
@@ -118,7 +128,3005 @@
       </a:defRPr>
     </a:lvl9pPr>
   </p:defaultTextStyle>
+  <p:extLst>
+    <p:ext uri="{EFAFB233-063F-42B5-8137-9DF3F51BA10A}">
+      <p15:sldGuideLst xmlns:p15="http://schemas.microsoft.com/office/powerpoint/2012/main"/>
+    </p:ext>
+  </p:extLst>
 </p:presentation>
+</file>
+
+<file path=ppt/diagrams/colors1.xml><?xml version="1.0" encoding="utf-8"?>
+<dgm:colorsDef xmlns:dgm="http://schemas.openxmlformats.org/drawingml/2006/diagram" xmlns:a="http://schemas.openxmlformats.org/drawingml/2006/main" uniqueId="urn:microsoft.com/office/officeart/2018/5/colors/Iconchunking_neutralbg_colorful1">
+  <dgm:title val=""/>
+  <dgm:desc val=""/>
+  <dgm:catLst>
+    <dgm:cat type="colorful" pri="10100"/>
+  </dgm:catLst>
+  <dgm:styleLbl name="node0">
+    <dgm:fillClrLst meth="repeat">
+      <a:schemeClr val="accent1"/>
+    </dgm:fillClrLst>
+    <dgm:linClrLst meth="repeat">
+      <a:schemeClr val="lt1"/>
+    </dgm:linClrLst>
+    <dgm:effectClrLst/>
+    <dgm:txLinClrLst/>
+    <dgm:txFillClrLst/>
+    <dgm:txEffectClrLst/>
+  </dgm:styleLbl>
+  <dgm:styleLbl name="node1">
+    <dgm:fillClrLst meth="repeat">
+      <a:schemeClr val="accent2"/>
+      <a:schemeClr val="accent3"/>
+      <a:schemeClr val="accent4"/>
+      <a:schemeClr val="accent5"/>
+      <a:schemeClr val="accent6"/>
+    </dgm:fillClrLst>
+    <dgm:linClrLst meth="repeat">
+      <a:schemeClr val="lt1">
+        <a:alpha val="0"/>
+      </a:schemeClr>
+    </dgm:linClrLst>
+    <dgm:effectClrLst/>
+    <dgm:txLinClrLst/>
+    <dgm:txFillClrLst/>
+    <dgm:txEffectClrLst/>
+  </dgm:styleLbl>
+  <dgm:styleLbl name="alignNode1">
+    <dgm:fillClrLst meth="repeat">
+      <a:schemeClr val="accent2"/>
+      <a:schemeClr val="accent3"/>
+      <a:schemeClr val="accent4"/>
+      <a:schemeClr val="accent5"/>
+      <a:schemeClr val="accent6"/>
+    </dgm:fillClrLst>
+    <dgm:linClrLst meth="repeat">
+      <a:schemeClr val="accent2"/>
+      <a:schemeClr val="accent3"/>
+      <a:schemeClr val="accent4"/>
+      <a:schemeClr val="accent5"/>
+      <a:schemeClr val="accent6"/>
+    </dgm:linClrLst>
+    <dgm:effectClrLst/>
+    <dgm:txLinClrLst/>
+    <dgm:txFillClrLst/>
+    <dgm:txEffectClrLst/>
+  </dgm:styleLbl>
+  <dgm:styleLbl name="lnNode1">
+    <dgm:fillClrLst meth="repeat">
+      <a:schemeClr val="accent2"/>
+      <a:schemeClr val="accent3"/>
+      <a:schemeClr val="accent4"/>
+      <a:schemeClr val="accent5"/>
+      <a:schemeClr val="accent6"/>
+    </dgm:fillClrLst>
+    <dgm:linClrLst meth="repeat">
+      <a:schemeClr val="lt1"/>
+    </dgm:linClrLst>
+    <dgm:effectClrLst/>
+    <dgm:txLinClrLst/>
+    <dgm:txFillClrLst/>
+    <dgm:txEffectClrLst/>
+  </dgm:styleLbl>
+  <dgm:styleLbl name="vennNode1">
+    <dgm:fillClrLst meth="repeat">
+      <a:schemeClr val="accent2">
+        <a:alpha val="50000"/>
+      </a:schemeClr>
+      <a:schemeClr val="accent3">
+        <a:alpha val="50000"/>
+      </a:schemeClr>
+      <a:schemeClr val="accent4">
+        <a:alpha val="50000"/>
+      </a:schemeClr>
+      <a:schemeClr val="accent5">
+        <a:alpha val="50000"/>
+      </a:schemeClr>
+      <a:schemeClr val="accent6">
+        <a:alpha val="50000"/>
+      </a:schemeClr>
+    </dgm:fillClrLst>
+    <dgm:linClrLst meth="repeat">
+      <a:schemeClr val="lt1"/>
+    </dgm:linClrLst>
+    <dgm:effectClrLst/>
+    <dgm:txLinClrLst/>
+    <dgm:txFillClrLst/>
+    <dgm:txEffectClrLst/>
+  </dgm:styleLbl>
+  <dgm:styleLbl name="node2">
+    <dgm:fillClrLst>
+      <a:schemeClr val="accent2"/>
+    </dgm:fillClrLst>
+    <dgm:linClrLst meth="repeat">
+      <a:schemeClr val="lt1"/>
+    </dgm:linClrLst>
+    <dgm:effectClrLst/>
+    <dgm:txLinClrLst/>
+    <dgm:txFillClrLst/>
+    <dgm:txEffectClrLst/>
+  </dgm:styleLbl>
+  <dgm:styleLbl name="node3">
+    <dgm:fillClrLst>
+      <a:schemeClr val="accent3"/>
+    </dgm:fillClrLst>
+    <dgm:linClrLst meth="repeat">
+      <a:schemeClr val="lt1"/>
+    </dgm:linClrLst>
+    <dgm:effectClrLst/>
+    <dgm:txLinClrLst/>
+    <dgm:txFillClrLst/>
+    <dgm:txEffectClrLst/>
+  </dgm:styleLbl>
+  <dgm:styleLbl name="node4">
+    <dgm:fillClrLst>
+      <a:schemeClr val="accent4"/>
+    </dgm:fillClrLst>
+    <dgm:linClrLst meth="repeat">
+      <a:schemeClr val="lt1"/>
+    </dgm:linClrLst>
+    <dgm:effectClrLst/>
+    <dgm:txLinClrLst/>
+    <dgm:txFillClrLst/>
+    <dgm:txEffectClrLst/>
+  </dgm:styleLbl>
+  <dgm:styleLbl name="fgImgPlace1">
+    <dgm:fillClrLst meth="repeat">
+      <a:schemeClr val="accent2">
+        <a:tint val="50000"/>
+      </a:schemeClr>
+      <a:schemeClr val="accent3">
+        <a:tint val="50000"/>
+      </a:schemeClr>
+      <a:schemeClr val="accent4">
+        <a:tint val="50000"/>
+      </a:schemeClr>
+      <a:schemeClr val="accent5">
+        <a:tint val="50000"/>
+      </a:schemeClr>
+      <a:schemeClr val="accent6">
+        <a:tint val="50000"/>
+      </a:schemeClr>
+    </dgm:fillClrLst>
+    <dgm:linClrLst meth="repeat">
+      <a:schemeClr val="lt1"/>
+    </dgm:linClrLst>
+    <dgm:effectClrLst/>
+    <dgm:txLinClrLst/>
+    <dgm:txFillClrLst meth="repeat">
+      <a:schemeClr val="lt1"/>
+    </dgm:txFillClrLst>
+    <dgm:txEffectClrLst/>
+  </dgm:styleLbl>
+  <dgm:styleLbl name="alignImgPlace1">
+    <dgm:fillClrLst>
+      <a:schemeClr val="accent1">
+        <a:tint val="50000"/>
+      </a:schemeClr>
+      <a:schemeClr val="accent2">
+        <a:tint val="20000"/>
+      </a:schemeClr>
+    </dgm:fillClrLst>
+    <dgm:linClrLst meth="repeat">
+      <a:schemeClr val="lt1"/>
+    </dgm:linClrLst>
+    <dgm:effectClrLst/>
+    <dgm:txLinClrLst/>
+    <dgm:txFillClrLst meth="repeat">
+      <a:schemeClr val="lt1"/>
+    </dgm:txFillClrLst>
+    <dgm:txEffectClrLst/>
+  </dgm:styleLbl>
+  <dgm:styleLbl name="bgImgPlace1">
+    <dgm:fillClrLst>
+      <a:schemeClr val="accent1">
+        <a:tint val="50000"/>
+      </a:schemeClr>
+      <a:schemeClr val="accent2">
+        <a:tint val="20000"/>
+      </a:schemeClr>
+    </dgm:fillClrLst>
+    <dgm:linClrLst meth="repeat">
+      <a:schemeClr val="lt1"/>
+    </dgm:linClrLst>
+    <dgm:effectClrLst/>
+    <dgm:txLinClrLst/>
+    <dgm:txFillClrLst meth="repeat">
+      <a:schemeClr val="lt1"/>
+    </dgm:txFillClrLst>
+    <dgm:txEffectClrLst/>
+  </dgm:styleLbl>
+  <dgm:styleLbl name="sibTrans2D1">
+    <dgm:fillClrLst meth="repeat">
+      <a:schemeClr val="accent2"/>
+      <a:schemeClr val="accent3"/>
+      <a:schemeClr val="accent4"/>
+      <a:schemeClr val="accent5"/>
+      <a:schemeClr val="accent6"/>
+    </dgm:fillClrLst>
+    <dgm:linClrLst meth="cycle">
+      <a:schemeClr val="lt1"/>
+    </dgm:linClrLst>
+    <dgm:effectClrLst/>
+    <dgm:txLinClrLst/>
+    <dgm:txFillClrLst/>
+    <dgm:txEffectClrLst/>
+  </dgm:styleLbl>
+  <dgm:styleLbl name="fgSibTrans2D1">
+    <dgm:fillClrLst meth="repeat">
+      <a:schemeClr val="accent2"/>
+      <a:schemeClr val="accent3"/>
+      <a:schemeClr val="accent4"/>
+      <a:schemeClr val="accent5"/>
+      <a:schemeClr val="accent6"/>
+    </dgm:fillClrLst>
+    <dgm:linClrLst meth="cycle">
+      <a:schemeClr val="lt1"/>
+    </dgm:linClrLst>
+    <dgm:effectClrLst/>
+    <dgm:txLinClrLst/>
+    <dgm:txFillClrLst meth="repeat">
+      <a:schemeClr val="lt1"/>
+    </dgm:txFillClrLst>
+    <dgm:txEffectClrLst/>
+  </dgm:styleLbl>
+  <dgm:styleLbl name="bgSibTrans2D1">
+    <dgm:fillClrLst meth="repeat">
+      <a:schemeClr val="accent2"/>
+      <a:schemeClr val="accent3"/>
+      <a:schemeClr val="accent4"/>
+      <a:schemeClr val="accent5"/>
+      <a:schemeClr val="accent6"/>
+    </dgm:fillClrLst>
+    <dgm:linClrLst meth="cycle">
+      <a:schemeClr val="lt1"/>
+    </dgm:linClrLst>
+    <dgm:effectClrLst/>
+    <dgm:txLinClrLst/>
+    <dgm:txFillClrLst meth="repeat">
+      <a:schemeClr val="lt1"/>
+    </dgm:txFillClrLst>
+    <dgm:txEffectClrLst/>
+  </dgm:styleLbl>
+  <dgm:styleLbl name="sibTrans1D1">
+    <dgm:fillClrLst meth="repeat">
+      <a:schemeClr val="accent2"/>
+      <a:schemeClr val="accent3"/>
+      <a:schemeClr val="accent4"/>
+      <a:schemeClr val="accent5"/>
+      <a:schemeClr val="accent6"/>
+    </dgm:fillClrLst>
+    <dgm:linClrLst meth="repeat">
+      <a:schemeClr val="accent2"/>
+      <a:schemeClr val="accent3"/>
+      <a:schemeClr val="accent4"/>
+      <a:schemeClr val="accent5"/>
+      <a:schemeClr val="accent6"/>
+    </dgm:linClrLst>
+    <dgm:effectClrLst/>
+    <dgm:txLinClrLst/>
+    <dgm:txFillClrLst meth="repeat">
+      <a:schemeClr val="tx1"/>
+    </dgm:txFillClrLst>
+    <dgm:txEffectClrLst/>
+  </dgm:styleLbl>
+  <dgm:styleLbl name="callout">
+    <dgm:fillClrLst meth="repeat">
+      <a:schemeClr val="accent2"/>
+    </dgm:fillClrLst>
+    <dgm:linClrLst meth="repeat">
+      <a:schemeClr val="accent2">
+        <a:tint val="50000"/>
+      </a:schemeClr>
+    </dgm:linClrLst>
+    <dgm:effectClrLst/>
+    <dgm:txLinClrLst/>
+    <dgm:txFillClrLst meth="repeat">
+      <a:schemeClr val="tx1"/>
+    </dgm:txFillClrLst>
+    <dgm:txEffectClrLst/>
+  </dgm:styleLbl>
+  <dgm:styleLbl name="asst0">
+    <dgm:fillClrLst meth="repeat">
+      <a:schemeClr val="accent1"/>
+    </dgm:fillClrLst>
+    <dgm:linClrLst meth="repeat">
+      <a:schemeClr val="lt1"/>
+    </dgm:linClrLst>
+    <dgm:effectClrLst/>
+    <dgm:txLinClrLst/>
+    <dgm:txFillClrLst/>
+    <dgm:txEffectClrLst/>
+  </dgm:styleLbl>
+  <dgm:styleLbl name="asst1">
+    <dgm:fillClrLst meth="repeat">
+      <a:schemeClr val="accent2"/>
+    </dgm:fillClrLst>
+    <dgm:linClrLst meth="repeat">
+      <a:schemeClr val="lt1"/>
+    </dgm:linClrLst>
+    <dgm:effectClrLst/>
+    <dgm:txLinClrLst/>
+    <dgm:txFillClrLst/>
+    <dgm:txEffectClrLst/>
+  </dgm:styleLbl>
+  <dgm:styleLbl name="asst2">
+    <dgm:fillClrLst>
+      <a:schemeClr val="accent3"/>
+    </dgm:fillClrLst>
+    <dgm:linClrLst meth="repeat">
+      <a:schemeClr val="lt1"/>
+    </dgm:linClrLst>
+    <dgm:effectClrLst/>
+    <dgm:txLinClrLst/>
+    <dgm:txFillClrLst/>
+    <dgm:txEffectClrLst/>
+  </dgm:styleLbl>
+  <dgm:styleLbl name="asst3">
+    <dgm:fillClrLst>
+      <a:schemeClr val="accent4"/>
+    </dgm:fillClrLst>
+    <dgm:linClrLst meth="repeat">
+      <a:schemeClr val="lt1"/>
+    </dgm:linClrLst>
+    <dgm:effectClrLst/>
+    <dgm:txLinClrLst/>
+    <dgm:txFillClrLst/>
+    <dgm:txEffectClrLst/>
+  </dgm:styleLbl>
+  <dgm:styleLbl name="asst4">
+    <dgm:fillClrLst>
+      <a:schemeClr val="accent5"/>
+    </dgm:fillClrLst>
+    <dgm:linClrLst meth="repeat">
+      <a:schemeClr val="lt1"/>
+    </dgm:linClrLst>
+    <dgm:effectClrLst/>
+    <dgm:txLinClrLst/>
+    <dgm:txFillClrLst/>
+    <dgm:txEffectClrLst/>
+  </dgm:styleLbl>
+  <dgm:styleLbl name="parChTrans2D1">
+    <dgm:fillClrLst meth="repeat">
+      <a:schemeClr val="accent2"/>
+    </dgm:fillClrLst>
+    <dgm:linClrLst meth="repeat">
+      <a:schemeClr val="lt1"/>
+    </dgm:linClrLst>
+    <dgm:effectClrLst/>
+    <dgm:txLinClrLst/>
+    <dgm:txFillClrLst meth="repeat">
+      <a:schemeClr val="lt1"/>
+    </dgm:txFillClrLst>
+    <dgm:txEffectClrLst/>
+  </dgm:styleLbl>
+  <dgm:styleLbl name="parChTrans2D2">
+    <dgm:fillClrLst meth="repeat">
+      <a:schemeClr val="accent3"/>
+    </dgm:fillClrLst>
+    <dgm:linClrLst meth="repeat">
+      <a:schemeClr val="lt1"/>
+    </dgm:linClrLst>
+    <dgm:effectClrLst/>
+    <dgm:txLinClrLst/>
+    <dgm:txFillClrLst/>
+    <dgm:txEffectClrLst/>
+  </dgm:styleLbl>
+  <dgm:styleLbl name="parChTrans2D3">
+    <dgm:fillClrLst meth="repeat">
+      <a:schemeClr val="accent4"/>
+    </dgm:fillClrLst>
+    <dgm:linClrLst meth="repeat">
+      <a:schemeClr val="lt1"/>
+    </dgm:linClrLst>
+    <dgm:effectClrLst/>
+    <dgm:txLinClrLst/>
+    <dgm:txFillClrLst/>
+    <dgm:txEffectClrLst/>
+  </dgm:styleLbl>
+  <dgm:styleLbl name="parChTrans2D4">
+    <dgm:fillClrLst meth="repeat">
+      <a:schemeClr val="accent5"/>
+    </dgm:fillClrLst>
+    <dgm:linClrLst meth="repeat">
+      <a:schemeClr val="lt1"/>
+    </dgm:linClrLst>
+    <dgm:effectClrLst/>
+    <dgm:txLinClrLst/>
+    <dgm:txFillClrLst meth="repeat">
+      <a:schemeClr val="lt1"/>
+    </dgm:txFillClrLst>
+    <dgm:txEffectClrLst/>
+  </dgm:styleLbl>
+  <dgm:styleLbl name="parChTrans1D1">
+    <dgm:fillClrLst meth="repeat">
+      <a:schemeClr val="accent2"/>
+    </dgm:fillClrLst>
+    <dgm:linClrLst meth="repeat">
+      <a:schemeClr val="accent1"/>
+    </dgm:linClrLst>
+    <dgm:effectClrLst/>
+    <dgm:txLinClrLst/>
+    <dgm:txFillClrLst meth="repeat">
+      <a:schemeClr val="tx1"/>
+    </dgm:txFillClrLst>
+    <dgm:txEffectClrLst/>
+  </dgm:styleLbl>
+  <dgm:styleLbl name="parChTrans1D2">
+    <dgm:fillClrLst meth="repeat">
+      <a:schemeClr val="accent3">
+        <a:tint val="90000"/>
+      </a:schemeClr>
+    </dgm:fillClrLst>
+    <dgm:linClrLst meth="repeat">
+      <a:schemeClr val="accent2"/>
+    </dgm:linClrLst>
+    <dgm:effectClrLst/>
+    <dgm:txLinClrLst/>
+    <dgm:txFillClrLst meth="repeat">
+      <a:schemeClr val="tx1"/>
+    </dgm:txFillClrLst>
+    <dgm:txEffectClrLst/>
+  </dgm:styleLbl>
+  <dgm:styleLbl name="parChTrans1D3">
+    <dgm:fillClrLst meth="repeat">
+      <a:schemeClr val="accent4">
+        <a:tint val="70000"/>
+      </a:schemeClr>
+    </dgm:fillClrLst>
+    <dgm:linClrLst meth="repeat">
+      <a:schemeClr val="accent3"/>
+    </dgm:linClrLst>
+    <dgm:effectClrLst/>
+    <dgm:txLinClrLst/>
+    <dgm:txFillClrLst meth="repeat">
+      <a:schemeClr val="tx1"/>
+    </dgm:txFillClrLst>
+    <dgm:txEffectClrLst/>
+  </dgm:styleLbl>
+  <dgm:styleLbl name="parChTrans1D4">
+    <dgm:fillClrLst meth="repeat">
+      <a:schemeClr val="accent5">
+        <a:tint val="50000"/>
+      </a:schemeClr>
+    </dgm:fillClrLst>
+    <dgm:linClrLst meth="repeat">
+      <a:schemeClr val="accent4"/>
+    </dgm:linClrLst>
+    <dgm:effectClrLst/>
+    <dgm:txLinClrLst/>
+    <dgm:txFillClrLst meth="repeat">
+      <a:schemeClr val="tx1"/>
+    </dgm:txFillClrLst>
+    <dgm:txEffectClrLst/>
+  </dgm:styleLbl>
+  <dgm:styleLbl name="fgAcc1">
+    <dgm:fillClrLst meth="repeat">
+      <a:schemeClr val="lt1">
+        <a:alpha val="90000"/>
+      </a:schemeClr>
+    </dgm:fillClrLst>
+    <dgm:linClrLst meth="repeat">
+      <a:schemeClr val="accent2"/>
+      <a:schemeClr val="accent3"/>
+      <a:schemeClr val="accent4"/>
+      <a:schemeClr val="accent5"/>
+      <a:schemeClr val="accent6"/>
+    </dgm:linClrLst>
+    <dgm:effectClrLst/>
+    <dgm:txLinClrLst/>
+    <dgm:txFillClrLst meth="repeat">
+      <a:schemeClr val="dk1"/>
+    </dgm:txFillClrLst>
+    <dgm:txEffectClrLst/>
+  </dgm:styleLbl>
+  <dgm:styleLbl name="conFgAcc1">
+    <dgm:fillClrLst meth="repeat">
+      <a:schemeClr val="lt1">
+        <a:alpha val="90000"/>
+      </a:schemeClr>
+    </dgm:fillClrLst>
+    <dgm:linClrLst meth="repeat">
+      <a:schemeClr val="accent2"/>
+      <a:schemeClr val="accent3"/>
+      <a:schemeClr val="accent4"/>
+      <a:schemeClr val="accent5"/>
+      <a:schemeClr val="accent6"/>
+    </dgm:linClrLst>
+    <dgm:effectClrLst/>
+    <dgm:txLinClrLst/>
+    <dgm:txFillClrLst meth="repeat">
+      <a:schemeClr val="dk1"/>
+    </dgm:txFillClrLst>
+    <dgm:txEffectClrLst/>
+  </dgm:styleLbl>
+  <dgm:styleLbl name="alignAcc1">
+    <dgm:fillClrLst meth="repeat">
+      <a:schemeClr val="lt1">
+        <a:alpha val="90000"/>
+      </a:schemeClr>
+    </dgm:fillClrLst>
+    <dgm:linClrLst meth="repeat">
+      <a:schemeClr val="accent2"/>
+      <a:schemeClr val="accent3"/>
+      <a:schemeClr val="accent4"/>
+      <a:schemeClr val="accent5"/>
+      <a:schemeClr val="accent6"/>
+    </dgm:linClrLst>
+    <dgm:effectClrLst/>
+    <dgm:txLinClrLst/>
+    <dgm:txFillClrLst meth="repeat">
+      <a:schemeClr val="dk1"/>
+    </dgm:txFillClrLst>
+    <dgm:txEffectClrLst/>
+  </dgm:styleLbl>
+  <dgm:styleLbl name="trAlignAcc1">
+    <dgm:fillClrLst meth="repeat">
+      <a:schemeClr val="lt1">
+        <a:alpha val="40000"/>
+      </a:schemeClr>
+    </dgm:fillClrLst>
+    <dgm:linClrLst meth="repeat">
+      <a:schemeClr val="accent1"/>
+    </dgm:linClrLst>
+    <dgm:effectClrLst/>
+    <dgm:txLinClrLst/>
+    <dgm:txFillClrLst meth="repeat">
+      <a:schemeClr val="dk1"/>
+    </dgm:txFillClrLst>
+    <dgm:txEffectClrLst/>
+  </dgm:styleLbl>
+  <dgm:styleLbl name="bgAcc1">
+    <dgm:fillClrLst meth="repeat">
+      <a:schemeClr val="lt1">
+        <a:alpha val="90000"/>
+      </a:schemeClr>
+    </dgm:fillClrLst>
+    <dgm:linClrLst meth="repeat">
+      <a:schemeClr val="accent2"/>
+      <a:schemeClr val="accent3"/>
+      <a:schemeClr val="accent4"/>
+      <a:schemeClr val="accent5"/>
+      <a:schemeClr val="accent6"/>
+    </dgm:linClrLst>
+    <dgm:effectClrLst/>
+    <dgm:txLinClrLst/>
+    <dgm:txFillClrLst meth="repeat">
+      <a:schemeClr val="dk1"/>
+    </dgm:txFillClrLst>
+    <dgm:txEffectClrLst/>
+  </dgm:styleLbl>
+  <dgm:styleLbl name="solidFgAcc1">
+    <dgm:fillClrLst meth="repeat">
+      <a:schemeClr val="lt1"/>
+    </dgm:fillClrLst>
+    <dgm:linClrLst meth="repeat">
+      <a:schemeClr val="accent2"/>
+      <a:schemeClr val="accent3"/>
+      <a:schemeClr val="accent4"/>
+      <a:schemeClr val="accent5"/>
+      <a:schemeClr val="accent6"/>
+    </dgm:linClrLst>
+    <dgm:effectClrLst/>
+    <dgm:txLinClrLst/>
+    <dgm:txFillClrLst meth="repeat">
+      <a:schemeClr val="dk1"/>
+    </dgm:txFillClrLst>
+    <dgm:txEffectClrLst/>
+  </dgm:styleLbl>
+  <dgm:styleLbl name="solidAlignAcc1">
+    <dgm:fillClrLst meth="repeat">
+      <a:schemeClr val="lt1"/>
+    </dgm:fillClrLst>
+    <dgm:linClrLst meth="repeat">
+      <a:schemeClr val="accent2"/>
+      <a:schemeClr val="accent3"/>
+      <a:schemeClr val="accent4"/>
+      <a:schemeClr val="accent5"/>
+      <a:schemeClr val="accent6"/>
+    </dgm:linClrLst>
+    <dgm:effectClrLst/>
+    <dgm:txLinClrLst/>
+    <dgm:txFillClrLst meth="repeat">
+      <a:schemeClr val="dk1"/>
+    </dgm:txFillClrLst>
+    <dgm:txEffectClrLst/>
+  </dgm:styleLbl>
+  <dgm:styleLbl name="solidBgAcc1">
+    <dgm:fillClrLst meth="repeat">
+      <a:schemeClr val="lt1"/>
+    </dgm:fillClrLst>
+    <dgm:linClrLst meth="repeat">
+      <a:schemeClr val="accent2"/>
+      <a:schemeClr val="accent3"/>
+      <a:schemeClr val="accent4"/>
+      <a:schemeClr val="accent5"/>
+      <a:schemeClr val="accent6"/>
+    </dgm:linClrLst>
+    <dgm:effectClrLst/>
+    <dgm:txLinClrLst/>
+    <dgm:txFillClrLst meth="repeat">
+      <a:schemeClr val="dk1"/>
+    </dgm:txFillClrLst>
+    <dgm:txEffectClrLst/>
+  </dgm:styleLbl>
+  <dgm:styleLbl name="fgAccFollowNode1">
+    <dgm:fillClrLst meth="repeat">
+      <a:schemeClr val="accent2">
+        <a:tint val="40000"/>
+        <a:alpha val="90000"/>
+      </a:schemeClr>
+      <a:schemeClr val="accent3">
+        <a:tint val="40000"/>
+        <a:alpha val="90000"/>
+      </a:schemeClr>
+      <a:schemeClr val="accent4">
+        <a:tint val="40000"/>
+        <a:alpha val="90000"/>
+      </a:schemeClr>
+      <a:schemeClr val="accent5">
+        <a:tint val="40000"/>
+        <a:alpha val="90000"/>
+      </a:schemeClr>
+      <a:schemeClr val="accent6">
+        <a:tint val="40000"/>
+        <a:alpha val="90000"/>
+      </a:schemeClr>
+    </dgm:fillClrLst>
+    <dgm:linClrLst meth="repeat">
+      <a:schemeClr val="accent2">
+        <a:tint val="40000"/>
+        <a:alpha val="90000"/>
+      </a:schemeClr>
+      <a:schemeClr val="accent3">
+        <a:tint val="40000"/>
+        <a:alpha val="90000"/>
+      </a:schemeClr>
+      <a:schemeClr val="accent4">
+        <a:tint val="40000"/>
+        <a:alpha val="90000"/>
+      </a:schemeClr>
+      <a:schemeClr val="accent5">
+        <a:tint val="40000"/>
+        <a:alpha val="90000"/>
+      </a:schemeClr>
+      <a:schemeClr val="accent6">
+        <a:tint val="40000"/>
+        <a:alpha val="90000"/>
+      </a:schemeClr>
+    </dgm:linClrLst>
+    <dgm:effectClrLst/>
+    <dgm:txLinClrLst/>
+    <dgm:txFillClrLst meth="repeat">
+      <a:schemeClr val="dk1"/>
+    </dgm:txFillClrLst>
+    <dgm:txEffectClrLst/>
+  </dgm:styleLbl>
+  <dgm:styleLbl name="alignAccFollowNode1">
+    <dgm:fillClrLst meth="repeat">
+      <a:schemeClr val="accent2">
+        <a:tint val="40000"/>
+        <a:alpha val="90000"/>
+      </a:schemeClr>
+      <a:schemeClr val="accent3">
+        <a:tint val="40000"/>
+        <a:alpha val="90000"/>
+      </a:schemeClr>
+      <a:schemeClr val="accent4">
+        <a:tint val="40000"/>
+        <a:alpha val="90000"/>
+      </a:schemeClr>
+      <a:schemeClr val="accent5">
+        <a:tint val="40000"/>
+        <a:alpha val="90000"/>
+      </a:schemeClr>
+      <a:schemeClr val="accent6">
+        <a:tint val="40000"/>
+        <a:alpha val="90000"/>
+      </a:schemeClr>
+    </dgm:fillClrLst>
+    <dgm:linClrLst meth="repeat">
+      <a:schemeClr val="accent2">
+        <a:tint val="40000"/>
+        <a:alpha val="90000"/>
+      </a:schemeClr>
+      <a:schemeClr val="accent3">
+        <a:tint val="40000"/>
+        <a:alpha val="90000"/>
+      </a:schemeClr>
+      <a:schemeClr val="accent4">
+        <a:tint val="40000"/>
+        <a:alpha val="90000"/>
+      </a:schemeClr>
+      <a:schemeClr val="accent5">
+        <a:tint val="40000"/>
+        <a:alpha val="90000"/>
+      </a:schemeClr>
+      <a:schemeClr val="accent6">
+        <a:tint val="40000"/>
+        <a:alpha val="90000"/>
+      </a:schemeClr>
+    </dgm:linClrLst>
+    <dgm:effectClrLst/>
+    <dgm:txLinClrLst/>
+    <dgm:txFillClrLst meth="repeat">
+      <a:schemeClr val="dk1"/>
+    </dgm:txFillClrLst>
+    <dgm:txEffectClrLst/>
+  </dgm:styleLbl>
+  <dgm:styleLbl name="bgAccFollowNode1">
+    <dgm:fillClrLst meth="repeat">
+      <a:schemeClr val="accent2">
+        <a:tint val="40000"/>
+        <a:alpha val="90000"/>
+      </a:schemeClr>
+      <a:schemeClr val="accent3">
+        <a:tint val="40000"/>
+        <a:alpha val="90000"/>
+      </a:schemeClr>
+      <a:schemeClr val="accent4">
+        <a:tint val="40000"/>
+        <a:alpha val="90000"/>
+      </a:schemeClr>
+      <a:schemeClr val="accent5">
+        <a:tint val="40000"/>
+        <a:alpha val="90000"/>
+      </a:schemeClr>
+      <a:schemeClr val="accent6">
+        <a:tint val="40000"/>
+        <a:alpha val="90000"/>
+      </a:schemeClr>
+    </dgm:fillClrLst>
+    <dgm:linClrLst meth="repeat">
+      <a:schemeClr val="accent2">
+        <a:tint val="40000"/>
+        <a:alpha val="90000"/>
+      </a:schemeClr>
+      <a:schemeClr val="accent3">
+        <a:tint val="40000"/>
+        <a:alpha val="90000"/>
+      </a:schemeClr>
+      <a:schemeClr val="accent4">
+        <a:tint val="40000"/>
+        <a:alpha val="90000"/>
+      </a:schemeClr>
+      <a:schemeClr val="accent5">
+        <a:tint val="40000"/>
+        <a:alpha val="90000"/>
+      </a:schemeClr>
+      <a:schemeClr val="accent6">
+        <a:tint val="40000"/>
+        <a:alpha val="90000"/>
+      </a:schemeClr>
+    </dgm:linClrLst>
+    <dgm:effectClrLst/>
+    <dgm:txLinClrLst/>
+    <dgm:txFillClrLst meth="repeat">
+      <a:schemeClr val="dk1"/>
+    </dgm:txFillClrLst>
+    <dgm:txEffectClrLst/>
+  </dgm:styleLbl>
+  <dgm:styleLbl name="fgAcc0">
+    <dgm:fillClrLst meth="repeat">
+      <a:schemeClr val="lt1">
+        <a:alpha val="90000"/>
+      </a:schemeClr>
+    </dgm:fillClrLst>
+    <dgm:linClrLst>
+      <a:schemeClr val="accent1"/>
+    </dgm:linClrLst>
+    <dgm:effectClrLst/>
+    <dgm:txLinClrLst/>
+    <dgm:txFillClrLst meth="repeat">
+      <a:schemeClr val="dk1"/>
+    </dgm:txFillClrLst>
+    <dgm:txEffectClrLst/>
+  </dgm:styleLbl>
+  <dgm:styleLbl name="fgAcc2">
+    <dgm:fillClrLst meth="repeat">
+      <a:schemeClr val="lt1">
+        <a:alpha val="90000"/>
+      </a:schemeClr>
+    </dgm:fillClrLst>
+    <dgm:linClrLst>
+      <a:schemeClr val="accent2"/>
+    </dgm:linClrLst>
+    <dgm:effectClrLst/>
+    <dgm:txLinClrLst/>
+    <dgm:txFillClrLst meth="repeat">
+      <a:schemeClr val="dk1"/>
+    </dgm:txFillClrLst>
+    <dgm:txEffectClrLst/>
+  </dgm:styleLbl>
+  <dgm:styleLbl name="fgAcc3">
+    <dgm:fillClrLst meth="repeat">
+      <a:schemeClr val="lt1">
+        <a:alpha val="90000"/>
+      </a:schemeClr>
+    </dgm:fillClrLst>
+    <dgm:linClrLst>
+      <a:schemeClr val="accent3"/>
+    </dgm:linClrLst>
+    <dgm:effectClrLst/>
+    <dgm:txLinClrLst/>
+    <dgm:txFillClrLst meth="repeat">
+      <a:schemeClr val="dk1"/>
+    </dgm:txFillClrLst>
+    <dgm:txEffectClrLst/>
+  </dgm:styleLbl>
+  <dgm:styleLbl name="fgAcc4">
+    <dgm:fillClrLst meth="repeat">
+      <a:schemeClr val="lt1">
+        <a:alpha val="90000"/>
+      </a:schemeClr>
+    </dgm:fillClrLst>
+    <dgm:linClrLst>
+      <a:schemeClr val="accent4"/>
+    </dgm:linClrLst>
+    <dgm:effectClrLst/>
+    <dgm:txLinClrLst/>
+    <dgm:txFillClrLst meth="repeat">
+      <a:schemeClr val="dk1"/>
+    </dgm:txFillClrLst>
+    <dgm:txEffectClrLst/>
+  </dgm:styleLbl>
+  <dgm:styleLbl name="bgShp">
+    <dgm:fillClrLst meth="repeat">
+      <a:schemeClr val="bg1">
+        <a:lumMod val="95000"/>
+      </a:schemeClr>
+    </dgm:fillClrLst>
+    <dgm:linClrLst meth="repeat">
+      <a:schemeClr val="dk1"/>
+    </dgm:linClrLst>
+    <dgm:effectClrLst/>
+    <dgm:txLinClrLst/>
+    <dgm:txFillClrLst meth="repeat">
+      <a:schemeClr val="dk1"/>
+    </dgm:txFillClrLst>
+    <dgm:txEffectClrLst/>
+  </dgm:styleLbl>
+  <dgm:styleLbl name="dkBgShp">
+    <dgm:fillClrLst meth="repeat">
+      <a:schemeClr val="accent2">
+        <a:shade val="90000"/>
+      </a:schemeClr>
+    </dgm:fillClrLst>
+    <dgm:linClrLst meth="repeat">
+      <a:schemeClr val="dk1"/>
+    </dgm:linClrLst>
+    <dgm:effectClrLst/>
+    <dgm:txLinClrLst/>
+    <dgm:txFillClrLst meth="repeat">
+      <a:schemeClr val="lt1"/>
+    </dgm:txFillClrLst>
+    <dgm:txEffectClrLst/>
+  </dgm:styleLbl>
+  <dgm:styleLbl name="trBgShp">
+    <dgm:fillClrLst meth="repeat">
+      <a:schemeClr val="accent1">
+        <a:tint val="50000"/>
+        <a:alpha val="40000"/>
+      </a:schemeClr>
+    </dgm:fillClrLst>
+    <dgm:linClrLst meth="repeat">
+      <a:schemeClr val="accent2"/>
+    </dgm:linClrLst>
+    <dgm:effectClrLst/>
+    <dgm:txLinClrLst/>
+    <dgm:txFillClrLst meth="repeat">
+      <a:schemeClr val="lt1"/>
+    </dgm:txFillClrLst>
+    <dgm:txEffectClrLst/>
+  </dgm:styleLbl>
+  <dgm:styleLbl name="fgShp">
+    <dgm:fillClrLst meth="repeat">
+      <a:schemeClr val="accent2">
+        <a:tint val="40000"/>
+      </a:schemeClr>
+    </dgm:fillClrLst>
+    <dgm:linClrLst meth="repeat">
+      <a:schemeClr val="lt1"/>
+    </dgm:linClrLst>
+    <dgm:effectClrLst/>
+    <dgm:txLinClrLst/>
+    <dgm:txFillClrLst meth="repeat">
+      <a:schemeClr val="dk1"/>
+    </dgm:txFillClrLst>
+    <dgm:txEffectClrLst/>
+  </dgm:styleLbl>
+  <dgm:styleLbl name="revTx">
+    <dgm:fillClrLst meth="repeat">
+      <a:schemeClr val="lt1">
+        <a:alpha val="0"/>
+      </a:schemeClr>
+    </dgm:fillClrLst>
+    <dgm:linClrLst meth="repeat">
+      <a:schemeClr val="dk1">
+        <a:alpha val="0"/>
+      </a:schemeClr>
+    </dgm:linClrLst>
+    <dgm:effectClrLst/>
+    <dgm:txLinClrLst/>
+    <dgm:txFillClrLst meth="repeat">
+      <a:schemeClr val="tx1"/>
+    </dgm:txFillClrLst>
+    <dgm:txEffectClrLst/>
+  </dgm:styleLbl>
+</dgm:colorsDef>
+</file>
+
+<file path=ppt/diagrams/data1.xml><?xml version="1.0" encoding="utf-8"?>
+<dgm:dataModel xmlns:dgm="http://schemas.openxmlformats.org/drawingml/2006/diagram" xmlns:a="http://schemas.openxmlformats.org/drawingml/2006/main">
+  <dgm:ptLst>
+    <dgm:pt modelId="{DA02D3FD-C469-43B5-87F0-F8CCD0D31535}" type="doc">
+      <dgm:prSet loTypeId="urn:microsoft.com/office/officeart/2018/2/layout/IconLabelList" loCatId="icon" qsTypeId="urn:microsoft.com/office/officeart/2005/8/quickstyle/simple1" qsCatId="simple" csTypeId="urn:microsoft.com/office/officeart/2018/5/colors/Iconchunking_neutralbg_colorful1" csCatId="colorful" phldr="1"/>
+      <dgm:spPr/>
+      <dgm:t>
+        <a:bodyPr/>
+        <a:lstStyle/>
+        <a:p>
+          <a:endParaRPr lang="en-US"/>
+        </a:p>
+      </dgm:t>
+    </dgm:pt>
+    <dgm:pt modelId="{15A9915D-7EC3-4D68-A16B-CD97A6227702}">
+      <dgm:prSet/>
+      <dgm:spPr/>
+      <dgm:t>
+        <a:bodyPr/>
+        <a:lstStyle/>
+        <a:p>
+          <a:r>
+            <a:rPr lang="en-US"/>
+            <a:t>Abandon the “always on”  - randomly decide when to round</a:t>
+          </a:r>
+        </a:p>
+      </dgm:t>
+    </dgm:pt>
+    <dgm:pt modelId="{55E6AFE0-6637-4F80-92CE-75B3F25FF015}" type="parTrans" cxnId="{C0EF6036-E48F-4061-BFD5-DA6FEFA9580F}">
+      <dgm:prSet/>
+      <dgm:spPr/>
+      <dgm:t>
+        <a:bodyPr/>
+        <a:lstStyle/>
+        <a:p>
+          <a:endParaRPr lang="en-US"/>
+        </a:p>
+      </dgm:t>
+    </dgm:pt>
+    <dgm:pt modelId="{E98A70B6-31FA-419F-BFEC-DC6CBCDB9D80}" type="sibTrans" cxnId="{C0EF6036-E48F-4061-BFD5-DA6FEFA9580F}">
+      <dgm:prSet/>
+      <dgm:spPr/>
+      <dgm:t>
+        <a:bodyPr/>
+        <a:lstStyle/>
+        <a:p>
+          <a:endParaRPr lang="en-US"/>
+        </a:p>
+      </dgm:t>
+    </dgm:pt>
+    <dgm:pt modelId="{F7DD6D3A-C2E3-4BD7-AB0A-2A513B0A4D51}">
+      <dgm:prSet/>
+      <dgm:spPr/>
+      <dgm:t>
+        <a:bodyPr/>
+        <a:lstStyle/>
+        <a:p>
+          <a:r>
+            <a:rPr lang="en-US"/>
+            <a:t>Round to different number of decimals</a:t>
+          </a:r>
+        </a:p>
+      </dgm:t>
+    </dgm:pt>
+    <dgm:pt modelId="{0410B5FF-6BBA-4C22-9203-D3AB85157E0F}" type="parTrans" cxnId="{6DE34B8E-7A33-4C87-A042-518F64102CD0}">
+      <dgm:prSet/>
+      <dgm:spPr/>
+      <dgm:t>
+        <a:bodyPr/>
+        <a:lstStyle/>
+        <a:p>
+          <a:endParaRPr lang="en-US"/>
+        </a:p>
+      </dgm:t>
+    </dgm:pt>
+    <dgm:pt modelId="{3C7A04B8-AF25-4525-87E6-CCD7006DBEAE}" type="sibTrans" cxnId="{6DE34B8E-7A33-4C87-A042-518F64102CD0}">
+      <dgm:prSet/>
+      <dgm:spPr/>
+      <dgm:t>
+        <a:bodyPr/>
+        <a:lstStyle/>
+        <a:p>
+          <a:endParaRPr lang="en-US"/>
+        </a:p>
+      </dgm:t>
+    </dgm:pt>
+    <dgm:pt modelId="{A6EB04BA-A8F3-44E7-A267-DD001538FF93}">
+      <dgm:prSet/>
+      <dgm:spPr/>
+      <dgm:t>
+        <a:bodyPr/>
+        <a:lstStyle/>
+        <a:p>
+          <a:r>
+            <a:rPr lang="en-US"/>
+            <a:t>Change floating-point precisions (tougher in python)</a:t>
+          </a:r>
+        </a:p>
+      </dgm:t>
+    </dgm:pt>
+    <dgm:pt modelId="{5E06AE57-6956-48D4-A47E-9E34C0DDDF02}" type="parTrans" cxnId="{4DBEB4A0-27FC-4E44-9CD5-F74B528A27E9}">
+      <dgm:prSet/>
+      <dgm:spPr/>
+      <dgm:t>
+        <a:bodyPr/>
+        <a:lstStyle/>
+        <a:p>
+          <a:endParaRPr lang="en-US"/>
+        </a:p>
+      </dgm:t>
+    </dgm:pt>
+    <dgm:pt modelId="{754FAEDC-25EC-4E7D-BA54-F97D151662C2}" type="sibTrans" cxnId="{4DBEB4A0-27FC-4E44-9CD5-F74B528A27E9}">
+      <dgm:prSet/>
+      <dgm:spPr/>
+      <dgm:t>
+        <a:bodyPr/>
+        <a:lstStyle/>
+        <a:p>
+          <a:endParaRPr lang="en-US"/>
+        </a:p>
+      </dgm:t>
+    </dgm:pt>
+    <dgm:pt modelId="{711B3DBC-A91D-4A5E-AB1D-E7D48663B418}">
+      <dgm:prSet/>
+      <dgm:spPr/>
+      <dgm:t>
+        <a:bodyPr/>
+        <a:lstStyle/>
+        <a:p>
+          <a:r>
+            <a:rPr lang="en-US"/>
+            <a:t>Different round methods (floor, ceiling, etc.)</a:t>
+          </a:r>
+        </a:p>
+      </dgm:t>
+    </dgm:pt>
+    <dgm:pt modelId="{3579BBE5-00CB-48B4-9FD9-F539A347F07F}" type="parTrans" cxnId="{AFDEC585-2CEA-4FAF-A6B8-9451A549A171}">
+      <dgm:prSet/>
+      <dgm:spPr/>
+      <dgm:t>
+        <a:bodyPr/>
+        <a:lstStyle/>
+        <a:p>
+          <a:endParaRPr lang="en-US"/>
+        </a:p>
+      </dgm:t>
+    </dgm:pt>
+    <dgm:pt modelId="{EF74BCBB-B4CD-4ACB-A7D7-085A05B07E9F}" type="sibTrans" cxnId="{AFDEC585-2CEA-4FAF-A6B8-9451A549A171}">
+      <dgm:prSet/>
+      <dgm:spPr/>
+      <dgm:t>
+        <a:bodyPr/>
+        <a:lstStyle/>
+        <a:p>
+          <a:endParaRPr lang="en-US"/>
+        </a:p>
+      </dgm:t>
+    </dgm:pt>
+    <dgm:pt modelId="{44017EE8-F9E4-4ECA-87E2-477DB0C6EFDD}" type="pres">
+      <dgm:prSet presAssocID="{DA02D3FD-C469-43B5-87F0-F8CCD0D31535}" presName="root" presStyleCnt="0">
+        <dgm:presLayoutVars>
+          <dgm:dir/>
+          <dgm:resizeHandles val="exact"/>
+        </dgm:presLayoutVars>
+      </dgm:prSet>
+      <dgm:spPr/>
+    </dgm:pt>
+    <dgm:pt modelId="{7971DB40-340F-4812-B45B-4C9A9E5BF910}" type="pres">
+      <dgm:prSet presAssocID="{15A9915D-7EC3-4D68-A16B-CD97A6227702}" presName="compNode" presStyleCnt="0"/>
+      <dgm:spPr/>
+    </dgm:pt>
+    <dgm:pt modelId="{CF6E003A-007C-4399-8AD5-66D4CA0E0AEC}" type="pres">
+      <dgm:prSet presAssocID="{15A9915D-7EC3-4D68-A16B-CD97A6227702}" presName="iconRect" presStyleLbl="node1" presStyleIdx="0" presStyleCnt="4"/>
+      <dgm:spPr>
+        <a:blipFill>
+          <a:blip xmlns:r="http://schemas.openxmlformats.org/officeDocument/2006/relationships" r:embed="rId1">
+            <a:extLst>
+              <a:ext uri="{28A0092B-C50C-407E-A947-70E740481C1C}">
+                <a14:useLocalDpi xmlns:a14="http://schemas.microsoft.com/office/drawing/2010/main" val="0"/>
+              </a:ext>
+              <a:ext uri="{96DAC541-7B7A-43D3-8B79-37D633B846F1}">
+                <asvg:svgBlip xmlns:asvg="http://schemas.microsoft.com/office/drawing/2016/SVG/main" r:embed="rId2"/>
+              </a:ext>
+            </a:extLst>
+          </a:blip>
+          <a:stretch>
+            <a:fillRect/>
+          </a:stretch>
+        </a:blipFill>
+        <a:ln>
+          <a:noFill/>
+        </a:ln>
+      </dgm:spPr>
+      <dgm:extLst>
+        <a:ext uri="{E40237B7-FDA0-4F09-8148-C483321AD2D9}">
+          <dgm14:cNvPr xmlns:dgm14="http://schemas.microsoft.com/office/drawing/2010/diagram" id="0" name="" descr="Cricket"/>
+        </a:ext>
+      </dgm:extLst>
+    </dgm:pt>
+    <dgm:pt modelId="{A54D59D4-6192-4D11-8BFF-174D91756426}" type="pres">
+      <dgm:prSet presAssocID="{15A9915D-7EC3-4D68-A16B-CD97A6227702}" presName="spaceRect" presStyleCnt="0"/>
+      <dgm:spPr/>
+    </dgm:pt>
+    <dgm:pt modelId="{11015B5D-4BF0-4A42-BD42-AA3135FFEE27}" type="pres">
+      <dgm:prSet presAssocID="{15A9915D-7EC3-4D68-A16B-CD97A6227702}" presName="textRect" presStyleLbl="revTx" presStyleIdx="0" presStyleCnt="4">
+        <dgm:presLayoutVars>
+          <dgm:chMax val="1"/>
+          <dgm:chPref val="1"/>
+        </dgm:presLayoutVars>
+      </dgm:prSet>
+      <dgm:spPr/>
+    </dgm:pt>
+    <dgm:pt modelId="{7D7C60B2-CCD8-479C-812A-FF1DC009C9E8}" type="pres">
+      <dgm:prSet presAssocID="{E98A70B6-31FA-419F-BFEC-DC6CBCDB9D80}" presName="sibTrans" presStyleCnt="0"/>
+      <dgm:spPr/>
+    </dgm:pt>
+    <dgm:pt modelId="{8EC2C622-872E-42C0-9479-9FC7BF72B11C}" type="pres">
+      <dgm:prSet presAssocID="{F7DD6D3A-C2E3-4BD7-AB0A-2A513B0A4D51}" presName="compNode" presStyleCnt="0"/>
+      <dgm:spPr/>
+    </dgm:pt>
+    <dgm:pt modelId="{3AC1C520-DC42-48F6-BB97-C031567EA357}" type="pres">
+      <dgm:prSet presAssocID="{F7DD6D3A-C2E3-4BD7-AB0A-2A513B0A4D51}" presName="iconRect" presStyleLbl="node1" presStyleIdx="1" presStyleCnt="4"/>
+      <dgm:spPr>
+        <a:blipFill>
+          <a:blip xmlns:r="http://schemas.openxmlformats.org/officeDocument/2006/relationships" r:embed="rId3">
+            <a:extLst>
+              <a:ext uri="{28A0092B-C50C-407E-A947-70E740481C1C}">
+                <a14:useLocalDpi xmlns:a14="http://schemas.microsoft.com/office/drawing/2010/main" val="0"/>
+              </a:ext>
+              <a:ext uri="{96DAC541-7B7A-43D3-8B79-37D633B846F1}">
+                <asvg:svgBlip xmlns:asvg="http://schemas.microsoft.com/office/drawing/2016/SVG/main" r:embed="rId4"/>
+              </a:ext>
+            </a:extLst>
+          </a:blip>
+          <a:stretch>
+            <a:fillRect/>
+          </a:stretch>
+        </a:blipFill>
+        <a:ln>
+          <a:noFill/>
+        </a:ln>
+      </dgm:spPr>
+      <dgm:extLst>
+        <a:ext uri="{E40237B7-FDA0-4F09-8148-C483321AD2D9}">
+          <dgm14:cNvPr xmlns:dgm14="http://schemas.microsoft.com/office/drawing/2010/diagram" id="0" name="" descr="Decimals"/>
+        </a:ext>
+      </dgm:extLst>
+    </dgm:pt>
+    <dgm:pt modelId="{95D16A61-DD7B-4E6C-8D21-B808B435D1C7}" type="pres">
+      <dgm:prSet presAssocID="{F7DD6D3A-C2E3-4BD7-AB0A-2A513B0A4D51}" presName="spaceRect" presStyleCnt="0"/>
+      <dgm:spPr/>
+    </dgm:pt>
+    <dgm:pt modelId="{BF794E5D-6089-42DA-BFD2-290D4597A082}" type="pres">
+      <dgm:prSet presAssocID="{F7DD6D3A-C2E3-4BD7-AB0A-2A513B0A4D51}" presName="textRect" presStyleLbl="revTx" presStyleIdx="1" presStyleCnt="4">
+        <dgm:presLayoutVars>
+          <dgm:chMax val="1"/>
+          <dgm:chPref val="1"/>
+        </dgm:presLayoutVars>
+      </dgm:prSet>
+      <dgm:spPr/>
+    </dgm:pt>
+    <dgm:pt modelId="{3E05F17E-2DE4-4199-A6FA-8C125CCEFAB1}" type="pres">
+      <dgm:prSet presAssocID="{3C7A04B8-AF25-4525-87E6-CCD7006DBEAE}" presName="sibTrans" presStyleCnt="0"/>
+      <dgm:spPr/>
+    </dgm:pt>
+    <dgm:pt modelId="{C52EB4A7-94AD-4459-AF85-E844B4B9CE48}" type="pres">
+      <dgm:prSet presAssocID="{A6EB04BA-A8F3-44E7-A267-DD001538FF93}" presName="compNode" presStyleCnt="0"/>
+      <dgm:spPr/>
+    </dgm:pt>
+    <dgm:pt modelId="{3B947F0D-73AC-4AB3-BC1E-05DC37FE9509}" type="pres">
+      <dgm:prSet presAssocID="{A6EB04BA-A8F3-44E7-A267-DD001538FF93}" presName="iconRect" presStyleLbl="node1" presStyleIdx="2" presStyleCnt="4"/>
+      <dgm:spPr>
+        <a:blipFill>
+          <a:blip xmlns:r="http://schemas.openxmlformats.org/officeDocument/2006/relationships" r:embed="rId5">
+            <a:extLst>
+              <a:ext uri="{28A0092B-C50C-407E-A947-70E740481C1C}">
+                <a14:useLocalDpi xmlns:a14="http://schemas.microsoft.com/office/drawing/2010/main" val="0"/>
+              </a:ext>
+              <a:ext uri="{96DAC541-7B7A-43D3-8B79-37D633B846F1}">
+                <asvg:svgBlip xmlns:asvg="http://schemas.microsoft.com/office/drawing/2016/SVG/main" r:embed="rId6"/>
+              </a:ext>
+            </a:extLst>
+          </a:blip>
+          <a:stretch>
+            <a:fillRect/>
+          </a:stretch>
+        </a:blipFill>
+        <a:ln>
+          <a:noFill/>
+        </a:ln>
+      </dgm:spPr>
+      <dgm:extLst>
+        <a:ext uri="{E40237B7-FDA0-4F09-8148-C483321AD2D9}">
+          <dgm14:cNvPr xmlns:dgm14="http://schemas.microsoft.com/office/drawing/2010/diagram" id="0" name="" descr="Poi"/>
+        </a:ext>
+      </dgm:extLst>
+    </dgm:pt>
+    <dgm:pt modelId="{15E5D9B9-A12F-4EBB-990C-EEF2F728DA0A}" type="pres">
+      <dgm:prSet presAssocID="{A6EB04BA-A8F3-44E7-A267-DD001538FF93}" presName="spaceRect" presStyleCnt="0"/>
+      <dgm:spPr/>
+    </dgm:pt>
+    <dgm:pt modelId="{06EC2FC3-4112-42E9-8504-366A303ECE6D}" type="pres">
+      <dgm:prSet presAssocID="{A6EB04BA-A8F3-44E7-A267-DD001538FF93}" presName="textRect" presStyleLbl="revTx" presStyleIdx="2" presStyleCnt="4">
+        <dgm:presLayoutVars>
+          <dgm:chMax val="1"/>
+          <dgm:chPref val="1"/>
+        </dgm:presLayoutVars>
+      </dgm:prSet>
+      <dgm:spPr/>
+    </dgm:pt>
+    <dgm:pt modelId="{143A12C5-2564-468E-9399-1E3FFC0D2C85}" type="pres">
+      <dgm:prSet presAssocID="{754FAEDC-25EC-4E7D-BA54-F97D151662C2}" presName="sibTrans" presStyleCnt="0"/>
+      <dgm:spPr/>
+    </dgm:pt>
+    <dgm:pt modelId="{0FC55DA2-5C32-4001-8EFB-C6ED0C142767}" type="pres">
+      <dgm:prSet presAssocID="{711B3DBC-A91D-4A5E-AB1D-E7D48663B418}" presName="compNode" presStyleCnt="0"/>
+      <dgm:spPr/>
+    </dgm:pt>
+    <dgm:pt modelId="{8C5D3B5D-7F0D-460C-A81C-D9490A16E5B2}" type="pres">
+      <dgm:prSet presAssocID="{711B3DBC-A91D-4A5E-AB1D-E7D48663B418}" presName="iconRect" presStyleLbl="node1" presStyleIdx="3" presStyleCnt="4"/>
+      <dgm:spPr>
+        <a:blipFill>
+          <a:blip xmlns:r="http://schemas.openxmlformats.org/officeDocument/2006/relationships" r:embed="rId7">
+            <a:extLst>
+              <a:ext uri="{28A0092B-C50C-407E-A947-70E740481C1C}">
+                <a14:useLocalDpi xmlns:a14="http://schemas.microsoft.com/office/drawing/2010/main" val="0"/>
+              </a:ext>
+              <a:ext uri="{96DAC541-7B7A-43D3-8B79-37D633B846F1}">
+                <asvg:svgBlip xmlns:asvg="http://schemas.microsoft.com/office/drawing/2016/SVG/main" r:embed="rId8"/>
+              </a:ext>
+            </a:extLst>
+          </a:blip>
+          <a:stretch>
+            <a:fillRect/>
+          </a:stretch>
+        </a:blipFill>
+        <a:ln>
+          <a:noFill/>
+        </a:ln>
+      </dgm:spPr>
+      <dgm:extLst>
+        <a:ext uri="{E40237B7-FDA0-4F09-8148-C483321AD2D9}">
+          <dgm14:cNvPr xmlns:dgm14="http://schemas.microsoft.com/office/drawing/2010/diagram" id="0" name="" descr="Robot"/>
+        </a:ext>
+      </dgm:extLst>
+    </dgm:pt>
+    <dgm:pt modelId="{CF70F100-EF18-4EA7-B580-2520363B5A2A}" type="pres">
+      <dgm:prSet presAssocID="{711B3DBC-A91D-4A5E-AB1D-E7D48663B418}" presName="spaceRect" presStyleCnt="0"/>
+      <dgm:spPr/>
+    </dgm:pt>
+    <dgm:pt modelId="{4295A6C2-D76B-425F-A5FD-87DCC6A3BEE2}" type="pres">
+      <dgm:prSet presAssocID="{711B3DBC-A91D-4A5E-AB1D-E7D48663B418}" presName="textRect" presStyleLbl="revTx" presStyleIdx="3" presStyleCnt="4">
+        <dgm:presLayoutVars>
+          <dgm:chMax val="1"/>
+          <dgm:chPref val="1"/>
+        </dgm:presLayoutVars>
+      </dgm:prSet>
+      <dgm:spPr/>
+    </dgm:pt>
+  </dgm:ptLst>
+  <dgm:cxnLst>
+    <dgm:cxn modelId="{C0EF6036-E48F-4061-BFD5-DA6FEFA9580F}" srcId="{DA02D3FD-C469-43B5-87F0-F8CCD0D31535}" destId="{15A9915D-7EC3-4D68-A16B-CD97A6227702}" srcOrd="0" destOrd="0" parTransId="{55E6AFE0-6637-4F80-92CE-75B3F25FF015}" sibTransId="{E98A70B6-31FA-419F-BFEC-DC6CBCDB9D80}"/>
+    <dgm:cxn modelId="{F2C7785C-D421-4BDB-AF3F-47A8BF693ACA}" type="presOf" srcId="{15A9915D-7EC3-4D68-A16B-CD97A6227702}" destId="{11015B5D-4BF0-4A42-BD42-AA3135FFEE27}" srcOrd="0" destOrd="0" presId="urn:microsoft.com/office/officeart/2018/2/layout/IconLabelList"/>
+    <dgm:cxn modelId="{D0F07D49-E1F1-4CF5-AFD6-1EC47A22CA5F}" type="presOf" srcId="{DA02D3FD-C469-43B5-87F0-F8CCD0D31535}" destId="{44017EE8-F9E4-4ECA-87E2-477DB0C6EFDD}" srcOrd="0" destOrd="0" presId="urn:microsoft.com/office/officeart/2018/2/layout/IconLabelList"/>
+    <dgm:cxn modelId="{63F73C57-733F-4918-ABFC-D4D9A81B0F22}" type="presOf" srcId="{A6EB04BA-A8F3-44E7-A267-DD001538FF93}" destId="{06EC2FC3-4112-42E9-8504-366A303ECE6D}" srcOrd="0" destOrd="0" presId="urn:microsoft.com/office/officeart/2018/2/layout/IconLabelList"/>
+    <dgm:cxn modelId="{AFDEC585-2CEA-4FAF-A6B8-9451A549A171}" srcId="{DA02D3FD-C469-43B5-87F0-F8CCD0D31535}" destId="{711B3DBC-A91D-4A5E-AB1D-E7D48663B418}" srcOrd="3" destOrd="0" parTransId="{3579BBE5-00CB-48B4-9FD9-F539A347F07F}" sibTransId="{EF74BCBB-B4CD-4ACB-A7D7-085A05B07E9F}"/>
+    <dgm:cxn modelId="{6DE34B8E-7A33-4C87-A042-518F64102CD0}" srcId="{DA02D3FD-C469-43B5-87F0-F8CCD0D31535}" destId="{F7DD6D3A-C2E3-4BD7-AB0A-2A513B0A4D51}" srcOrd="1" destOrd="0" parTransId="{0410B5FF-6BBA-4C22-9203-D3AB85157E0F}" sibTransId="{3C7A04B8-AF25-4525-87E6-CCD7006DBEAE}"/>
+    <dgm:cxn modelId="{4DBEB4A0-27FC-4E44-9CD5-F74B528A27E9}" srcId="{DA02D3FD-C469-43B5-87F0-F8CCD0D31535}" destId="{A6EB04BA-A8F3-44E7-A267-DD001538FF93}" srcOrd="2" destOrd="0" parTransId="{5E06AE57-6956-48D4-A47E-9E34C0DDDF02}" sibTransId="{754FAEDC-25EC-4E7D-BA54-F97D151662C2}"/>
+    <dgm:cxn modelId="{7321BED0-B23F-42C7-A408-D5D1A9C0973E}" type="presOf" srcId="{F7DD6D3A-C2E3-4BD7-AB0A-2A513B0A4D51}" destId="{BF794E5D-6089-42DA-BFD2-290D4597A082}" srcOrd="0" destOrd="0" presId="urn:microsoft.com/office/officeart/2018/2/layout/IconLabelList"/>
+    <dgm:cxn modelId="{EF85F9E4-1BA6-4F44-9DF7-0400614B671A}" type="presOf" srcId="{711B3DBC-A91D-4A5E-AB1D-E7D48663B418}" destId="{4295A6C2-D76B-425F-A5FD-87DCC6A3BEE2}" srcOrd="0" destOrd="0" presId="urn:microsoft.com/office/officeart/2018/2/layout/IconLabelList"/>
+    <dgm:cxn modelId="{2755E5E4-0409-40F3-8CC0-D0EAAB52D584}" type="presParOf" srcId="{44017EE8-F9E4-4ECA-87E2-477DB0C6EFDD}" destId="{7971DB40-340F-4812-B45B-4C9A9E5BF910}" srcOrd="0" destOrd="0" presId="urn:microsoft.com/office/officeart/2018/2/layout/IconLabelList"/>
+    <dgm:cxn modelId="{1A931F8C-262F-4247-8E2B-A1624900A3D0}" type="presParOf" srcId="{7971DB40-340F-4812-B45B-4C9A9E5BF910}" destId="{CF6E003A-007C-4399-8AD5-66D4CA0E0AEC}" srcOrd="0" destOrd="0" presId="urn:microsoft.com/office/officeart/2018/2/layout/IconLabelList"/>
+    <dgm:cxn modelId="{11ABA0E6-5605-4DAC-BD60-70952C5A264E}" type="presParOf" srcId="{7971DB40-340F-4812-B45B-4C9A9E5BF910}" destId="{A54D59D4-6192-4D11-8BFF-174D91756426}" srcOrd="1" destOrd="0" presId="urn:microsoft.com/office/officeart/2018/2/layout/IconLabelList"/>
+    <dgm:cxn modelId="{8A4D8914-C8CE-4283-B140-DA5F9879DA06}" type="presParOf" srcId="{7971DB40-340F-4812-B45B-4C9A9E5BF910}" destId="{11015B5D-4BF0-4A42-BD42-AA3135FFEE27}" srcOrd="2" destOrd="0" presId="urn:microsoft.com/office/officeart/2018/2/layout/IconLabelList"/>
+    <dgm:cxn modelId="{5347BF0D-F99C-4100-8EBE-ECED2553D850}" type="presParOf" srcId="{44017EE8-F9E4-4ECA-87E2-477DB0C6EFDD}" destId="{7D7C60B2-CCD8-479C-812A-FF1DC009C9E8}" srcOrd="1" destOrd="0" presId="urn:microsoft.com/office/officeart/2018/2/layout/IconLabelList"/>
+    <dgm:cxn modelId="{14F67563-609E-452F-A11E-EED189D0F698}" type="presParOf" srcId="{44017EE8-F9E4-4ECA-87E2-477DB0C6EFDD}" destId="{8EC2C622-872E-42C0-9479-9FC7BF72B11C}" srcOrd="2" destOrd="0" presId="urn:microsoft.com/office/officeart/2018/2/layout/IconLabelList"/>
+    <dgm:cxn modelId="{E7AB1288-5D72-4552-B371-F0360F00D864}" type="presParOf" srcId="{8EC2C622-872E-42C0-9479-9FC7BF72B11C}" destId="{3AC1C520-DC42-48F6-BB97-C031567EA357}" srcOrd="0" destOrd="0" presId="urn:microsoft.com/office/officeart/2018/2/layout/IconLabelList"/>
+    <dgm:cxn modelId="{7B3F1714-BE33-4FC2-9EE9-4975ED9382D8}" type="presParOf" srcId="{8EC2C622-872E-42C0-9479-9FC7BF72B11C}" destId="{95D16A61-DD7B-4E6C-8D21-B808B435D1C7}" srcOrd="1" destOrd="0" presId="urn:microsoft.com/office/officeart/2018/2/layout/IconLabelList"/>
+    <dgm:cxn modelId="{1A226E4E-E04B-4A93-B675-D21E9522679D}" type="presParOf" srcId="{8EC2C622-872E-42C0-9479-9FC7BF72B11C}" destId="{BF794E5D-6089-42DA-BFD2-290D4597A082}" srcOrd="2" destOrd="0" presId="urn:microsoft.com/office/officeart/2018/2/layout/IconLabelList"/>
+    <dgm:cxn modelId="{E17268E8-C253-4D66-908A-AA938FF810FA}" type="presParOf" srcId="{44017EE8-F9E4-4ECA-87E2-477DB0C6EFDD}" destId="{3E05F17E-2DE4-4199-A6FA-8C125CCEFAB1}" srcOrd="3" destOrd="0" presId="urn:microsoft.com/office/officeart/2018/2/layout/IconLabelList"/>
+    <dgm:cxn modelId="{034AE29C-3414-4C38-9BBB-5D09405048E5}" type="presParOf" srcId="{44017EE8-F9E4-4ECA-87E2-477DB0C6EFDD}" destId="{C52EB4A7-94AD-4459-AF85-E844B4B9CE48}" srcOrd="4" destOrd="0" presId="urn:microsoft.com/office/officeart/2018/2/layout/IconLabelList"/>
+    <dgm:cxn modelId="{3095EC8C-BA88-42D3-84BF-B58F95B48E4A}" type="presParOf" srcId="{C52EB4A7-94AD-4459-AF85-E844B4B9CE48}" destId="{3B947F0D-73AC-4AB3-BC1E-05DC37FE9509}" srcOrd="0" destOrd="0" presId="urn:microsoft.com/office/officeart/2018/2/layout/IconLabelList"/>
+    <dgm:cxn modelId="{DF97ABF9-10E2-4796-AEA1-C1AC5E55538B}" type="presParOf" srcId="{C52EB4A7-94AD-4459-AF85-E844B4B9CE48}" destId="{15E5D9B9-A12F-4EBB-990C-EEF2F728DA0A}" srcOrd="1" destOrd="0" presId="urn:microsoft.com/office/officeart/2018/2/layout/IconLabelList"/>
+    <dgm:cxn modelId="{CB5E75D7-E7A5-4993-AE0C-51385B695049}" type="presParOf" srcId="{C52EB4A7-94AD-4459-AF85-E844B4B9CE48}" destId="{06EC2FC3-4112-42E9-8504-366A303ECE6D}" srcOrd="2" destOrd="0" presId="urn:microsoft.com/office/officeart/2018/2/layout/IconLabelList"/>
+    <dgm:cxn modelId="{B355F492-580D-4437-A0AF-B1DABA57DFA9}" type="presParOf" srcId="{44017EE8-F9E4-4ECA-87E2-477DB0C6EFDD}" destId="{143A12C5-2564-468E-9399-1E3FFC0D2C85}" srcOrd="5" destOrd="0" presId="urn:microsoft.com/office/officeart/2018/2/layout/IconLabelList"/>
+    <dgm:cxn modelId="{BD0801F5-3448-49F2-A5DF-74DF89A49FC8}" type="presParOf" srcId="{44017EE8-F9E4-4ECA-87E2-477DB0C6EFDD}" destId="{0FC55DA2-5C32-4001-8EFB-C6ED0C142767}" srcOrd="6" destOrd="0" presId="urn:microsoft.com/office/officeart/2018/2/layout/IconLabelList"/>
+    <dgm:cxn modelId="{73F23DD1-9A26-4EA3-92D7-CDA2CE748CD3}" type="presParOf" srcId="{0FC55DA2-5C32-4001-8EFB-C6ED0C142767}" destId="{8C5D3B5D-7F0D-460C-A81C-D9490A16E5B2}" srcOrd="0" destOrd="0" presId="urn:microsoft.com/office/officeart/2018/2/layout/IconLabelList"/>
+    <dgm:cxn modelId="{79A2FAF3-50ED-4DAA-9DBA-10E2FC043C37}" type="presParOf" srcId="{0FC55DA2-5C32-4001-8EFB-C6ED0C142767}" destId="{CF70F100-EF18-4EA7-B580-2520363B5A2A}" srcOrd="1" destOrd="0" presId="urn:microsoft.com/office/officeart/2018/2/layout/IconLabelList"/>
+    <dgm:cxn modelId="{BDD379F7-3379-4586-8980-A6C133855131}" type="presParOf" srcId="{0FC55DA2-5C32-4001-8EFB-C6ED0C142767}" destId="{4295A6C2-D76B-425F-A5FD-87DCC6A3BEE2}" srcOrd="2" destOrd="0" presId="urn:microsoft.com/office/officeart/2018/2/layout/IconLabelList"/>
+  </dgm:cxnLst>
+  <dgm:bg/>
+  <dgm:whole/>
+  <dgm:extLst>
+    <a:ext uri="http://schemas.microsoft.com/office/drawing/2008/diagram">
+      <dsp:dataModelExt xmlns:dsp="http://schemas.microsoft.com/office/drawing/2008/diagram" relId="rId6" minVer="http://schemas.openxmlformats.org/drawingml/2006/diagram"/>
+    </a:ext>
+  </dgm:extLst>
+</dgm:dataModel>
+</file>
+
+<file path=ppt/diagrams/drawing1.xml><?xml version="1.0" encoding="utf-8"?>
+<dsp:drawing xmlns:dgm="http://schemas.openxmlformats.org/drawingml/2006/diagram" xmlns:dsp="http://schemas.microsoft.com/office/drawing/2008/diagram" xmlns:a="http://schemas.openxmlformats.org/drawingml/2006/main">
+  <dsp:spTree>
+    <dsp:nvGrpSpPr>
+      <dsp:cNvPr id="0" name=""/>
+      <dsp:cNvGrpSpPr/>
+    </dsp:nvGrpSpPr>
+    <dsp:grpSpPr/>
+    <dsp:sp modelId="{CF6E003A-007C-4399-8AD5-66D4CA0E0AEC}">
+      <dsp:nvSpPr>
+        <dsp:cNvPr id="0" name=""/>
+        <dsp:cNvSpPr/>
+      </dsp:nvSpPr>
+      <dsp:spPr>
+        <a:xfrm>
+          <a:off x="910425" y="1132880"/>
+          <a:ext cx="925223" cy="925223"/>
+        </a:xfrm>
+        <a:prstGeom prst="rect">
+          <a:avLst/>
+        </a:prstGeom>
+        <a:blipFill>
+          <a:blip xmlns:r="http://schemas.openxmlformats.org/officeDocument/2006/relationships" r:embed="rId1">
+            <a:extLst>
+              <a:ext uri="{28A0092B-C50C-407E-A947-70E740481C1C}">
+                <a14:useLocalDpi xmlns:a14="http://schemas.microsoft.com/office/drawing/2010/main" val="0"/>
+              </a:ext>
+              <a:ext uri="{96DAC541-7B7A-43D3-8B79-37D633B846F1}">
+                <asvg:svgBlip xmlns:asvg="http://schemas.microsoft.com/office/drawing/2016/SVG/main" r:embed="rId2"/>
+              </a:ext>
+            </a:extLst>
+          </a:blip>
+          <a:stretch>
+            <a:fillRect/>
+          </a:stretch>
+        </a:blipFill>
+        <a:ln w="13970" cap="flat" cmpd="sng" algn="ctr">
+          <a:noFill/>
+          <a:prstDash val="solid"/>
+        </a:ln>
+        <a:effectLst/>
+      </dsp:spPr>
+      <dsp:style>
+        <a:lnRef idx="2">
+          <a:scrgbClr r="0" g="0" b="0"/>
+        </a:lnRef>
+        <a:fillRef idx="1">
+          <a:scrgbClr r="0" g="0" b="0"/>
+        </a:fillRef>
+        <a:effectRef idx="0">
+          <a:scrgbClr r="0" g="0" b="0"/>
+        </a:effectRef>
+        <a:fontRef idx="minor">
+          <a:schemeClr val="lt1"/>
+        </a:fontRef>
+      </dsp:style>
+    </dsp:sp>
+    <dsp:sp modelId="{11015B5D-4BF0-4A42-BD42-AA3135FFEE27}">
+      <dsp:nvSpPr>
+        <dsp:cNvPr id="0" name=""/>
+        <dsp:cNvSpPr/>
+      </dsp:nvSpPr>
+      <dsp:spPr>
+        <a:xfrm>
+          <a:off x="345011" y="2348597"/>
+          <a:ext cx="2056051" cy="720000"/>
+        </a:xfrm>
+        <a:prstGeom prst="rect">
+          <a:avLst/>
+        </a:prstGeom>
+        <a:noFill/>
+        <a:ln>
+          <a:noFill/>
+        </a:ln>
+        <a:effectLst/>
+      </dsp:spPr>
+      <dsp:style>
+        <a:lnRef idx="0">
+          <a:scrgbClr r="0" g="0" b="0"/>
+        </a:lnRef>
+        <a:fillRef idx="0">
+          <a:scrgbClr r="0" g="0" b="0"/>
+        </a:fillRef>
+        <a:effectRef idx="0">
+          <a:scrgbClr r="0" g="0" b="0"/>
+        </a:effectRef>
+        <a:fontRef idx="minor"/>
+      </dsp:style>
+      <dsp:txBody>
+        <a:bodyPr spcFirstLastPara="0" vert="horz" wrap="square" lIns="0" tIns="0" rIns="0" bIns="0" numCol="1" spcCol="1270" anchor="t" anchorCtr="0">
+          <a:noAutofit/>
+        </a:bodyPr>
+        <a:lstStyle/>
+        <a:p>
+          <a:pPr marL="0" lvl="0" indent="0" algn="ctr" defTabSz="711200">
+            <a:lnSpc>
+              <a:spcPct val="90000"/>
+            </a:lnSpc>
+            <a:spcBef>
+              <a:spcPct val="0"/>
+            </a:spcBef>
+            <a:spcAft>
+              <a:spcPct val="35000"/>
+            </a:spcAft>
+            <a:buNone/>
+          </a:pPr>
+          <a:r>
+            <a:rPr lang="en-US" sz="1600" kern="1200"/>
+            <a:t>Abandon the “always on”  - randomly decide when to round</a:t>
+          </a:r>
+        </a:p>
+      </dsp:txBody>
+      <dsp:txXfrm>
+        <a:off x="345011" y="2348597"/>
+        <a:ext cx="2056051" cy="720000"/>
+      </dsp:txXfrm>
+    </dsp:sp>
+    <dsp:sp modelId="{3AC1C520-DC42-48F6-BB97-C031567EA357}">
+      <dsp:nvSpPr>
+        <dsp:cNvPr id="0" name=""/>
+        <dsp:cNvSpPr/>
+      </dsp:nvSpPr>
+      <dsp:spPr>
+        <a:xfrm>
+          <a:off x="3326286" y="1132880"/>
+          <a:ext cx="925223" cy="925223"/>
+        </a:xfrm>
+        <a:prstGeom prst="rect">
+          <a:avLst/>
+        </a:prstGeom>
+        <a:blipFill>
+          <a:blip xmlns:r="http://schemas.openxmlformats.org/officeDocument/2006/relationships" r:embed="rId3">
+            <a:extLst>
+              <a:ext uri="{28A0092B-C50C-407E-A947-70E740481C1C}">
+                <a14:useLocalDpi xmlns:a14="http://schemas.microsoft.com/office/drawing/2010/main" val="0"/>
+              </a:ext>
+              <a:ext uri="{96DAC541-7B7A-43D3-8B79-37D633B846F1}">
+                <asvg:svgBlip xmlns:asvg="http://schemas.microsoft.com/office/drawing/2016/SVG/main" r:embed="rId4"/>
+              </a:ext>
+            </a:extLst>
+          </a:blip>
+          <a:stretch>
+            <a:fillRect/>
+          </a:stretch>
+        </a:blipFill>
+        <a:ln w="13970" cap="flat" cmpd="sng" algn="ctr">
+          <a:noFill/>
+          <a:prstDash val="solid"/>
+        </a:ln>
+        <a:effectLst/>
+      </dsp:spPr>
+      <dsp:style>
+        <a:lnRef idx="2">
+          <a:scrgbClr r="0" g="0" b="0"/>
+        </a:lnRef>
+        <a:fillRef idx="1">
+          <a:scrgbClr r="0" g="0" b="0"/>
+        </a:fillRef>
+        <a:effectRef idx="0">
+          <a:scrgbClr r="0" g="0" b="0"/>
+        </a:effectRef>
+        <a:fontRef idx="minor">
+          <a:schemeClr val="lt1"/>
+        </a:fontRef>
+      </dsp:style>
+    </dsp:sp>
+    <dsp:sp modelId="{BF794E5D-6089-42DA-BFD2-290D4597A082}">
+      <dsp:nvSpPr>
+        <dsp:cNvPr id="0" name=""/>
+        <dsp:cNvSpPr/>
+      </dsp:nvSpPr>
+      <dsp:spPr>
+        <a:xfrm>
+          <a:off x="2760872" y="2348597"/>
+          <a:ext cx="2056051" cy="720000"/>
+        </a:xfrm>
+        <a:prstGeom prst="rect">
+          <a:avLst/>
+        </a:prstGeom>
+        <a:noFill/>
+        <a:ln>
+          <a:noFill/>
+        </a:ln>
+        <a:effectLst/>
+      </dsp:spPr>
+      <dsp:style>
+        <a:lnRef idx="0">
+          <a:scrgbClr r="0" g="0" b="0"/>
+        </a:lnRef>
+        <a:fillRef idx="0">
+          <a:scrgbClr r="0" g="0" b="0"/>
+        </a:fillRef>
+        <a:effectRef idx="0">
+          <a:scrgbClr r="0" g="0" b="0"/>
+        </a:effectRef>
+        <a:fontRef idx="minor"/>
+      </dsp:style>
+      <dsp:txBody>
+        <a:bodyPr spcFirstLastPara="0" vert="horz" wrap="square" lIns="0" tIns="0" rIns="0" bIns="0" numCol="1" spcCol="1270" anchor="t" anchorCtr="0">
+          <a:noAutofit/>
+        </a:bodyPr>
+        <a:lstStyle/>
+        <a:p>
+          <a:pPr marL="0" lvl="0" indent="0" algn="ctr" defTabSz="711200">
+            <a:lnSpc>
+              <a:spcPct val="90000"/>
+            </a:lnSpc>
+            <a:spcBef>
+              <a:spcPct val="0"/>
+            </a:spcBef>
+            <a:spcAft>
+              <a:spcPct val="35000"/>
+            </a:spcAft>
+            <a:buNone/>
+          </a:pPr>
+          <a:r>
+            <a:rPr lang="en-US" sz="1600" kern="1200"/>
+            <a:t>Round to different number of decimals</a:t>
+          </a:r>
+        </a:p>
+      </dsp:txBody>
+      <dsp:txXfrm>
+        <a:off x="2760872" y="2348597"/>
+        <a:ext cx="2056051" cy="720000"/>
+      </dsp:txXfrm>
+    </dsp:sp>
+    <dsp:sp modelId="{3B947F0D-73AC-4AB3-BC1E-05DC37FE9509}">
+      <dsp:nvSpPr>
+        <dsp:cNvPr id="0" name=""/>
+        <dsp:cNvSpPr/>
+      </dsp:nvSpPr>
+      <dsp:spPr>
+        <a:xfrm>
+          <a:off x="5742147" y="1132880"/>
+          <a:ext cx="925223" cy="925223"/>
+        </a:xfrm>
+        <a:prstGeom prst="rect">
+          <a:avLst/>
+        </a:prstGeom>
+        <a:blipFill>
+          <a:blip xmlns:r="http://schemas.openxmlformats.org/officeDocument/2006/relationships" r:embed="rId5">
+            <a:extLst>
+              <a:ext uri="{28A0092B-C50C-407E-A947-70E740481C1C}">
+                <a14:useLocalDpi xmlns:a14="http://schemas.microsoft.com/office/drawing/2010/main" val="0"/>
+              </a:ext>
+              <a:ext uri="{96DAC541-7B7A-43D3-8B79-37D633B846F1}">
+                <asvg:svgBlip xmlns:asvg="http://schemas.microsoft.com/office/drawing/2016/SVG/main" r:embed="rId6"/>
+              </a:ext>
+            </a:extLst>
+          </a:blip>
+          <a:stretch>
+            <a:fillRect/>
+          </a:stretch>
+        </a:blipFill>
+        <a:ln w="13970" cap="flat" cmpd="sng" algn="ctr">
+          <a:noFill/>
+          <a:prstDash val="solid"/>
+        </a:ln>
+        <a:effectLst/>
+      </dsp:spPr>
+      <dsp:style>
+        <a:lnRef idx="2">
+          <a:scrgbClr r="0" g="0" b="0"/>
+        </a:lnRef>
+        <a:fillRef idx="1">
+          <a:scrgbClr r="0" g="0" b="0"/>
+        </a:fillRef>
+        <a:effectRef idx="0">
+          <a:scrgbClr r="0" g="0" b="0"/>
+        </a:effectRef>
+        <a:fontRef idx="minor">
+          <a:schemeClr val="lt1"/>
+        </a:fontRef>
+      </dsp:style>
+    </dsp:sp>
+    <dsp:sp modelId="{06EC2FC3-4112-42E9-8504-366A303ECE6D}">
+      <dsp:nvSpPr>
+        <dsp:cNvPr id="0" name=""/>
+        <dsp:cNvSpPr/>
+      </dsp:nvSpPr>
+      <dsp:spPr>
+        <a:xfrm>
+          <a:off x="5176733" y="2348597"/>
+          <a:ext cx="2056051" cy="720000"/>
+        </a:xfrm>
+        <a:prstGeom prst="rect">
+          <a:avLst/>
+        </a:prstGeom>
+        <a:noFill/>
+        <a:ln>
+          <a:noFill/>
+        </a:ln>
+        <a:effectLst/>
+      </dsp:spPr>
+      <dsp:style>
+        <a:lnRef idx="0">
+          <a:scrgbClr r="0" g="0" b="0"/>
+        </a:lnRef>
+        <a:fillRef idx="0">
+          <a:scrgbClr r="0" g="0" b="0"/>
+        </a:fillRef>
+        <a:effectRef idx="0">
+          <a:scrgbClr r="0" g="0" b="0"/>
+        </a:effectRef>
+        <a:fontRef idx="minor"/>
+      </dsp:style>
+      <dsp:txBody>
+        <a:bodyPr spcFirstLastPara="0" vert="horz" wrap="square" lIns="0" tIns="0" rIns="0" bIns="0" numCol="1" spcCol="1270" anchor="t" anchorCtr="0">
+          <a:noAutofit/>
+        </a:bodyPr>
+        <a:lstStyle/>
+        <a:p>
+          <a:pPr marL="0" lvl="0" indent="0" algn="ctr" defTabSz="711200">
+            <a:lnSpc>
+              <a:spcPct val="90000"/>
+            </a:lnSpc>
+            <a:spcBef>
+              <a:spcPct val="0"/>
+            </a:spcBef>
+            <a:spcAft>
+              <a:spcPct val="35000"/>
+            </a:spcAft>
+            <a:buNone/>
+          </a:pPr>
+          <a:r>
+            <a:rPr lang="en-US" sz="1600" kern="1200"/>
+            <a:t>Change floating-point precisions (tougher in python)</a:t>
+          </a:r>
+        </a:p>
+      </dsp:txBody>
+      <dsp:txXfrm>
+        <a:off x="5176733" y="2348597"/>
+        <a:ext cx="2056051" cy="720000"/>
+      </dsp:txXfrm>
+    </dsp:sp>
+    <dsp:sp modelId="{8C5D3B5D-7F0D-460C-A81C-D9490A16E5B2}">
+      <dsp:nvSpPr>
+        <dsp:cNvPr id="0" name=""/>
+        <dsp:cNvSpPr/>
+      </dsp:nvSpPr>
+      <dsp:spPr>
+        <a:xfrm>
+          <a:off x="8158008" y="1132880"/>
+          <a:ext cx="925223" cy="925223"/>
+        </a:xfrm>
+        <a:prstGeom prst="rect">
+          <a:avLst/>
+        </a:prstGeom>
+        <a:blipFill>
+          <a:blip xmlns:r="http://schemas.openxmlformats.org/officeDocument/2006/relationships" r:embed="rId7">
+            <a:extLst>
+              <a:ext uri="{28A0092B-C50C-407E-A947-70E740481C1C}">
+                <a14:useLocalDpi xmlns:a14="http://schemas.microsoft.com/office/drawing/2010/main" val="0"/>
+              </a:ext>
+              <a:ext uri="{96DAC541-7B7A-43D3-8B79-37D633B846F1}">
+                <asvg:svgBlip xmlns:asvg="http://schemas.microsoft.com/office/drawing/2016/SVG/main" r:embed="rId8"/>
+              </a:ext>
+            </a:extLst>
+          </a:blip>
+          <a:stretch>
+            <a:fillRect/>
+          </a:stretch>
+        </a:blipFill>
+        <a:ln w="13970" cap="flat" cmpd="sng" algn="ctr">
+          <a:noFill/>
+          <a:prstDash val="solid"/>
+        </a:ln>
+        <a:effectLst/>
+      </dsp:spPr>
+      <dsp:style>
+        <a:lnRef idx="2">
+          <a:scrgbClr r="0" g="0" b="0"/>
+        </a:lnRef>
+        <a:fillRef idx="1">
+          <a:scrgbClr r="0" g="0" b="0"/>
+        </a:fillRef>
+        <a:effectRef idx="0">
+          <a:scrgbClr r="0" g="0" b="0"/>
+        </a:effectRef>
+        <a:fontRef idx="minor">
+          <a:schemeClr val="lt1"/>
+        </a:fontRef>
+      </dsp:style>
+    </dsp:sp>
+    <dsp:sp modelId="{4295A6C2-D76B-425F-A5FD-87DCC6A3BEE2}">
+      <dsp:nvSpPr>
+        <dsp:cNvPr id="0" name=""/>
+        <dsp:cNvSpPr/>
+      </dsp:nvSpPr>
+      <dsp:spPr>
+        <a:xfrm>
+          <a:off x="7592593" y="2348597"/>
+          <a:ext cx="2056051" cy="720000"/>
+        </a:xfrm>
+        <a:prstGeom prst="rect">
+          <a:avLst/>
+        </a:prstGeom>
+        <a:noFill/>
+        <a:ln>
+          <a:noFill/>
+        </a:ln>
+        <a:effectLst/>
+      </dsp:spPr>
+      <dsp:style>
+        <a:lnRef idx="0">
+          <a:scrgbClr r="0" g="0" b="0"/>
+        </a:lnRef>
+        <a:fillRef idx="0">
+          <a:scrgbClr r="0" g="0" b="0"/>
+        </a:fillRef>
+        <a:effectRef idx="0">
+          <a:scrgbClr r="0" g="0" b="0"/>
+        </a:effectRef>
+        <a:fontRef idx="minor"/>
+      </dsp:style>
+      <dsp:txBody>
+        <a:bodyPr spcFirstLastPara="0" vert="horz" wrap="square" lIns="0" tIns="0" rIns="0" bIns="0" numCol="1" spcCol="1270" anchor="t" anchorCtr="0">
+          <a:noAutofit/>
+        </a:bodyPr>
+        <a:lstStyle/>
+        <a:p>
+          <a:pPr marL="0" lvl="0" indent="0" algn="ctr" defTabSz="711200">
+            <a:lnSpc>
+              <a:spcPct val="90000"/>
+            </a:lnSpc>
+            <a:spcBef>
+              <a:spcPct val="0"/>
+            </a:spcBef>
+            <a:spcAft>
+              <a:spcPct val="35000"/>
+            </a:spcAft>
+            <a:buNone/>
+          </a:pPr>
+          <a:r>
+            <a:rPr lang="en-US" sz="1600" kern="1200"/>
+            <a:t>Different round methods (floor, ceiling, etc.)</a:t>
+          </a:r>
+        </a:p>
+      </dsp:txBody>
+      <dsp:txXfrm>
+        <a:off x="7592593" y="2348597"/>
+        <a:ext cx="2056051" cy="720000"/>
+      </dsp:txXfrm>
+    </dsp:sp>
+  </dsp:spTree>
+</dsp:drawing>
+</file>
+
+<file path=ppt/diagrams/layout1.xml><?xml version="1.0" encoding="utf-8"?>
+<dgm:layoutDef xmlns:dgm="http://schemas.openxmlformats.org/drawingml/2006/diagram" xmlns:a="http://schemas.openxmlformats.org/drawingml/2006/main" uniqueId="urn:microsoft.com/office/officeart/2018/2/layout/IconLabelList">
+  <dgm:title val="Icon Label List"/>
+  <dgm:desc val="Use to show non-sequential or grouped chunks of information accompanied by a related visuals. Works best with icons or small pictures with short text captions."/>
+  <dgm:catLst>
+    <dgm:cat type="icon" pri="500"/>
+  </dgm:catLst>
+  <dgm:sampData useDef="1">
+    <dgm:dataModel>
+      <dgm:ptLst/>
+      <dgm:bg/>
+      <dgm:whole/>
+    </dgm:dataModel>
+  </dgm:sampData>
+  <dgm:styleData useDef="1">
+    <dgm:dataModel>
+      <dgm:ptLst/>
+      <dgm:bg/>
+      <dgm:whole/>
+    </dgm:dataModel>
+  </dgm:styleData>
+  <dgm:clrData useDef="1">
+    <dgm:dataModel>
+      <dgm:ptLst/>
+      <dgm:bg/>
+      <dgm:whole/>
+    </dgm:dataModel>
+  </dgm:clrData>
+  <dgm:layoutNode name="root">
+    <dgm:varLst>
+      <dgm:dir/>
+      <dgm:resizeHandles val="exact"/>
+    </dgm:varLst>
+    <dgm:choose name="Name0">
+      <dgm:if name="Name1" axis="self" func="var" arg="dir" op="equ" val="norm">
+        <dgm:alg type="snake">
+          <dgm:param type="grDir" val="tL"/>
+          <dgm:param type="flowDir" val="row"/>
+          <dgm:param type="contDir" val="sameDir"/>
+          <dgm:param type="off" val="ctr"/>
+          <dgm:param type="vertAlign" val="mid"/>
+          <dgm:param type="horzAlign" val="ctr"/>
+        </dgm:alg>
+      </dgm:if>
+      <dgm:else name="Name2">
+        <dgm:alg type="snake">
+          <dgm:param type="grDir" val="tR"/>
+          <dgm:param type="flowDir" val="row"/>
+          <dgm:param type="contDir" val="sameDir"/>
+          <dgm:param type="off" val="ctr"/>
+          <dgm:param type="vertAlign" val="mid"/>
+          <dgm:param type="horzAlign" val="ctr"/>
+        </dgm:alg>
+      </dgm:else>
+    </dgm:choose>
+    <dgm:shape xmlns:r="http://schemas.openxmlformats.org/officeDocument/2006/relationships" r:blip="">
+      <dgm:adjLst/>
+    </dgm:shape>
+    <dgm:presOf/>
+    <dgm:choose name="Name3">
+      <dgm:if name="Name4" axis="ch" ptType="node" func="cnt" op="lte" val="2">
+        <dgm:constrLst>
+          <dgm:constr type="h" for="ch" forName="compNode" refType="h" fact="0.4"/>
+          <dgm:constr type="w" for="ch" forName="compNode" val="120"/>
+          <dgm:constr type="w" for="ch" forName="sibTrans" refType="w" refFor="ch" refForName="compNode" fact="0.175"/>
+          <dgm:constr type="sp" refType="w" refFor="ch" refForName="compNode" op="equ" fact="0.25"/>
+          <dgm:constr type="primFontSz" for="des" ptType="node" op="equ" val="50"/>
+          <dgm:constr type="h" for="des" forName="compNode" op="equ"/>
+          <dgm:constr type="h" for="des" forName="textRect" op="equ"/>
+        </dgm:constrLst>
+      </dgm:if>
+      <dgm:if name="Name5" axis="ch" ptType="node" func="cnt" op="lte" val="4">
+        <dgm:constrLst>
+          <dgm:constr type="h" for="ch" forName="compNode" refType="h" fact="0.4"/>
+          <dgm:constr type="w" for="ch" forName="compNode" refType="w"/>
+          <dgm:constr type="w" for="ch" forName="sibTrans" refType="w" refFor="ch" refForName="compNode" fact="0.175"/>
+          <dgm:constr type="sp" refType="w" refFor="ch" refForName="compNode" op="equ" fact="0.25"/>
+          <dgm:constr type="primFontSz" for="des" ptType="node" op="equ" val="36"/>
+          <dgm:constr type="h" for="des" forName="compNode" op="equ"/>
+          <dgm:constr type="h" for="des" forName="textRect" op="equ"/>
+        </dgm:constrLst>
+      </dgm:if>
+      <dgm:else name="Name6">
+        <dgm:constrLst>
+          <dgm:constr type="h" for="ch" forName="compNode" refType="h" fact="0.4"/>
+          <dgm:constr type="w" for="ch" forName="compNode" refType="w"/>
+          <dgm:constr type="w" for="ch" forName="sibTrans" refType="w" refFor="ch" refForName="compNode" fact="0.175"/>
+          <dgm:constr type="sp" refType="w" refFor="ch" refForName="compNode" op="equ" fact="0.25"/>
+          <dgm:constr type="primFontSz" for="des" ptType="node" op="equ" val="24"/>
+          <dgm:constr type="h" for="des" forName="compNode" op="equ"/>
+          <dgm:constr type="h" for="des" forName="textRect" op="equ"/>
+        </dgm:constrLst>
+      </dgm:else>
+    </dgm:choose>
+    <dgm:ruleLst>
+      <dgm:rule type="w" for="ch" forName="compNode" val="50" fact="NaN" max="NaN"/>
+    </dgm:ruleLst>
+    <dgm:forEach name="Name7" axis="ch" ptType="node">
+      <dgm:layoutNode name="compNode">
+        <dgm:alg type="composite"/>
+        <dgm:shape xmlns:r="http://schemas.openxmlformats.org/officeDocument/2006/relationships" r:blip="">
+          <dgm:adjLst/>
+        </dgm:shape>
+        <dgm:presOf axis="self"/>
+        <dgm:constrLst>
+          <dgm:constr type="w" for="ch" forName="iconRect" refType="w" fact="0.45"/>
+          <dgm:constr type="h" for="ch" forName="iconRect" refType="w" refFor="ch" refForName="iconRect"/>
+          <dgm:constr type="ctrX" for="ch" forName="iconRect" refType="w" fact="0.5"/>
+          <dgm:constr type="t" for="ch" forName="iconRect"/>
+          <dgm:constr type="h" for="ch" forName="spaceRect" refType="h" fact="0.15"/>
+          <dgm:constr type="w" for="ch" forName="spaceRect" refType="w"/>
+          <dgm:constr type="l" for="ch" forName="spaceRect"/>
+          <dgm:constr type="t" for="ch" forName="spaceRect" refType="b" refFor="ch" refForName="iconRect"/>
+          <dgm:constr type="h" for="ch" forName="textRect" val="20"/>
+          <dgm:constr type="w" for="ch" forName="textRect" refType="w"/>
+          <dgm:constr type="l" for="ch" forName="textRect"/>
+          <dgm:constr type="t" for="ch" forName="textRect" refType="b" refFor="ch" refForName="spaceRect"/>
+        </dgm:constrLst>
+        <dgm:ruleLst>
+          <dgm:rule type="h" val="INF" fact="NaN" max="NaN"/>
+        </dgm:ruleLst>
+        <dgm:layoutNode name="iconRect" styleLbl="node1">
+          <dgm:alg type="sp"/>
+          <dgm:shape xmlns:r="http://schemas.openxmlformats.org/officeDocument/2006/relationships" type="rect" r:blip="" blipPhldr="1">
+            <dgm:adjLst/>
+          </dgm:shape>
+          <dgm:presOf/>
+          <dgm:constrLst/>
+          <dgm:ruleLst/>
+        </dgm:layoutNode>
+        <dgm:layoutNode name="spaceRect">
+          <dgm:alg type="sp"/>
+          <dgm:shape xmlns:r="http://schemas.openxmlformats.org/officeDocument/2006/relationships" r:blip="">
+            <dgm:adjLst/>
+          </dgm:shape>
+          <dgm:presOf/>
+          <dgm:constrLst/>
+          <dgm:ruleLst/>
+        </dgm:layoutNode>
+        <dgm:layoutNode name="textRect" styleLbl="revTx">
+          <dgm:varLst>
+            <dgm:chMax val="1"/>
+            <dgm:chPref val="1"/>
+          </dgm:varLst>
+          <dgm:alg type="tx">
+            <dgm:param type="txAnchorVert" val="t"/>
+          </dgm:alg>
+          <dgm:shape xmlns:r="http://schemas.openxmlformats.org/officeDocument/2006/relationships" type="rect" r:blip="">
+            <dgm:adjLst/>
+          </dgm:shape>
+          <dgm:presOf axis="self" ptType="node"/>
+          <dgm:constrLst>
+            <dgm:constr type="lMarg"/>
+            <dgm:constr type="rMarg"/>
+            <dgm:constr type="tMarg"/>
+            <dgm:constr type="bMarg"/>
+          </dgm:constrLst>
+          <dgm:ruleLst>
+            <dgm:rule type="primFontSz" val="11" fact="NaN" max="NaN"/>
+            <dgm:rule type="h" val="INF" fact="NaN" max="NaN"/>
+          </dgm:ruleLst>
+        </dgm:layoutNode>
+      </dgm:layoutNode>
+      <dgm:forEach name="Name8" axis="followSib" ptType="sibTrans" cnt="1">
+        <dgm:layoutNode name="sibTrans">
+          <dgm:alg type="sp"/>
+          <dgm:shape xmlns:r="http://schemas.openxmlformats.org/officeDocument/2006/relationships" r:blip="">
+            <dgm:adjLst/>
+          </dgm:shape>
+          <dgm:presOf axis="self"/>
+          <dgm:constrLst/>
+          <dgm:ruleLst/>
+        </dgm:layoutNode>
+      </dgm:forEach>
+    </dgm:forEach>
+  </dgm:layoutNode>
+  <dgm:extLst>
+    <a:ext uri="{68A01E43-0DF5-4B5B-8FA6-DAF915123BFB}">
+      <dgm1612:lstStyle xmlns:dgm1612="http://schemas.microsoft.com/office/drawing/2016/12/diagram">
+        <a:lvl1pPr>
+          <a:lnSpc>
+            <a:spcPct val="100000"/>
+          </a:lnSpc>
+        </a:lvl1pPr>
+      </dgm1612:lstStyle>
+    </a:ext>
+  </dgm:extLst>
+</dgm:layoutDef>
+</file>
+
+<file path=ppt/diagrams/quickStyle1.xml><?xml version="1.0" encoding="utf-8"?>
+<dgm:styleDef xmlns:dgm="http://schemas.openxmlformats.org/drawingml/2006/diagram" xmlns:a="http://schemas.openxmlformats.org/drawingml/2006/main" uniqueId="urn:microsoft.com/office/officeart/2005/8/quickstyle/simple1">
+  <dgm:title val=""/>
+  <dgm:desc val=""/>
+  <dgm:catLst>
+    <dgm:cat type="simple" pri="10100"/>
+  </dgm:catLst>
+  <dgm:scene3d>
+    <a:camera prst="orthographicFront"/>
+    <a:lightRig rig="threePt" dir="t"/>
+  </dgm:scene3d>
+  <dgm:styleLbl name="node0">
+    <dgm:scene3d>
+      <a:camera prst="orthographicFront"/>
+      <a:lightRig rig="threePt" dir="t"/>
+    </dgm:scene3d>
+    <dgm:sp3d/>
+    <dgm:txPr/>
+    <dgm:style>
+      <a:lnRef idx="2">
+        <a:scrgbClr r="0" g="0" b="0"/>
+      </a:lnRef>
+      <a:fillRef idx="1">
+        <a:scrgbClr r="0" g="0" b="0"/>
+      </a:fillRef>
+      <a:effectRef idx="0">
+        <a:scrgbClr r="0" g="0" b="0"/>
+      </a:effectRef>
+      <a:fontRef idx="minor">
+        <a:schemeClr val="lt1"/>
+      </a:fontRef>
+    </dgm:style>
+  </dgm:styleLbl>
+  <dgm:styleLbl name="lnNode1">
+    <dgm:scene3d>
+      <a:camera prst="orthographicFront"/>
+      <a:lightRig rig="threePt" dir="t"/>
+    </dgm:scene3d>
+    <dgm:sp3d/>
+    <dgm:txPr/>
+    <dgm:style>
+      <a:lnRef idx="2">
+        <a:scrgbClr r="0" g="0" b="0"/>
+      </a:lnRef>
+      <a:fillRef idx="1">
+        <a:scrgbClr r="0" g="0" b="0"/>
+      </a:fillRef>
+      <a:effectRef idx="0">
+        <a:scrgbClr r="0" g="0" b="0"/>
+      </a:effectRef>
+      <a:fontRef idx="minor">
+        <a:schemeClr val="lt1"/>
+      </a:fontRef>
+    </dgm:style>
+  </dgm:styleLbl>
+  <dgm:styleLbl name="vennNode1">
+    <dgm:scene3d>
+      <a:camera prst="orthographicFront"/>
+      <a:lightRig rig="threePt" dir="t"/>
+    </dgm:scene3d>
+    <dgm:sp3d/>
+    <dgm:txPr/>
+    <dgm:style>
+      <a:lnRef idx="2">
+        <a:scrgbClr r="0" g="0" b="0"/>
+      </a:lnRef>
+      <a:fillRef idx="1">
+        <a:scrgbClr r="0" g="0" b="0"/>
+      </a:fillRef>
+      <a:effectRef idx="0">
+        <a:scrgbClr r="0" g="0" b="0"/>
+      </a:effectRef>
+      <a:fontRef idx="minor">
+        <a:schemeClr val="tx1"/>
+      </a:fontRef>
+    </dgm:style>
+  </dgm:styleLbl>
+  <dgm:styleLbl name="alignNode1">
+    <dgm:scene3d>
+      <a:camera prst="orthographicFront"/>
+      <a:lightRig rig="threePt" dir="t"/>
+    </dgm:scene3d>
+    <dgm:sp3d/>
+    <dgm:txPr/>
+    <dgm:style>
+      <a:lnRef idx="2">
+        <a:scrgbClr r="0" g="0" b="0"/>
+      </a:lnRef>
+      <a:fillRef idx="1">
+        <a:scrgbClr r="0" g="0" b="0"/>
+      </a:fillRef>
+      <a:effectRef idx="0">
+        <a:scrgbClr r="0" g="0" b="0"/>
+      </a:effectRef>
+      <a:fontRef idx="minor">
+        <a:schemeClr val="lt1"/>
+      </a:fontRef>
+    </dgm:style>
+  </dgm:styleLbl>
+  <dgm:styleLbl name="node1">
+    <dgm:scene3d>
+      <a:camera prst="orthographicFront"/>
+      <a:lightRig rig="threePt" dir="t"/>
+    </dgm:scene3d>
+    <dgm:sp3d/>
+    <dgm:txPr/>
+    <dgm:style>
+      <a:lnRef idx="2">
+        <a:scrgbClr r="0" g="0" b="0"/>
+      </a:lnRef>
+      <a:fillRef idx="1">
+        <a:scrgbClr r="0" g="0" b="0"/>
+      </a:fillRef>
+      <a:effectRef idx="0">
+        <a:scrgbClr r="0" g="0" b="0"/>
+      </a:effectRef>
+      <a:fontRef idx="minor">
+        <a:schemeClr val="lt1"/>
+      </a:fontRef>
+    </dgm:style>
+  </dgm:styleLbl>
+  <dgm:styleLbl name="node2">
+    <dgm:scene3d>
+      <a:camera prst="orthographicFront"/>
+      <a:lightRig rig="threePt" dir="t"/>
+    </dgm:scene3d>
+    <dgm:sp3d/>
+    <dgm:txPr/>
+    <dgm:style>
+      <a:lnRef idx="2">
+        <a:scrgbClr r="0" g="0" b="0"/>
+      </a:lnRef>
+      <a:fillRef idx="1">
+        <a:scrgbClr r="0" g="0" b="0"/>
+      </a:fillRef>
+      <a:effectRef idx="0">
+        <a:scrgbClr r="0" g="0" b="0"/>
+      </a:effectRef>
+      <a:fontRef idx="minor">
+        <a:schemeClr val="lt1"/>
+      </a:fontRef>
+    </dgm:style>
+  </dgm:styleLbl>
+  <dgm:styleLbl name="node3">
+    <dgm:scene3d>
+      <a:camera prst="orthographicFront"/>
+      <a:lightRig rig="threePt" dir="t"/>
+    </dgm:scene3d>
+    <dgm:sp3d/>
+    <dgm:txPr/>
+    <dgm:style>
+      <a:lnRef idx="2">
+        <a:scrgbClr r="0" g="0" b="0"/>
+      </a:lnRef>
+      <a:fillRef idx="1">
+        <a:scrgbClr r="0" g="0" b="0"/>
+      </a:fillRef>
+      <a:effectRef idx="0">
+        <a:scrgbClr r="0" g="0" b="0"/>
+      </a:effectRef>
+      <a:fontRef idx="minor">
+        <a:schemeClr val="lt1"/>
+      </a:fontRef>
+    </dgm:style>
+  </dgm:styleLbl>
+  <dgm:styleLbl name="node4">
+    <dgm:scene3d>
+      <a:camera prst="orthographicFront"/>
+      <a:lightRig rig="threePt" dir="t"/>
+    </dgm:scene3d>
+    <dgm:sp3d/>
+    <dgm:txPr/>
+    <dgm:style>
+      <a:lnRef idx="2">
+        <a:scrgbClr r="0" g="0" b="0"/>
+      </a:lnRef>
+      <a:fillRef idx="1">
+        <a:scrgbClr r="0" g="0" b="0"/>
+      </a:fillRef>
+      <a:effectRef idx="0">
+        <a:scrgbClr r="0" g="0" b="0"/>
+      </a:effectRef>
+      <a:fontRef idx="minor">
+        <a:schemeClr val="lt1"/>
+      </a:fontRef>
+    </dgm:style>
+  </dgm:styleLbl>
+  <dgm:styleLbl name="fgImgPlace1">
+    <dgm:scene3d>
+      <a:camera prst="orthographicFront"/>
+      <a:lightRig rig="threePt" dir="t"/>
+    </dgm:scene3d>
+    <dgm:sp3d/>
+    <dgm:txPr/>
+    <dgm:style>
+      <a:lnRef idx="2">
+        <a:scrgbClr r="0" g="0" b="0"/>
+      </a:lnRef>
+      <a:fillRef idx="1">
+        <a:scrgbClr r="0" g="0" b="0"/>
+      </a:fillRef>
+      <a:effectRef idx="0">
+        <a:scrgbClr r="0" g="0" b="0"/>
+      </a:effectRef>
+      <a:fontRef idx="minor"/>
+    </dgm:style>
+  </dgm:styleLbl>
+  <dgm:styleLbl name="alignImgPlace1">
+    <dgm:scene3d>
+      <a:camera prst="orthographicFront"/>
+      <a:lightRig rig="threePt" dir="t"/>
+    </dgm:scene3d>
+    <dgm:sp3d/>
+    <dgm:txPr/>
+    <dgm:style>
+      <a:lnRef idx="2">
+        <a:scrgbClr r="0" g="0" b="0"/>
+      </a:lnRef>
+      <a:fillRef idx="1">
+        <a:scrgbClr r="0" g="0" b="0"/>
+      </a:fillRef>
+      <a:effectRef idx="0">
+        <a:scrgbClr r="0" g="0" b="0"/>
+      </a:effectRef>
+      <a:fontRef idx="minor"/>
+    </dgm:style>
+  </dgm:styleLbl>
+  <dgm:styleLbl name="bgImgPlace1">
+    <dgm:scene3d>
+      <a:camera prst="orthographicFront"/>
+      <a:lightRig rig="threePt" dir="t"/>
+    </dgm:scene3d>
+    <dgm:sp3d/>
+    <dgm:txPr/>
+    <dgm:style>
+      <a:lnRef idx="2">
+        <a:scrgbClr r="0" g="0" b="0"/>
+      </a:lnRef>
+      <a:fillRef idx="1">
+        <a:scrgbClr r="0" g="0" b="0"/>
+      </a:fillRef>
+      <a:effectRef idx="0">
+        <a:scrgbClr r="0" g="0" b="0"/>
+      </a:effectRef>
+      <a:fontRef idx="minor"/>
+    </dgm:style>
+  </dgm:styleLbl>
+  <dgm:styleLbl name="sibTrans2D1">
+    <dgm:scene3d>
+      <a:camera prst="orthographicFront"/>
+      <a:lightRig rig="threePt" dir="t"/>
+    </dgm:scene3d>
+    <dgm:sp3d/>
+    <dgm:txPr/>
+    <dgm:style>
+      <a:lnRef idx="0">
+        <a:scrgbClr r="0" g="0" b="0"/>
+      </a:lnRef>
+      <a:fillRef idx="1">
+        <a:scrgbClr r="0" g="0" b="0"/>
+      </a:fillRef>
+      <a:effectRef idx="0">
+        <a:scrgbClr r="0" g="0" b="0"/>
+      </a:effectRef>
+      <a:fontRef idx="minor">
+        <a:schemeClr val="lt1"/>
+      </a:fontRef>
+    </dgm:style>
+  </dgm:styleLbl>
+  <dgm:styleLbl name="fgSibTrans2D1">
+    <dgm:scene3d>
+      <a:camera prst="orthographicFront"/>
+      <a:lightRig rig="threePt" dir="t"/>
+    </dgm:scene3d>
+    <dgm:sp3d/>
+    <dgm:txPr/>
+    <dgm:style>
+      <a:lnRef idx="0">
+        <a:scrgbClr r="0" g="0" b="0"/>
+      </a:lnRef>
+      <a:fillRef idx="1">
+        <a:scrgbClr r="0" g="0" b="0"/>
+      </a:fillRef>
+      <a:effectRef idx="0">
+        <a:scrgbClr r="0" g="0" b="0"/>
+      </a:effectRef>
+      <a:fontRef idx="minor">
+        <a:schemeClr val="lt1"/>
+      </a:fontRef>
+    </dgm:style>
+  </dgm:styleLbl>
+  <dgm:styleLbl name="bgSibTrans2D1">
+    <dgm:scene3d>
+      <a:camera prst="orthographicFront"/>
+      <a:lightRig rig="threePt" dir="t"/>
+    </dgm:scene3d>
+    <dgm:sp3d/>
+    <dgm:txPr/>
+    <dgm:style>
+      <a:lnRef idx="0">
+        <a:scrgbClr r="0" g="0" b="0"/>
+      </a:lnRef>
+      <a:fillRef idx="1">
+        <a:scrgbClr r="0" g="0" b="0"/>
+      </a:fillRef>
+      <a:effectRef idx="0">
+        <a:scrgbClr r="0" g="0" b="0"/>
+      </a:effectRef>
+      <a:fontRef idx="minor">
+        <a:schemeClr val="lt1"/>
+      </a:fontRef>
+    </dgm:style>
+  </dgm:styleLbl>
+  <dgm:styleLbl name="sibTrans1D1">
+    <dgm:scene3d>
+      <a:camera prst="orthographicFront"/>
+      <a:lightRig rig="threePt" dir="t"/>
+    </dgm:scene3d>
+    <dgm:sp3d/>
+    <dgm:txPr/>
+    <dgm:style>
+      <a:lnRef idx="1">
+        <a:scrgbClr r="0" g="0" b="0"/>
+      </a:lnRef>
+      <a:fillRef idx="0">
+        <a:scrgbClr r="0" g="0" b="0"/>
+      </a:fillRef>
+      <a:effectRef idx="0">
+        <a:scrgbClr r="0" g="0" b="0"/>
+      </a:effectRef>
+      <a:fontRef idx="minor"/>
+    </dgm:style>
+  </dgm:styleLbl>
+  <dgm:styleLbl name="callout">
+    <dgm:scene3d>
+      <a:camera prst="orthographicFront"/>
+      <a:lightRig rig="threePt" dir="t"/>
+    </dgm:scene3d>
+    <dgm:sp3d/>
+    <dgm:txPr/>
+    <dgm:style>
+      <a:lnRef idx="2">
+        <a:scrgbClr r="0" g="0" b="0"/>
+      </a:lnRef>
+      <a:fillRef idx="1">
+        <a:scrgbClr r="0" g="0" b="0"/>
+      </a:fillRef>
+      <a:effectRef idx="0">
+        <a:scrgbClr r="0" g="0" b="0"/>
+      </a:effectRef>
+      <a:fontRef idx="minor"/>
+    </dgm:style>
+  </dgm:styleLbl>
+  <dgm:styleLbl name="asst0">
+    <dgm:scene3d>
+      <a:camera prst="orthographicFront"/>
+      <a:lightRig rig="threePt" dir="t"/>
+    </dgm:scene3d>
+    <dgm:sp3d/>
+    <dgm:txPr/>
+    <dgm:style>
+      <a:lnRef idx="2">
+        <a:scrgbClr r="0" g="0" b="0"/>
+      </a:lnRef>
+      <a:fillRef idx="1">
+        <a:scrgbClr r="0" g="0" b="0"/>
+      </a:fillRef>
+      <a:effectRef idx="0">
+        <a:scrgbClr r="0" g="0" b="0"/>
+      </a:effectRef>
+      <a:fontRef idx="minor">
+        <a:schemeClr val="lt1"/>
+      </a:fontRef>
+    </dgm:style>
+  </dgm:styleLbl>
+  <dgm:styleLbl name="asst1">
+    <dgm:scene3d>
+      <a:camera prst="orthographicFront"/>
+      <a:lightRig rig="threePt" dir="t"/>
+    </dgm:scene3d>
+    <dgm:sp3d/>
+    <dgm:txPr/>
+    <dgm:style>
+      <a:lnRef idx="2">
+        <a:scrgbClr r="0" g="0" b="0"/>
+      </a:lnRef>
+      <a:fillRef idx="1">
+        <a:scrgbClr r="0" g="0" b="0"/>
+      </a:fillRef>
+      <a:effectRef idx="0">
+        <a:scrgbClr r="0" g="0" b="0"/>
+      </a:effectRef>
+      <a:fontRef idx="minor">
+        <a:schemeClr val="lt1"/>
+      </a:fontRef>
+    </dgm:style>
+  </dgm:styleLbl>
+  <dgm:styleLbl name="asst2">
+    <dgm:scene3d>
+      <a:camera prst="orthographicFront"/>
+      <a:lightRig rig="threePt" dir="t"/>
+    </dgm:scene3d>
+    <dgm:sp3d/>
+    <dgm:txPr/>
+    <dgm:style>
+      <a:lnRef idx="2">
+        <a:scrgbClr r="0" g="0" b="0"/>
+      </a:lnRef>
+      <a:fillRef idx="1">
+        <a:scrgbClr r="0" g="0" b="0"/>
+      </a:fillRef>
+      <a:effectRef idx="0">
+        <a:scrgbClr r="0" g="0" b="0"/>
+      </a:effectRef>
+      <a:fontRef idx="minor">
+        <a:schemeClr val="lt1"/>
+      </a:fontRef>
+    </dgm:style>
+  </dgm:styleLbl>
+  <dgm:styleLbl name="asst3">
+    <dgm:scene3d>
+      <a:camera prst="orthographicFront"/>
+      <a:lightRig rig="threePt" dir="t"/>
+    </dgm:scene3d>
+    <dgm:sp3d/>
+    <dgm:txPr/>
+    <dgm:style>
+      <a:lnRef idx="2">
+        <a:scrgbClr r="0" g="0" b="0"/>
+      </a:lnRef>
+      <a:fillRef idx="1">
+        <a:scrgbClr r="0" g="0" b="0"/>
+      </a:fillRef>
+      <a:effectRef idx="0">
+        <a:scrgbClr r="0" g="0" b="0"/>
+      </a:effectRef>
+      <a:fontRef idx="minor">
+        <a:schemeClr val="lt1"/>
+      </a:fontRef>
+    </dgm:style>
+  </dgm:styleLbl>
+  <dgm:styleLbl name="asst4">
+    <dgm:scene3d>
+      <a:camera prst="orthographicFront"/>
+      <a:lightRig rig="threePt" dir="t"/>
+    </dgm:scene3d>
+    <dgm:sp3d/>
+    <dgm:txPr/>
+    <dgm:style>
+      <a:lnRef idx="2">
+        <a:scrgbClr r="0" g="0" b="0"/>
+      </a:lnRef>
+      <a:fillRef idx="1">
+        <a:scrgbClr r="0" g="0" b="0"/>
+      </a:fillRef>
+      <a:effectRef idx="0">
+        <a:scrgbClr r="0" g="0" b="0"/>
+      </a:effectRef>
+      <a:fontRef idx="minor">
+        <a:schemeClr val="lt1"/>
+      </a:fontRef>
+    </dgm:style>
+  </dgm:styleLbl>
+  <dgm:styleLbl name="parChTrans2D1">
+    <dgm:scene3d>
+      <a:camera prst="orthographicFront"/>
+      <a:lightRig rig="threePt" dir="t"/>
+    </dgm:scene3d>
+    <dgm:sp3d/>
+    <dgm:txPr/>
+    <dgm:style>
+      <a:lnRef idx="2">
+        <a:scrgbClr r="0" g="0" b="0"/>
+      </a:lnRef>
+      <a:fillRef idx="1">
+        <a:scrgbClr r="0" g="0" b="0"/>
+      </a:fillRef>
+      <a:effectRef idx="0">
+        <a:scrgbClr r="0" g="0" b="0"/>
+      </a:effectRef>
+      <a:fontRef idx="minor">
+        <a:schemeClr val="lt1"/>
+      </a:fontRef>
+    </dgm:style>
+  </dgm:styleLbl>
+  <dgm:styleLbl name="parChTrans2D2">
+    <dgm:scene3d>
+      <a:camera prst="orthographicFront"/>
+      <a:lightRig rig="threePt" dir="t"/>
+    </dgm:scene3d>
+    <dgm:sp3d/>
+    <dgm:txPr/>
+    <dgm:style>
+      <a:lnRef idx="2">
+        <a:scrgbClr r="0" g="0" b="0"/>
+      </a:lnRef>
+      <a:fillRef idx="1">
+        <a:scrgbClr r="0" g="0" b="0"/>
+      </a:fillRef>
+      <a:effectRef idx="0">
+        <a:scrgbClr r="0" g="0" b="0"/>
+      </a:effectRef>
+      <a:fontRef idx="minor">
+        <a:schemeClr val="lt1"/>
+      </a:fontRef>
+    </dgm:style>
+  </dgm:styleLbl>
+  <dgm:styleLbl name="parChTrans2D3">
+    <dgm:scene3d>
+      <a:camera prst="orthographicFront"/>
+      <a:lightRig rig="threePt" dir="t"/>
+    </dgm:scene3d>
+    <dgm:sp3d/>
+    <dgm:txPr/>
+    <dgm:style>
+      <a:lnRef idx="2">
+        <a:scrgbClr r="0" g="0" b="0"/>
+      </a:lnRef>
+      <a:fillRef idx="1">
+        <a:scrgbClr r="0" g="0" b="0"/>
+      </a:fillRef>
+      <a:effectRef idx="0">
+        <a:scrgbClr r="0" g="0" b="0"/>
+      </a:effectRef>
+      <a:fontRef idx="minor">
+        <a:schemeClr val="lt1"/>
+      </a:fontRef>
+    </dgm:style>
+  </dgm:styleLbl>
+  <dgm:styleLbl name="parChTrans2D4">
+    <dgm:scene3d>
+      <a:camera prst="orthographicFront"/>
+      <a:lightRig rig="threePt" dir="t"/>
+    </dgm:scene3d>
+    <dgm:sp3d/>
+    <dgm:txPr/>
+    <dgm:style>
+      <a:lnRef idx="2">
+        <a:scrgbClr r="0" g="0" b="0"/>
+      </a:lnRef>
+      <a:fillRef idx="1">
+        <a:scrgbClr r="0" g="0" b="0"/>
+      </a:fillRef>
+      <a:effectRef idx="0">
+        <a:scrgbClr r="0" g="0" b="0"/>
+      </a:effectRef>
+      <a:fontRef idx="minor">
+        <a:schemeClr val="lt1"/>
+      </a:fontRef>
+    </dgm:style>
+  </dgm:styleLbl>
+  <dgm:styleLbl name="parChTrans1D1">
+    <dgm:scene3d>
+      <a:camera prst="orthographicFront"/>
+      <a:lightRig rig="threePt" dir="t"/>
+    </dgm:scene3d>
+    <dgm:sp3d/>
+    <dgm:txPr/>
+    <dgm:style>
+      <a:lnRef idx="2">
+        <a:scrgbClr r="0" g="0" b="0"/>
+      </a:lnRef>
+      <a:fillRef idx="0">
+        <a:scrgbClr r="0" g="0" b="0"/>
+      </a:fillRef>
+      <a:effectRef idx="0">
+        <a:scrgbClr r="0" g="0" b="0"/>
+      </a:effectRef>
+      <a:fontRef idx="minor"/>
+    </dgm:style>
+  </dgm:styleLbl>
+  <dgm:styleLbl name="parChTrans1D2">
+    <dgm:scene3d>
+      <a:camera prst="orthographicFront"/>
+      <a:lightRig rig="threePt" dir="t"/>
+    </dgm:scene3d>
+    <dgm:sp3d/>
+    <dgm:txPr/>
+    <dgm:style>
+      <a:lnRef idx="2">
+        <a:scrgbClr r="0" g="0" b="0"/>
+      </a:lnRef>
+      <a:fillRef idx="0">
+        <a:scrgbClr r="0" g="0" b="0"/>
+      </a:fillRef>
+      <a:effectRef idx="0">
+        <a:scrgbClr r="0" g="0" b="0"/>
+      </a:effectRef>
+      <a:fontRef idx="minor"/>
+    </dgm:style>
+  </dgm:styleLbl>
+  <dgm:styleLbl name="parChTrans1D3">
+    <dgm:scene3d>
+      <a:camera prst="orthographicFront"/>
+      <a:lightRig rig="threePt" dir="t"/>
+    </dgm:scene3d>
+    <dgm:sp3d/>
+    <dgm:txPr/>
+    <dgm:style>
+      <a:lnRef idx="2">
+        <a:scrgbClr r="0" g="0" b="0"/>
+      </a:lnRef>
+      <a:fillRef idx="0">
+        <a:scrgbClr r="0" g="0" b="0"/>
+      </a:fillRef>
+      <a:effectRef idx="0">
+        <a:scrgbClr r="0" g="0" b="0"/>
+      </a:effectRef>
+      <a:fontRef idx="minor"/>
+    </dgm:style>
+  </dgm:styleLbl>
+  <dgm:styleLbl name="parChTrans1D4">
+    <dgm:scene3d>
+      <a:camera prst="orthographicFront"/>
+      <a:lightRig rig="threePt" dir="t"/>
+    </dgm:scene3d>
+    <dgm:sp3d/>
+    <dgm:txPr/>
+    <dgm:style>
+      <a:lnRef idx="2">
+        <a:scrgbClr r="0" g="0" b="0"/>
+      </a:lnRef>
+      <a:fillRef idx="0">
+        <a:scrgbClr r="0" g="0" b="0"/>
+      </a:fillRef>
+      <a:effectRef idx="0">
+        <a:scrgbClr r="0" g="0" b="0"/>
+      </a:effectRef>
+      <a:fontRef idx="minor"/>
+    </dgm:style>
+  </dgm:styleLbl>
+  <dgm:styleLbl name="fgAcc1">
+    <dgm:scene3d>
+      <a:camera prst="orthographicFront"/>
+      <a:lightRig rig="threePt" dir="t"/>
+    </dgm:scene3d>
+    <dgm:sp3d/>
+    <dgm:txPr/>
+    <dgm:style>
+      <a:lnRef idx="2">
+        <a:scrgbClr r="0" g="0" b="0"/>
+      </a:lnRef>
+      <a:fillRef idx="1">
+        <a:scrgbClr r="0" g="0" b="0"/>
+      </a:fillRef>
+      <a:effectRef idx="0">
+        <a:scrgbClr r="0" g="0" b="0"/>
+      </a:effectRef>
+      <a:fontRef idx="minor"/>
+    </dgm:style>
+  </dgm:styleLbl>
+  <dgm:styleLbl name="conFgAcc1">
+    <dgm:scene3d>
+      <a:camera prst="orthographicFront"/>
+      <a:lightRig rig="threePt" dir="t"/>
+    </dgm:scene3d>
+    <dgm:sp3d/>
+    <dgm:txPr/>
+    <dgm:style>
+      <a:lnRef idx="2">
+        <a:scrgbClr r="0" g="0" b="0"/>
+      </a:lnRef>
+      <a:fillRef idx="1">
+        <a:scrgbClr r="0" g="0" b="0"/>
+      </a:fillRef>
+      <a:effectRef idx="0">
+        <a:scrgbClr r="0" g="0" b="0"/>
+      </a:effectRef>
+      <a:fontRef idx="minor"/>
+    </dgm:style>
+  </dgm:styleLbl>
+  <dgm:styleLbl name="alignAcc1">
+    <dgm:scene3d>
+      <a:camera prst="orthographicFront"/>
+      <a:lightRig rig="threePt" dir="t"/>
+    </dgm:scene3d>
+    <dgm:sp3d/>
+    <dgm:txPr/>
+    <dgm:style>
+      <a:lnRef idx="2">
+        <a:scrgbClr r="0" g="0" b="0"/>
+      </a:lnRef>
+      <a:fillRef idx="1">
+        <a:scrgbClr r="0" g="0" b="0"/>
+      </a:fillRef>
+      <a:effectRef idx="0">
+        <a:scrgbClr r="0" g="0" b="0"/>
+      </a:effectRef>
+      <a:fontRef idx="minor"/>
+    </dgm:style>
+  </dgm:styleLbl>
+  <dgm:styleLbl name="trAlignAcc1">
+    <dgm:scene3d>
+      <a:camera prst="orthographicFront"/>
+      <a:lightRig rig="threePt" dir="t"/>
+    </dgm:scene3d>
+    <dgm:sp3d/>
+    <dgm:txPr/>
+    <dgm:style>
+      <a:lnRef idx="1">
+        <a:scrgbClr r="0" g="0" b="0"/>
+      </a:lnRef>
+      <a:fillRef idx="1">
+        <a:scrgbClr r="0" g="0" b="0"/>
+      </a:fillRef>
+      <a:effectRef idx="0">
+        <a:scrgbClr r="0" g="0" b="0"/>
+      </a:effectRef>
+      <a:fontRef idx="minor"/>
+    </dgm:style>
+  </dgm:styleLbl>
+  <dgm:styleLbl name="bgAcc1">
+    <dgm:scene3d>
+      <a:camera prst="orthographicFront"/>
+      <a:lightRig rig="threePt" dir="t"/>
+    </dgm:scene3d>
+    <dgm:sp3d/>
+    <dgm:txPr/>
+    <dgm:style>
+      <a:lnRef idx="2">
+        <a:scrgbClr r="0" g="0" b="0"/>
+      </a:lnRef>
+      <a:fillRef idx="1">
+        <a:scrgbClr r="0" g="0" b="0"/>
+      </a:fillRef>
+      <a:effectRef idx="0">
+        <a:scrgbClr r="0" g="0" b="0"/>
+      </a:effectRef>
+      <a:fontRef idx="minor"/>
+    </dgm:style>
+  </dgm:styleLbl>
+  <dgm:styleLbl name="solidFgAcc1">
+    <dgm:scene3d>
+      <a:camera prst="orthographicFront"/>
+      <a:lightRig rig="threePt" dir="t"/>
+    </dgm:scene3d>
+    <dgm:sp3d/>
+    <dgm:txPr/>
+    <dgm:style>
+      <a:lnRef idx="2">
+        <a:scrgbClr r="0" g="0" b="0"/>
+      </a:lnRef>
+      <a:fillRef idx="1">
+        <a:scrgbClr r="0" g="0" b="0"/>
+      </a:fillRef>
+      <a:effectRef idx="0">
+        <a:scrgbClr r="0" g="0" b="0"/>
+      </a:effectRef>
+      <a:fontRef idx="minor"/>
+    </dgm:style>
+  </dgm:styleLbl>
+  <dgm:styleLbl name="solidAlignAcc1">
+    <dgm:scene3d>
+      <a:camera prst="orthographicFront"/>
+      <a:lightRig rig="threePt" dir="t"/>
+    </dgm:scene3d>
+    <dgm:sp3d/>
+    <dgm:txPr/>
+    <dgm:style>
+      <a:lnRef idx="2">
+        <a:scrgbClr r="0" g="0" b="0"/>
+      </a:lnRef>
+      <a:fillRef idx="1">
+        <a:scrgbClr r="0" g="0" b="0"/>
+      </a:fillRef>
+      <a:effectRef idx="0">
+        <a:scrgbClr r="0" g="0" b="0"/>
+      </a:effectRef>
+      <a:fontRef idx="minor"/>
+    </dgm:style>
+  </dgm:styleLbl>
+  <dgm:styleLbl name="solidBgAcc1">
+    <dgm:scene3d>
+      <a:camera prst="orthographicFront"/>
+      <a:lightRig rig="threePt" dir="t"/>
+    </dgm:scene3d>
+    <dgm:sp3d/>
+    <dgm:txPr/>
+    <dgm:style>
+      <a:lnRef idx="2">
+        <a:scrgbClr r="0" g="0" b="0"/>
+      </a:lnRef>
+      <a:fillRef idx="1">
+        <a:scrgbClr r="0" g="0" b="0"/>
+      </a:fillRef>
+      <a:effectRef idx="0">
+        <a:scrgbClr r="0" g="0" b="0"/>
+      </a:effectRef>
+      <a:fontRef idx="minor"/>
+    </dgm:style>
+  </dgm:styleLbl>
+  <dgm:styleLbl name="fgAccFollowNode1">
+    <dgm:scene3d>
+      <a:camera prst="orthographicFront"/>
+      <a:lightRig rig="threePt" dir="t"/>
+    </dgm:scene3d>
+    <dgm:sp3d/>
+    <dgm:txPr/>
+    <dgm:style>
+      <a:lnRef idx="2">
+        <a:scrgbClr r="0" g="0" b="0"/>
+      </a:lnRef>
+      <a:fillRef idx="1">
+        <a:scrgbClr r="0" g="0" b="0"/>
+      </a:fillRef>
+      <a:effectRef idx="0">
+        <a:scrgbClr r="0" g="0" b="0"/>
+      </a:effectRef>
+      <a:fontRef idx="minor"/>
+    </dgm:style>
+  </dgm:styleLbl>
+  <dgm:styleLbl name="alignAccFollowNode1">
+    <dgm:scene3d>
+      <a:camera prst="orthographicFront"/>
+      <a:lightRig rig="threePt" dir="t"/>
+    </dgm:scene3d>
+    <dgm:sp3d/>
+    <dgm:txPr/>
+    <dgm:style>
+      <a:lnRef idx="2">
+        <a:scrgbClr r="0" g="0" b="0"/>
+      </a:lnRef>
+      <a:fillRef idx="1">
+        <a:scrgbClr r="0" g="0" b="0"/>
+      </a:fillRef>
+      <a:effectRef idx="0">
+        <a:scrgbClr r="0" g="0" b="0"/>
+      </a:effectRef>
+      <a:fontRef idx="minor"/>
+    </dgm:style>
+  </dgm:styleLbl>
+  <dgm:styleLbl name="bgAccFollowNode1">
+    <dgm:scene3d>
+      <a:camera prst="orthographicFront"/>
+      <a:lightRig rig="threePt" dir="t"/>
+    </dgm:scene3d>
+    <dgm:sp3d/>
+    <dgm:txPr/>
+    <dgm:style>
+      <a:lnRef idx="2">
+        <a:scrgbClr r="0" g="0" b="0"/>
+      </a:lnRef>
+      <a:fillRef idx="1">
+        <a:scrgbClr r="0" g="0" b="0"/>
+      </a:fillRef>
+      <a:effectRef idx="0">
+        <a:scrgbClr r="0" g="0" b="0"/>
+      </a:effectRef>
+      <a:fontRef idx="minor"/>
+    </dgm:style>
+  </dgm:styleLbl>
+  <dgm:styleLbl name="fgAcc0">
+    <dgm:scene3d>
+      <a:camera prst="orthographicFront"/>
+      <a:lightRig rig="threePt" dir="t"/>
+    </dgm:scene3d>
+    <dgm:sp3d/>
+    <dgm:txPr/>
+    <dgm:style>
+      <a:lnRef idx="2">
+        <a:scrgbClr r="0" g="0" b="0"/>
+      </a:lnRef>
+      <a:fillRef idx="1">
+        <a:scrgbClr r="0" g="0" b="0"/>
+      </a:fillRef>
+      <a:effectRef idx="0">
+        <a:scrgbClr r="0" g="0" b="0"/>
+      </a:effectRef>
+      <a:fontRef idx="minor"/>
+    </dgm:style>
+  </dgm:styleLbl>
+  <dgm:styleLbl name="fgAcc2">
+    <dgm:scene3d>
+      <a:camera prst="orthographicFront"/>
+      <a:lightRig rig="threePt" dir="t"/>
+    </dgm:scene3d>
+    <dgm:sp3d/>
+    <dgm:txPr/>
+    <dgm:style>
+      <a:lnRef idx="2">
+        <a:scrgbClr r="0" g="0" b="0"/>
+      </a:lnRef>
+      <a:fillRef idx="1">
+        <a:scrgbClr r="0" g="0" b="0"/>
+      </a:fillRef>
+      <a:effectRef idx="0">
+        <a:scrgbClr r="0" g="0" b="0"/>
+      </a:effectRef>
+      <a:fontRef idx="minor"/>
+    </dgm:style>
+  </dgm:styleLbl>
+  <dgm:styleLbl name="fgAcc3">
+    <dgm:scene3d>
+      <a:camera prst="orthographicFront"/>
+      <a:lightRig rig="threePt" dir="t"/>
+    </dgm:scene3d>
+    <dgm:sp3d/>
+    <dgm:txPr/>
+    <dgm:style>
+      <a:lnRef idx="2">
+        <a:scrgbClr r="0" g="0" b="0"/>
+      </a:lnRef>
+      <a:fillRef idx="1">
+        <a:scrgbClr r="0" g="0" b="0"/>
+      </a:fillRef>
+      <a:effectRef idx="0">
+        <a:scrgbClr r="0" g="0" b="0"/>
+      </a:effectRef>
+      <a:fontRef idx="minor"/>
+    </dgm:style>
+  </dgm:styleLbl>
+  <dgm:styleLbl name="fgAcc4">
+    <dgm:scene3d>
+      <a:camera prst="orthographicFront"/>
+      <a:lightRig rig="threePt" dir="t"/>
+    </dgm:scene3d>
+    <dgm:sp3d/>
+    <dgm:txPr/>
+    <dgm:style>
+      <a:lnRef idx="2">
+        <a:scrgbClr r="0" g="0" b="0"/>
+      </a:lnRef>
+      <a:fillRef idx="1">
+        <a:scrgbClr r="0" g="0" b="0"/>
+      </a:fillRef>
+      <a:effectRef idx="0">
+        <a:scrgbClr r="0" g="0" b="0"/>
+      </a:effectRef>
+      <a:fontRef idx="minor"/>
+    </dgm:style>
+  </dgm:styleLbl>
+  <dgm:styleLbl name="bgShp">
+    <dgm:scene3d>
+      <a:camera prst="orthographicFront"/>
+      <a:lightRig rig="threePt" dir="t"/>
+    </dgm:scene3d>
+    <dgm:sp3d/>
+    <dgm:txPr/>
+    <dgm:style>
+      <a:lnRef idx="0">
+        <a:scrgbClr r="0" g="0" b="0"/>
+      </a:lnRef>
+      <a:fillRef idx="1">
+        <a:scrgbClr r="0" g="0" b="0"/>
+      </a:fillRef>
+      <a:effectRef idx="0">
+        <a:scrgbClr r="0" g="0" b="0"/>
+      </a:effectRef>
+      <a:fontRef idx="minor"/>
+    </dgm:style>
+  </dgm:styleLbl>
+  <dgm:styleLbl name="dkBgShp">
+    <dgm:scene3d>
+      <a:camera prst="orthographicFront"/>
+      <a:lightRig rig="threePt" dir="t"/>
+    </dgm:scene3d>
+    <dgm:sp3d/>
+    <dgm:txPr/>
+    <dgm:style>
+      <a:lnRef idx="0">
+        <a:scrgbClr r="0" g="0" b="0"/>
+      </a:lnRef>
+      <a:fillRef idx="1">
+        <a:scrgbClr r="0" g="0" b="0"/>
+      </a:fillRef>
+      <a:effectRef idx="0">
+        <a:scrgbClr r="0" g="0" b="0"/>
+      </a:effectRef>
+      <a:fontRef idx="minor"/>
+    </dgm:style>
+  </dgm:styleLbl>
+  <dgm:styleLbl name="trBgShp">
+    <dgm:scene3d>
+      <a:camera prst="orthographicFront"/>
+      <a:lightRig rig="threePt" dir="t"/>
+    </dgm:scene3d>
+    <dgm:sp3d/>
+    <dgm:txPr/>
+    <dgm:style>
+      <a:lnRef idx="0">
+        <a:scrgbClr r="0" g="0" b="0"/>
+      </a:lnRef>
+      <a:fillRef idx="1">
+        <a:scrgbClr r="0" g="0" b="0"/>
+      </a:fillRef>
+      <a:effectRef idx="0">
+        <a:scrgbClr r="0" g="0" b="0"/>
+      </a:effectRef>
+      <a:fontRef idx="minor"/>
+    </dgm:style>
+  </dgm:styleLbl>
+  <dgm:styleLbl name="fgShp">
+    <dgm:scene3d>
+      <a:camera prst="orthographicFront"/>
+      <a:lightRig rig="threePt" dir="t"/>
+    </dgm:scene3d>
+    <dgm:sp3d/>
+    <dgm:txPr/>
+    <dgm:style>
+      <a:lnRef idx="2">
+        <a:scrgbClr r="0" g="0" b="0"/>
+      </a:lnRef>
+      <a:fillRef idx="1">
+        <a:scrgbClr r="0" g="0" b="0"/>
+      </a:fillRef>
+      <a:effectRef idx="0">
+        <a:scrgbClr r="0" g="0" b="0"/>
+      </a:effectRef>
+      <a:fontRef idx="minor"/>
+    </dgm:style>
+  </dgm:styleLbl>
+  <dgm:styleLbl name="revTx">
+    <dgm:scene3d>
+      <a:camera prst="orthographicFront"/>
+      <a:lightRig rig="threePt" dir="t"/>
+    </dgm:scene3d>
+    <dgm:sp3d/>
+    <dgm:txPr/>
+    <dgm:style>
+      <a:lnRef idx="0">
+        <a:scrgbClr r="0" g="0" b="0"/>
+      </a:lnRef>
+      <a:fillRef idx="0">
+        <a:scrgbClr r="0" g="0" b="0"/>
+      </a:fillRef>
+      <a:effectRef idx="0">
+        <a:scrgbClr r="0" g="0" b="0"/>
+      </a:effectRef>
+      <a:fontRef idx="minor"/>
+    </dgm:style>
+  </dgm:styleLbl>
+</dgm:styleDef>
 </file>
 
 <file path=ppt/slideLayouts/slideLayout1.xml><?xml version="1.0" encoding="utf-8"?>
@@ -3394,6 +6402,14 @@
 <file path=ppt/slides/slide1.xml><?xml version="1.0" encoding="utf-8"?>
 <p:sld xmlns:a="http://schemas.openxmlformats.org/drawingml/2006/main" xmlns:r="http://schemas.openxmlformats.org/officeDocument/2006/relationships" xmlns:p="http://schemas.openxmlformats.org/presentationml/2006/main">
   <p:cSld>
+    <p:bg>
+      <p:bgPr>
+        <a:solidFill>
+          <a:schemeClr val="bg2"/>
+        </a:solidFill>
+        <a:effectLst/>
+      </p:bgPr>
+    </p:bg>
     <p:spTree>
       <p:nvGrpSpPr>
         <p:cNvPr id="1" name=""/>
@@ -3408,6 +6424,66 @@
           <a:chExt cx="0" cy="0"/>
         </a:xfrm>
       </p:grpSpPr>
+      <p:sp useBgFill="1">
+        <p:nvSpPr>
+          <p:cNvPr id="13" name="Rectangle 7">
+            <a:extLst>
+              <a:ext uri="{FF2B5EF4-FFF2-40B4-BE49-F238E27FC236}">
+                <a16:creationId xmlns:a16="http://schemas.microsoft.com/office/drawing/2014/main" id="{25971BF4-579F-4FA9-A9A2-59BCA5AB5A4A}"/>
+              </a:ext>
+              <a:ext uri="{C183D7F6-B498-43B3-948B-1728B52AA6E4}">
+                <adec:decorative xmlns:adec="http://schemas.microsoft.com/office/drawing/2017/decorative" val="1"/>
+              </a:ext>
+            </a:extLst>
+          </p:cNvPr>
+          <p:cNvSpPr>
+            <a:spLocks noGrp="1" noRot="1" noChangeAspect="1" noMove="1" noResize="1" noEditPoints="1" noAdjustHandles="1" noChangeArrowheads="1" noChangeShapeType="1" noTextEdit="1"/>
+          </p:cNvSpPr>
+          <p:nvPr>
+            <p:extLst>
+              <p:ext uri="{386F3935-93C4-4BCD-93E2-E3B085C9AB24}">
+                <p16:designElem xmlns:p16="http://schemas.microsoft.com/office/powerpoint/2015/main" val="1"/>
+              </p:ext>
+            </p:extLst>
+          </p:nvPr>
+        </p:nvSpPr>
+        <p:spPr>
+          <a:xfrm>
+            <a:off x="-2" y="-2811"/>
+            <a:ext cx="11292841" cy="6860811"/>
+          </a:xfrm>
+          <a:prstGeom prst="rect">
+            <a:avLst/>
+          </a:prstGeom>
+          <a:ln>
+            <a:noFill/>
+          </a:ln>
+        </p:spPr>
+        <p:style>
+          <a:lnRef idx="2">
+            <a:schemeClr val="accent1">
+              <a:shade val="50000"/>
+            </a:schemeClr>
+          </a:lnRef>
+          <a:fillRef idx="1">
+            <a:schemeClr val="accent1"/>
+          </a:fillRef>
+          <a:effectRef idx="0">
+            <a:schemeClr val="accent1"/>
+          </a:effectRef>
+          <a:fontRef idx="minor">
+            <a:schemeClr val="lt1"/>
+          </a:fontRef>
+        </p:style>
+        <p:txBody>
+          <a:bodyPr rtlCol="0" anchor="ctr"/>
+          <a:lstStyle/>
+          <a:p>
+            <a:pPr algn="ctr"/>
+            <a:endParaRPr lang="en-US"/>
+          </a:p>
+        </p:txBody>
+      </p:sp>
       <p:sp>
         <p:nvSpPr>
           <p:cNvPr id="2" name="Title 1">
@@ -3424,15 +6500,216 @@
             <p:ph type="ctrTitle"/>
           </p:nvPr>
         </p:nvSpPr>
-        <p:spPr/>
+        <p:spPr>
+          <a:xfrm>
+            <a:off x="1172954" y="756745"/>
+            <a:ext cx="9875520" cy="3311487"/>
+          </a:xfrm>
+        </p:spPr>
         <p:txBody>
-          <a:bodyPr/>
+          <a:bodyPr anchor="b">
+            <a:normAutofit/>
+          </a:bodyPr>
           <a:lstStyle/>
           <a:p>
             <a:r>
-              <a:rPr lang="en-US" dirty="0"/>
+              <a:rPr lang="en-US" sz="6000"/>
               <a:t>Modifying Layer Activations</a:t>
             </a:r>
+          </a:p>
+        </p:txBody>
+      </p:sp>
+      <p:sp>
+        <p:nvSpPr>
+          <p:cNvPr id="15" name="Rectangle 9">
+            <a:extLst>
+              <a:ext uri="{FF2B5EF4-FFF2-40B4-BE49-F238E27FC236}">
+                <a16:creationId xmlns:a16="http://schemas.microsoft.com/office/drawing/2014/main" id="{0D11122E-E982-4BDE-B647-CC3FFA523A58}"/>
+              </a:ext>
+              <a:ext uri="{C183D7F6-B498-43B3-948B-1728B52AA6E4}">
+                <adec:decorative xmlns:adec="http://schemas.microsoft.com/office/drawing/2017/decorative" val="1"/>
+              </a:ext>
+            </a:extLst>
+          </p:cNvPr>
+          <p:cNvSpPr>
+            <a:spLocks noGrp="1" noRot="1" noChangeAspect="1" noMove="1" noResize="1" noEditPoints="1" noAdjustHandles="1" noChangeArrowheads="1" noChangeShapeType="1" noTextEdit="1"/>
+          </p:cNvSpPr>
+          <p:nvPr>
+            <p:extLst>
+              <p:ext uri="{386F3935-93C4-4BCD-93E2-E3B085C9AB24}">
+                <p16:designElem xmlns:p16="http://schemas.microsoft.com/office/powerpoint/2015/main" val="1"/>
+              </p:ext>
+            </p:extLst>
+          </p:nvPr>
+        </p:nvSpPr>
+        <p:spPr>
+          <a:xfrm>
+            <a:off x="-1" y="-2811"/>
+            <a:ext cx="464025" cy="4236483"/>
+          </a:xfrm>
+          <a:prstGeom prst="rect">
+            <a:avLst/>
+          </a:prstGeom>
+          <a:solidFill>
+            <a:schemeClr val="accent1">
+              <a:lumMod val="75000"/>
+            </a:schemeClr>
+          </a:solidFill>
+          <a:ln>
+            <a:noFill/>
+          </a:ln>
+        </p:spPr>
+        <p:style>
+          <a:lnRef idx="2">
+            <a:schemeClr val="accent1">
+              <a:shade val="50000"/>
+            </a:schemeClr>
+          </a:lnRef>
+          <a:fillRef idx="1">
+            <a:schemeClr val="accent1"/>
+          </a:fillRef>
+          <a:effectRef idx="0">
+            <a:schemeClr val="accent1"/>
+          </a:effectRef>
+          <a:fontRef idx="minor">
+            <a:schemeClr val="lt1"/>
+          </a:fontRef>
+        </p:style>
+        <p:txBody>
+          <a:bodyPr rtlCol="0" anchor="ctr"/>
+          <a:lstStyle/>
+          <a:p>
+            <a:pPr algn="ctr"/>
+            <a:endParaRPr lang="en-US"/>
+          </a:p>
+        </p:txBody>
+      </p:sp>
+      <p:sp>
+        <p:nvSpPr>
+          <p:cNvPr id="12" name="Rectangle 11">
+            <a:extLst>
+              <a:ext uri="{FF2B5EF4-FFF2-40B4-BE49-F238E27FC236}">
+                <a16:creationId xmlns:a16="http://schemas.microsoft.com/office/drawing/2014/main" id="{C46212EE-01CC-454A-833C-B8485AA4C077}"/>
+              </a:ext>
+              <a:ext uri="{C183D7F6-B498-43B3-948B-1728B52AA6E4}">
+                <adec:decorative xmlns:adec="http://schemas.microsoft.com/office/drawing/2017/decorative" val="1"/>
+              </a:ext>
+            </a:extLst>
+          </p:cNvPr>
+          <p:cNvSpPr>
+            <a:spLocks noGrp="1" noRot="1" noChangeAspect="1" noMove="1" noResize="1" noEditPoints="1" noAdjustHandles="1" noChangeArrowheads="1" noChangeShapeType="1" noTextEdit="1"/>
+          </p:cNvSpPr>
+          <p:nvPr>
+            <p:extLst>
+              <p:ext uri="{386F3935-93C4-4BCD-93E2-E3B085C9AB24}">
+                <p16:designElem xmlns:p16="http://schemas.microsoft.com/office/powerpoint/2015/main" val="1"/>
+              </p:ext>
+            </p:extLst>
+          </p:nvPr>
+        </p:nvSpPr>
+        <p:spPr>
+          <a:xfrm>
+            <a:off x="-2" y="4233670"/>
+            <a:ext cx="464025" cy="2624330"/>
+          </a:xfrm>
+          <a:prstGeom prst="rect">
+            <a:avLst/>
+          </a:prstGeom>
+          <a:solidFill>
+            <a:schemeClr val="accent1"/>
+          </a:solidFill>
+          <a:ln>
+            <a:noFill/>
+          </a:ln>
+        </p:spPr>
+        <p:style>
+          <a:lnRef idx="2">
+            <a:schemeClr val="accent1">
+              <a:shade val="50000"/>
+            </a:schemeClr>
+          </a:lnRef>
+          <a:fillRef idx="1">
+            <a:schemeClr val="accent1"/>
+          </a:fillRef>
+          <a:effectRef idx="0">
+            <a:schemeClr val="accent1"/>
+          </a:effectRef>
+          <a:fontRef idx="minor">
+            <a:schemeClr val="lt1"/>
+          </a:fontRef>
+        </p:style>
+        <p:txBody>
+          <a:bodyPr rtlCol="0" anchor="ctr"/>
+          <a:lstStyle/>
+          <a:p>
+            <a:pPr algn="ctr"/>
+            <a:endParaRPr lang="en-US"/>
+          </a:p>
+        </p:txBody>
+      </p:sp>
+      <p:sp>
+        <p:nvSpPr>
+          <p:cNvPr id="14" name="Rectangle 13">
+            <a:extLst>
+              <a:ext uri="{FF2B5EF4-FFF2-40B4-BE49-F238E27FC236}">
+                <a16:creationId xmlns:a16="http://schemas.microsoft.com/office/drawing/2014/main" id="{CDC77849-3BD1-4E59-BF04-13EDE548617B}"/>
+              </a:ext>
+              <a:ext uri="{C183D7F6-B498-43B3-948B-1728B52AA6E4}">
+                <adec:decorative xmlns:adec="http://schemas.microsoft.com/office/drawing/2017/decorative" val="1"/>
+              </a:ext>
+            </a:extLst>
+          </p:cNvPr>
+          <p:cNvSpPr>
+            <a:spLocks noGrp="1" noRot="1" noChangeAspect="1" noMove="1" noResize="1" noEditPoints="1" noAdjustHandles="1" noChangeArrowheads="1" noChangeShapeType="1" noTextEdit="1"/>
+          </p:cNvSpPr>
+          <p:nvPr>
+            <p:extLst>
+              <p:ext uri="{386F3935-93C4-4BCD-93E2-E3B085C9AB24}">
+                <p16:designElem xmlns:p16="http://schemas.microsoft.com/office/powerpoint/2015/main" val="1"/>
+              </p:ext>
+            </p:extLst>
+          </p:nvPr>
+        </p:nvSpPr>
+        <p:spPr>
+          <a:xfrm>
+            <a:off x="464023" y="4233670"/>
+            <a:ext cx="10828817" cy="2624330"/>
+          </a:xfrm>
+          <a:prstGeom prst="rect">
+            <a:avLst/>
+          </a:prstGeom>
+          <a:solidFill>
+            <a:schemeClr val="bg1">
+              <a:lumMod val="75000"/>
+              <a:lumOff val="25000"/>
+            </a:schemeClr>
+          </a:solidFill>
+          <a:ln>
+            <a:noFill/>
+          </a:ln>
+        </p:spPr>
+        <p:style>
+          <a:lnRef idx="2">
+            <a:schemeClr val="accent1">
+              <a:shade val="50000"/>
+            </a:schemeClr>
+          </a:lnRef>
+          <a:fillRef idx="1">
+            <a:schemeClr val="accent1"/>
+          </a:fillRef>
+          <a:effectRef idx="0">
+            <a:schemeClr val="accent1"/>
+          </a:effectRef>
+          <a:fontRef idx="minor">
+            <a:schemeClr val="lt1"/>
+          </a:fontRef>
+        </p:style>
+        <p:txBody>
+          <a:bodyPr rtlCol="0" anchor="ctr"/>
+          <a:lstStyle/>
+          <a:p>
+            <a:pPr algn="ctr"/>
+            <a:endParaRPr lang="en-US"/>
           </a:p>
         </p:txBody>
       </p:sp>
@@ -3452,19 +6729,35 @@
             <p:ph type="subTitle" idx="1"/>
           </p:nvPr>
         </p:nvSpPr>
-        <p:spPr/>
+        <p:spPr>
+          <a:xfrm>
+            <a:off x="1172954" y="4389966"/>
+            <a:ext cx="9685594" cy="1834260"/>
+          </a:xfrm>
+          <a:noFill/>
+        </p:spPr>
         <p:txBody>
-          <a:bodyPr/>
+          <a:bodyPr anchor="t">
+            <a:normAutofit/>
+          </a:bodyPr>
           <a:lstStyle/>
           <a:p>
             <a:r>
-              <a:rPr lang="en-US" dirty="0"/>
+              <a:rPr lang="en-US" sz="2800">
+                <a:solidFill>
+                  <a:schemeClr val="tx1"/>
+                </a:solidFill>
+              </a:rPr>
               <a:t>Landon Buell</a:t>
             </a:r>
           </a:p>
           <a:p>
             <a:r>
-              <a:rPr lang="en-US" dirty="0"/>
+              <a:rPr lang="en-US" sz="2800">
+                <a:solidFill>
+                  <a:schemeClr val="tx1"/>
+                </a:solidFill>
+              </a:rPr>
               <a:t>2 April 2020</a:t>
             </a:r>
           </a:p>
@@ -7588,8 +10881,8 @@
           </a:p>
         </p:txBody>
       </p:sp>
-      <mc:AlternateContent xmlns:mc="http://schemas.openxmlformats.org/markup-compatibility/2006">
-        <mc:Choice xmlns:a14="http://schemas.microsoft.com/office/drawing/2010/main" Requires="a14">
+      <mc:AlternateContent xmlns:mc="http://schemas.openxmlformats.org/markup-compatibility/2006" xmlns:a14="http://schemas.microsoft.com/office/drawing/2010/main">
+        <mc:Choice Requires="a14">
           <p:sp>
             <p:nvSpPr>
               <p:cNvPr id="4" name="Content Placeholder 3">
@@ -7886,7 +11179,7 @@
             </p:txBody>
           </p:sp>
         </mc:Choice>
-        <mc:Fallback>
+        <mc:Fallback xmlns="">
           <p:sp>
             <p:nvSpPr>
               <p:cNvPr id="4" name="Content Placeholder 3">
@@ -7954,8 +11247,8 @@
           </a:p>
         </p:txBody>
       </p:sp>
-      <mc:AlternateContent xmlns:mc="http://schemas.openxmlformats.org/markup-compatibility/2006">
-        <mc:Choice xmlns:a14="http://schemas.microsoft.com/office/drawing/2010/main" Requires="a14">
+      <mc:AlternateContent xmlns:mc="http://schemas.openxmlformats.org/markup-compatibility/2006" xmlns:a14="http://schemas.microsoft.com/office/drawing/2010/main">
+        <mc:Choice Requires="a14">
           <p:sp>
             <p:nvSpPr>
               <p:cNvPr id="6" name="Content Placeholder 5">
@@ -8281,7 +11574,7 @@
             </p:txBody>
           </p:sp>
         </mc:Choice>
-        <mc:Fallback>
+        <mc:Fallback xmlns="">
           <p:sp>
             <p:nvSpPr>
               <p:cNvPr id="6" name="Content Placeholder 5">
@@ -8325,6 +11618,2529 @@
     <p:extLst>
       <p:ext uri="{BB962C8B-B14F-4D97-AF65-F5344CB8AC3E}">
         <p14:creationId xmlns:p14="http://schemas.microsoft.com/office/powerpoint/2010/main" val="252173796"/>
+      </p:ext>
+    </p:extLst>
+  </p:cSld>
+  <p:clrMapOvr>
+    <a:masterClrMapping/>
+  </p:clrMapOvr>
+</p:sld>
+</file>
+
+<file path=ppt/slides/slide16.xml><?xml version="1.0" encoding="utf-8"?>
+<p:sld xmlns:a="http://schemas.openxmlformats.org/drawingml/2006/main" xmlns:r="http://schemas.openxmlformats.org/officeDocument/2006/relationships" xmlns:p="http://schemas.openxmlformats.org/presentationml/2006/main">
+  <p:cSld>
+    <p:bg>
+      <p:bgPr>
+        <a:solidFill>
+          <a:schemeClr val="bg1">
+            <a:tint val="95000"/>
+            <a:satMod val="170000"/>
+          </a:schemeClr>
+        </a:solidFill>
+        <a:effectLst/>
+      </p:bgPr>
+    </p:bg>
+    <p:spTree>
+      <p:nvGrpSpPr>
+        <p:cNvPr id="1" name=""/>
+        <p:cNvGrpSpPr/>
+        <p:nvPr/>
+      </p:nvGrpSpPr>
+      <p:grpSpPr>
+        <a:xfrm>
+          <a:off x="0" y="0"/>
+          <a:ext cx="0" cy="0"/>
+          <a:chOff x="0" y="0"/>
+          <a:chExt cx="0" cy="0"/>
+        </a:xfrm>
+      </p:grpSpPr>
+      <p:sp useBgFill="1">
+        <p:nvSpPr>
+          <p:cNvPr id="8" name="Rectangle 7">
+            <a:extLst>
+              <a:ext uri="{FF2B5EF4-FFF2-40B4-BE49-F238E27FC236}">
+                <a16:creationId xmlns:a16="http://schemas.microsoft.com/office/drawing/2014/main" id="{5DB0431E-0B04-44A1-9C51-531E28D18A60}"/>
+              </a:ext>
+              <a:ext uri="{C183D7F6-B498-43B3-948B-1728B52AA6E4}">
+                <adec:decorative xmlns:adec="http://schemas.microsoft.com/office/drawing/2017/decorative" val="1"/>
+              </a:ext>
+            </a:extLst>
+          </p:cNvPr>
+          <p:cNvSpPr>
+            <a:spLocks noGrp="1" noRot="1" noChangeAspect="1" noMove="1" noResize="1" noEditPoints="1" noAdjustHandles="1" noChangeArrowheads="1" noChangeShapeType="1" noTextEdit="1"/>
+          </p:cNvSpPr>
+          <p:nvPr>
+            <p:extLst>
+              <p:ext uri="{386F3935-93C4-4BCD-93E2-E3B085C9AB24}">
+                <p16:designElem xmlns:p16="http://schemas.microsoft.com/office/powerpoint/2015/main" val="1"/>
+              </p:ext>
+            </p:extLst>
+          </p:nvPr>
+        </p:nvSpPr>
+        <p:spPr>
+          <a:xfrm>
+            <a:off x="0" y="0"/>
+            <a:ext cx="12192000" cy="6858000"/>
+          </a:xfrm>
+          <a:prstGeom prst="rect">
+            <a:avLst/>
+          </a:prstGeom>
+          <a:ln>
+            <a:noFill/>
+          </a:ln>
+        </p:spPr>
+        <p:style>
+          <a:lnRef idx="2">
+            <a:schemeClr val="accent1">
+              <a:shade val="50000"/>
+            </a:schemeClr>
+          </a:lnRef>
+          <a:fillRef idx="1">
+            <a:schemeClr val="accent1"/>
+          </a:fillRef>
+          <a:effectRef idx="0">
+            <a:schemeClr val="accent1"/>
+          </a:effectRef>
+          <a:fontRef idx="minor">
+            <a:schemeClr val="lt1"/>
+          </a:fontRef>
+        </p:style>
+        <p:txBody>
+          <a:bodyPr rtlCol="0" anchor="ctr"/>
+          <a:lstStyle/>
+          <a:p>
+            <a:pPr algn="ctr"/>
+            <a:endParaRPr lang="en-US"/>
+          </a:p>
+        </p:txBody>
+      </p:sp>
+      <p:sp>
+        <p:nvSpPr>
+          <p:cNvPr id="2" name="Title 1">
+            <a:extLst>
+              <a:ext uri="{FF2B5EF4-FFF2-40B4-BE49-F238E27FC236}">
+                <a16:creationId xmlns:a16="http://schemas.microsoft.com/office/drawing/2014/main" id="{585120F4-C7D4-437A-8696-ABDA137808C3}"/>
+              </a:ext>
+            </a:extLst>
+          </p:cNvPr>
+          <p:cNvSpPr>
+            <a:spLocks noGrp="1"/>
+          </p:cNvSpPr>
+          <p:nvPr>
+            <p:ph type="title"/>
+          </p:nvPr>
+        </p:nvSpPr>
+        <p:spPr>
+          <a:xfrm>
+            <a:off x="1261872" y="262393"/>
+            <a:ext cx="9692640" cy="1428929"/>
+          </a:xfrm>
+        </p:spPr>
+        <p:txBody>
+          <a:bodyPr>
+            <a:normAutofit/>
+          </a:bodyPr>
+          <a:lstStyle/>
+          <a:p>
+            <a:r>
+              <a:rPr lang="en-US"/>
+              <a:t>Physical Implications</a:t>
+            </a:r>
+            <a:endParaRPr lang="en-US" dirty="0"/>
+          </a:p>
+        </p:txBody>
+      </p:sp>
+      <p:sp>
+        <p:nvSpPr>
+          <p:cNvPr id="15" name="Content Placeholder 2">
+            <a:extLst>
+              <a:ext uri="{FF2B5EF4-FFF2-40B4-BE49-F238E27FC236}">
+                <a16:creationId xmlns:a16="http://schemas.microsoft.com/office/drawing/2014/main" id="{8A6CDD53-AB8F-4FD9-8E80-D853D885A905}"/>
+              </a:ext>
+            </a:extLst>
+          </p:cNvPr>
+          <p:cNvSpPr>
+            <a:spLocks noGrp="1"/>
+          </p:cNvSpPr>
+          <p:nvPr>
+            <p:ph idx="1"/>
+          </p:nvPr>
+        </p:nvSpPr>
+        <p:spPr>
+          <a:xfrm>
+            <a:off x="1261872" y="1828800"/>
+            <a:ext cx="8595360" cy="4351337"/>
+          </a:xfrm>
+        </p:spPr>
+        <p:txBody>
+          <a:bodyPr>
+            <a:normAutofit/>
+          </a:bodyPr>
+          <a:lstStyle/>
+          <a:p>
+            <a:endParaRPr lang="en-US" sz="1500"/>
+          </a:p>
+          <a:p>
+            <a:r>
+              <a:rPr lang="en-US" sz="1500"/>
+              <a:t>This physically represents a low-level attack</a:t>
+            </a:r>
+          </a:p>
+          <a:p>
+            <a:endParaRPr lang="en-US" sz="1500"/>
+          </a:p>
+          <a:p>
+            <a:r>
+              <a:rPr lang="en-US" sz="1500"/>
+              <a:t>An “Always On” model</a:t>
+            </a:r>
+          </a:p>
+          <a:p>
+            <a:endParaRPr lang="en-US" sz="1500"/>
+          </a:p>
+          <a:p>
+            <a:r>
+              <a:rPr lang="en-US" sz="1500"/>
+              <a:t>Matrix product changed:</a:t>
+            </a:r>
+          </a:p>
+          <a:p>
+            <a:pPr lvl="1"/>
+            <a:r>
+              <a:rPr lang="en-US" sz="1500"/>
+              <a:t>Originally (usually) 16 decimal accuracy</a:t>
+            </a:r>
+          </a:p>
+          <a:p>
+            <a:pPr lvl="1"/>
+            <a:r>
+              <a:rPr lang="en-US" sz="1500"/>
+              <a:t>Now, 0 decimals saved</a:t>
+            </a:r>
+          </a:p>
+          <a:p>
+            <a:endParaRPr lang="en-US" sz="1500"/>
+          </a:p>
+          <a:p>
+            <a:r>
+              <a:rPr lang="en-US" sz="1500"/>
+              <a:t>An attack that reduces the numerical accuracy of a program</a:t>
+            </a:r>
+          </a:p>
+          <a:p>
+            <a:endParaRPr lang="en-US" sz="1500"/>
+          </a:p>
+        </p:txBody>
+      </p:sp>
+      <p:sp>
+        <p:nvSpPr>
+          <p:cNvPr id="10" name="Rectangle 9">
+            <a:extLst>
+              <a:ext uri="{FF2B5EF4-FFF2-40B4-BE49-F238E27FC236}">
+                <a16:creationId xmlns:a16="http://schemas.microsoft.com/office/drawing/2014/main" id="{6B424749-EEE0-49C9-9ABF-97B171A3EA00}"/>
+              </a:ext>
+              <a:ext uri="{C183D7F6-B498-43B3-948B-1728B52AA6E4}">
+                <adec:decorative xmlns:adec="http://schemas.microsoft.com/office/drawing/2017/decorative" val="1"/>
+              </a:ext>
+            </a:extLst>
+          </p:cNvPr>
+          <p:cNvSpPr>
+            <a:spLocks noGrp="1" noRot="1" noChangeAspect="1" noMove="1" noResize="1" noEditPoints="1" noAdjustHandles="1" noChangeArrowheads="1" noChangeShapeType="1" noTextEdit="1"/>
+          </p:cNvSpPr>
+          <p:nvPr>
+            <p:extLst>
+              <p:ext uri="{386F3935-93C4-4BCD-93E2-E3B085C9AB24}">
+                <p16:designElem xmlns:p16="http://schemas.microsoft.com/office/powerpoint/2015/main" val="1"/>
+              </p:ext>
+            </p:extLst>
+          </p:nvPr>
+        </p:nvSpPr>
+        <p:spPr>
+          <a:xfrm>
+            <a:off x="11296650" y="0"/>
+            <a:ext cx="914400" cy="6858000"/>
+          </a:xfrm>
+          <a:prstGeom prst="rect">
+            <a:avLst/>
+          </a:prstGeom>
+          <a:solidFill>
+            <a:schemeClr val="accent1"/>
+          </a:solidFill>
+          <a:ln>
+            <a:noFill/>
+          </a:ln>
+        </p:spPr>
+        <p:style>
+          <a:lnRef idx="2">
+            <a:schemeClr val="accent1">
+              <a:shade val="50000"/>
+            </a:schemeClr>
+          </a:lnRef>
+          <a:fillRef idx="1">
+            <a:schemeClr val="accent1"/>
+          </a:fillRef>
+          <a:effectRef idx="0">
+            <a:schemeClr val="accent1"/>
+          </a:effectRef>
+          <a:fontRef idx="minor">
+            <a:schemeClr val="lt1"/>
+          </a:fontRef>
+        </p:style>
+      </p:sp>
+    </p:spTree>
+    <p:extLst>
+      <p:ext uri="{BB962C8B-B14F-4D97-AF65-F5344CB8AC3E}">
+        <p14:creationId xmlns:p14="http://schemas.microsoft.com/office/powerpoint/2010/main" val="2839295368"/>
+      </p:ext>
+    </p:extLst>
+  </p:cSld>
+  <p:clrMapOvr>
+    <a:overrideClrMapping bg1="dk1" tx1="lt1" bg2="dk2" tx2="lt2" accent1="accent1" accent2="accent2" accent3="accent3" accent4="accent4" accent5="accent5" accent6="accent6" hlink="hlink" folHlink="folHlink"/>
+  </p:clrMapOvr>
+</p:sld>
+</file>
+
+<file path=ppt/slides/slide17.xml><?xml version="1.0" encoding="utf-8"?>
+<p:sld xmlns:a="http://schemas.openxmlformats.org/drawingml/2006/main" xmlns:r="http://schemas.openxmlformats.org/officeDocument/2006/relationships" xmlns:p="http://schemas.openxmlformats.org/presentationml/2006/main">
+  <p:cSld>
+    <p:bg>
+      <p:bgPr>
+        <a:solidFill>
+          <a:schemeClr val="bg1"/>
+        </a:solidFill>
+        <a:effectLst/>
+      </p:bgPr>
+    </p:bg>
+    <p:spTree>
+      <p:nvGrpSpPr>
+        <p:cNvPr id="1" name=""/>
+        <p:cNvGrpSpPr/>
+        <p:nvPr/>
+      </p:nvGrpSpPr>
+      <p:grpSpPr>
+        <a:xfrm>
+          <a:off x="0" y="0"/>
+          <a:ext cx="0" cy="0"/>
+          <a:chOff x="0" y="0"/>
+          <a:chExt cx="0" cy="0"/>
+        </a:xfrm>
+      </p:grpSpPr>
+      <p:sp>
+        <p:nvSpPr>
+          <p:cNvPr id="2" name="Title 1">
+            <a:extLst>
+              <a:ext uri="{FF2B5EF4-FFF2-40B4-BE49-F238E27FC236}">
+                <a16:creationId xmlns:a16="http://schemas.microsoft.com/office/drawing/2014/main" id="{07EA7B88-B807-4E5B-887D-720417D9E887}"/>
+              </a:ext>
+            </a:extLst>
+          </p:cNvPr>
+          <p:cNvSpPr>
+            <a:spLocks noGrp="1"/>
+          </p:cNvSpPr>
+          <p:nvPr>
+            <p:ph type="title"/>
+          </p:nvPr>
+        </p:nvSpPr>
+        <p:spPr/>
+        <p:txBody>
+          <a:bodyPr>
+            <a:normAutofit/>
+          </a:bodyPr>
+          <a:lstStyle/>
+          <a:p>
+            <a:r>
+              <a:rPr lang="en-US" dirty="0"/>
+              <a:t>Control vs. Modified Model</a:t>
+            </a:r>
+          </a:p>
+        </p:txBody>
+      </p:sp>
+      <p:sp>
+        <p:nvSpPr>
+          <p:cNvPr id="3" name="Content Placeholder 2">
+            <a:extLst>
+              <a:ext uri="{FF2B5EF4-FFF2-40B4-BE49-F238E27FC236}">
+                <a16:creationId xmlns:a16="http://schemas.microsoft.com/office/drawing/2014/main" id="{7446CE0A-4163-43E9-821C-7FD7E8B1FA7F}"/>
+              </a:ext>
+            </a:extLst>
+          </p:cNvPr>
+          <p:cNvSpPr>
+            <a:spLocks noGrp="1"/>
+          </p:cNvSpPr>
+          <p:nvPr>
+            <p:ph idx="1"/>
+          </p:nvPr>
+        </p:nvSpPr>
+        <p:spPr>
+          <a:xfrm>
+            <a:off x="1261872" y="4751207"/>
+            <a:ext cx="8595360" cy="1428929"/>
+          </a:xfrm>
+        </p:spPr>
+        <p:txBody>
+          <a:bodyPr>
+            <a:normAutofit/>
+          </a:bodyPr>
+          <a:lstStyle/>
+          <a:p>
+            <a:r>
+              <a:rPr lang="en-US" sz="1600" dirty="0"/>
+              <a:t>Average time to train , Loss function values &amp; iterations to train</a:t>
+            </a:r>
+          </a:p>
+          <a:p>
+            <a:r>
+              <a:rPr lang="en-US" sz="1600" dirty="0"/>
+              <a:t>All Values Averaged across 100 instances</a:t>
+            </a:r>
+          </a:p>
+          <a:p>
+            <a:r>
+              <a:rPr lang="en-US" sz="1600" dirty="0"/>
+              <a:t>‘-’ indicated ‘inf’ as returned by Python (unknown cause)</a:t>
+            </a:r>
+          </a:p>
+          <a:p>
+            <a:pPr marL="0" indent="0">
+              <a:buNone/>
+            </a:pPr>
+            <a:endParaRPr lang="en-US" sz="1600" dirty="0"/>
+          </a:p>
+        </p:txBody>
+      </p:sp>
+      <p:graphicFrame>
+        <p:nvGraphicFramePr>
+          <p:cNvPr id="6" name="Table 6">
+            <a:extLst>
+              <a:ext uri="{FF2B5EF4-FFF2-40B4-BE49-F238E27FC236}">
+                <a16:creationId xmlns:a16="http://schemas.microsoft.com/office/drawing/2014/main" id="{349FBC33-E7E6-4533-BE53-A083C44A5C44}"/>
+              </a:ext>
+            </a:extLst>
+          </p:cNvPr>
+          <p:cNvGraphicFramePr>
+            <a:graphicFrameLocks noGrp="1"/>
+          </p:cNvGraphicFramePr>
+          <p:nvPr>
+            <p:extLst>
+              <p:ext uri="{D42A27DB-BD31-4B8C-83A1-F6EECF244321}">
+                <p14:modId xmlns:p14="http://schemas.microsoft.com/office/powerpoint/2010/main" val="3156255299"/>
+              </p:ext>
+            </p:extLst>
+          </p:nvPr>
+        </p:nvGraphicFramePr>
+        <p:xfrm>
+          <a:off x="1261871" y="1868556"/>
+          <a:ext cx="8595359" cy="2654856"/>
+        </p:xfrm>
+        <a:graphic>
+          <a:graphicData uri="http://schemas.openxmlformats.org/drawingml/2006/table">
+            <a:tbl>
+              <a:tblPr firstRow="1" bandRow="1">
+                <a:tableStyleId>{8EC20E35-A176-4012-BC5E-935CFFF8708E}</a:tableStyleId>
+              </a:tblPr>
+              <a:tblGrid>
+                <a:gridCol w="1429021">
+                  <a:extLst>
+                    <a:ext uri="{9D8B030D-6E8A-4147-A177-3AD203B41FA5}">
+                      <a16:colId xmlns:a16="http://schemas.microsoft.com/office/drawing/2014/main" val="2756454191"/>
+                    </a:ext>
+                  </a:extLst>
+                </a:gridCol>
+                <a:gridCol w="1194390">
+                  <a:extLst>
+                    <a:ext uri="{9D8B030D-6E8A-4147-A177-3AD203B41FA5}">
+                      <a16:colId xmlns:a16="http://schemas.microsoft.com/office/drawing/2014/main" val="54137394"/>
+                    </a:ext>
+                  </a:extLst>
+                </a:gridCol>
+                <a:gridCol w="1089004">
+                  <a:extLst>
+                    <a:ext uri="{9D8B030D-6E8A-4147-A177-3AD203B41FA5}">
+                      <a16:colId xmlns:a16="http://schemas.microsoft.com/office/drawing/2014/main" val="2842917483"/>
+                    </a:ext>
+                  </a:extLst>
+                </a:gridCol>
+                <a:gridCol w="1089004">
+                  <a:extLst>
+                    <a:ext uri="{9D8B030D-6E8A-4147-A177-3AD203B41FA5}">
+                      <a16:colId xmlns:a16="http://schemas.microsoft.com/office/drawing/2014/main" val="153988928"/>
+                    </a:ext>
+                  </a:extLst>
+                </a:gridCol>
+                <a:gridCol w="1299775">
+                  <a:extLst>
+                    <a:ext uri="{9D8B030D-6E8A-4147-A177-3AD203B41FA5}">
+                      <a16:colId xmlns:a16="http://schemas.microsoft.com/office/drawing/2014/main" val="3606845524"/>
+                    </a:ext>
+                  </a:extLst>
+                </a:gridCol>
+                <a:gridCol w="1194390">
+                  <a:extLst>
+                    <a:ext uri="{9D8B030D-6E8A-4147-A177-3AD203B41FA5}">
+                      <a16:colId xmlns:a16="http://schemas.microsoft.com/office/drawing/2014/main" val="879066529"/>
+                    </a:ext>
+                  </a:extLst>
+                </a:gridCol>
+                <a:gridCol w="1299775">
+                  <a:extLst>
+                    <a:ext uri="{9D8B030D-6E8A-4147-A177-3AD203B41FA5}">
+                      <a16:colId xmlns:a16="http://schemas.microsoft.com/office/drawing/2014/main" val="496974234"/>
+                    </a:ext>
+                  </a:extLst>
+                </a:gridCol>
+              </a:tblGrid>
+              <a:tr h="571872">
+                <a:tc>
+                  <a:txBody>
+                    <a:bodyPr/>
+                    <a:lstStyle/>
+                    <a:p>
+                      <a:r>
+                        <a:rPr lang="en-US" sz="1200"/>
+                        <a:t>Model </a:t>
+                      </a:r>
+                    </a:p>
+                  </a:txBody>
+                  <a:tcPr marL="63678" marR="63678" marT="31839" marB="31839"/>
+                </a:tc>
+                <a:tc>
+                  <a:txBody>
+                    <a:bodyPr/>
+                    <a:lstStyle/>
+                    <a:p>
+                      <a:r>
+                        <a:rPr lang="en-US" sz="1200" dirty="0"/>
+                        <a:t>Control</a:t>
+                      </a:r>
+                    </a:p>
+                    <a:p>
+                      <a:r>
+                        <a:rPr lang="en-US" sz="1200" dirty="0"/>
+                        <a:t>Train Time</a:t>
+                      </a:r>
+                    </a:p>
+                  </a:txBody>
+                  <a:tcPr marL="63678" marR="63678" marT="31839" marB="31839"/>
+                </a:tc>
+                <a:tc>
+                  <a:txBody>
+                    <a:bodyPr/>
+                    <a:lstStyle/>
+                    <a:p>
+                      <a:r>
+                        <a:rPr lang="en-US" sz="1200" dirty="0"/>
+                        <a:t>Modified</a:t>
+                      </a:r>
+                    </a:p>
+                    <a:p>
+                      <a:r>
+                        <a:rPr lang="en-US" sz="1200" dirty="0"/>
+                        <a:t>Train Time</a:t>
+                      </a:r>
+                    </a:p>
+                  </a:txBody>
+                  <a:tcPr marL="63678" marR="63678" marT="31839" marB="31839"/>
+                </a:tc>
+                <a:tc>
+                  <a:txBody>
+                    <a:bodyPr/>
+                    <a:lstStyle/>
+                    <a:p>
+                      <a:r>
+                        <a:rPr lang="en-US" sz="1200" dirty="0"/>
+                        <a:t>Control</a:t>
+                      </a:r>
+                    </a:p>
+                    <a:p>
+                      <a:r>
+                        <a:rPr lang="en-US" sz="1200" dirty="0"/>
+                        <a:t>Loss</a:t>
+                      </a:r>
+                    </a:p>
+                  </a:txBody>
+                  <a:tcPr marL="63678" marR="63678" marT="31839" marB="31839"/>
+                </a:tc>
+                <a:tc>
+                  <a:txBody>
+                    <a:bodyPr/>
+                    <a:lstStyle/>
+                    <a:p>
+                      <a:r>
+                        <a:rPr lang="en-US" sz="1200" dirty="0"/>
+                        <a:t>Modified</a:t>
+                      </a:r>
+                    </a:p>
+                    <a:p>
+                      <a:r>
+                        <a:rPr lang="en-US" sz="1200" dirty="0"/>
+                        <a:t>Loss</a:t>
+                      </a:r>
+                    </a:p>
+                  </a:txBody>
+                  <a:tcPr marL="63678" marR="63678" marT="31839" marB="31839"/>
+                </a:tc>
+                <a:tc>
+                  <a:txBody>
+                    <a:bodyPr/>
+                    <a:lstStyle/>
+                    <a:p>
+                      <a:r>
+                        <a:rPr lang="en-US" sz="1200" dirty="0"/>
+                        <a:t>Control </a:t>
+                      </a:r>
+                    </a:p>
+                    <a:p>
+                      <a:r>
+                        <a:rPr lang="en-US" sz="1200" dirty="0"/>
+                        <a:t>Iterations</a:t>
+                      </a:r>
+                    </a:p>
+                  </a:txBody>
+                  <a:tcPr marL="63678" marR="63678" marT="31839" marB="31839"/>
+                </a:tc>
+                <a:tc>
+                  <a:txBody>
+                    <a:bodyPr/>
+                    <a:lstStyle/>
+                    <a:p>
+                      <a:r>
+                        <a:rPr lang="en-US" sz="1200" dirty="0"/>
+                        <a:t>Modified</a:t>
+                      </a:r>
+                    </a:p>
+                    <a:p>
+                      <a:r>
+                        <a:rPr lang="en-US" sz="1200" dirty="0"/>
+                        <a:t>Iterations</a:t>
+                      </a:r>
+                    </a:p>
+                  </a:txBody>
+                  <a:tcPr marL="63678" marR="63678" marT="31839" marB="31839"/>
+                </a:tc>
+                <a:extLst>
+                  <a:ext uri="{0D108BD9-81ED-4DB2-BD59-A6C34878D82A}">
+                    <a16:rowId xmlns:a16="http://schemas.microsoft.com/office/drawing/2014/main" val="3954636428"/>
+                  </a:ext>
+                </a:extLst>
+              </a:tr>
+              <a:tr h="347164">
+                <a:tc>
+                  <a:txBody>
+                    <a:bodyPr/>
+                    <a:lstStyle/>
+                    <a:p>
+                      <a:r>
+                        <a:rPr lang="en-US" sz="1200"/>
+                        <a:t>(0)</a:t>
+                      </a:r>
+                    </a:p>
+                  </a:txBody>
+                  <a:tcPr marL="63678" marR="63678" marT="31839" marB="31839"/>
+                </a:tc>
+                <a:tc>
+                  <a:txBody>
+                    <a:bodyPr/>
+                    <a:lstStyle/>
+                    <a:p>
+                      <a:r>
+                        <a:rPr lang="en-US" sz="1200"/>
+                        <a:t>28.215625</a:t>
+                      </a:r>
+                    </a:p>
+                  </a:txBody>
+                  <a:tcPr marL="63678" marR="63678" marT="31839" marB="31839"/>
+                </a:tc>
+                <a:tc>
+                  <a:txBody>
+                    <a:bodyPr/>
+                    <a:lstStyle/>
+                    <a:p>
+                      <a:r>
+                        <a:rPr lang="en-US" sz="1200" dirty="0"/>
+                        <a:t>46.407344</a:t>
+                      </a:r>
+                    </a:p>
+                  </a:txBody>
+                  <a:tcPr marL="63678" marR="63678" marT="31839" marB="31839"/>
+                </a:tc>
+                <a:tc>
+                  <a:txBody>
+                    <a:bodyPr/>
+                    <a:lstStyle/>
+                    <a:p>
+                      <a:r>
+                        <a:rPr lang="en-US" sz="1200" dirty="0"/>
+                        <a:t>-</a:t>
+                      </a:r>
+                    </a:p>
+                  </a:txBody>
+                  <a:tcPr marL="63678" marR="63678" marT="31839" marB="31839"/>
+                </a:tc>
+                <a:tc>
+                  <a:txBody>
+                    <a:bodyPr/>
+                    <a:lstStyle/>
+                    <a:p>
+                      <a:r>
+                        <a:rPr lang="en-US" sz="1200" dirty="0"/>
+                        <a:t>-</a:t>
+                      </a:r>
+                    </a:p>
+                  </a:txBody>
+                  <a:tcPr marL="63678" marR="63678" marT="31839" marB="31839"/>
+                </a:tc>
+                <a:tc>
+                  <a:txBody>
+                    <a:bodyPr/>
+                    <a:lstStyle/>
+                    <a:p>
+                      <a:r>
+                        <a:rPr lang="en-US" sz="1200" dirty="0"/>
+                        <a:t>197.680000</a:t>
+                      </a:r>
+                    </a:p>
+                  </a:txBody>
+                  <a:tcPr marL="63678" marR="63678" marT="31839" marB="31839"/>
+                </a:tc>
+                <a:tc>
+                  <a:txBody>
+                    <a:bodyPr/>
+                    <a:lstStyle/>
+                    <a:p>
+                      <a:r>
+                        <a:rPr lang="en-US" sz="1200"/>
+                        <a:t>197.680000</a:t>
+                      </a:r>
+                    </a:p>
+                  </a:txBody>
+                  <a:tcPr marL="63678" marR="63678" marT="31839" marB="31839"/>
+                </a:tc>
+                <a:extLst>
+                  <a:ext uri="{0D108BD9-81ED-4DB2-BD59-A6C34878D82A}">
+                    <a16:rowId xmlns:a16="http://schemas.microsoft.com/office/drawing/2014/main" val="1227817858"/>
+                  </a:ext>
+                </a:extLst>
+              </a:tr>
+              <a:tr h="347164">
+                <a:tc>
+                  <a:txBody>
+                    <a:bodyPr/>
+                    <a:lstStyle/>
+                    <a:p>
+                      <a:r>
+                        <a:rPr lang="en-US" sz="1200"/>
+                        <a:t>(20)</a:t>
+                      </a:r>
+                    </a:p>
+                  </a:txBody>
+                  <a:tcPr marL="63678" marR="63678" marT="31839" marB="31839"/>
+                </a:tc>
+                <a:tc>
+                  <a:txBody>
+                    <a:bodyPr/>
+                    <a:lstStyle/>
+                    <a:p>
+                      <a:r>
+                        <a:rPr lang="en-US" sz="1200" dirty="0"/>
+                        <a:t>19.716250</a:t>
+                      </a:r>
+                    </a:p>
+                  </a:txBody>
+                  <a:tcPr marL="63678" marR="63678" marT="31839" marB="31839"/>
+                </a:tc>
+                <a:tc>
+                  <a:txBody>
+                    <a:bodyPr/>
+                    <a:lstStyle/>
+                    <a:p>
+                      <a:r>
+                        <a:rPr lang="en-US" sz="1200" dirty="0"/>
+                        <a:t>12.370313</a:t>
+                      </a:r>
+                    </a:p>
+                  </a:txBody>
+                  <a:tcPr marL="63678" marR="63678" marT="31839" marB="31839"/>
+                </a:tc>
+                <a:tc>
+                  <a:txBody>
+                    <a:bodyPr/>
+                    <a:lstStyle/>
+                    <a:p>
+                      <a:r>
+                        <a:rPr lang="en-US" sz="1200" dirty="0"/>
+                        <a:t>1.940023</a:t>
+                      </a:r>
+                    </a:p>
+                  </a:txBody>
+                  <a:tcPr marL="63678" marR="63678" marT="31839" marB="31839"/>
+                </a:tc>
+                <a:tc>
+                  <a:txBody>
+                    <a:bodyPr/>
+                    <a:lstStyle/>
+                    <a:p>
+                      <a:r>
+                        <a:rPr lang="en-US" sz="1200" dirty="0"/>
+                        <a:t>2.413378</a:t>
+                      </a:r>
+                    </a:p>
+                  </a:txBody>
+                  <a:tcPr marL="63678" marR="63678" marT="31839" marB="31839"/>
+                </a:tc>
+                <a:tc>
+                  <a:txBody>
+                    <a:bodyPr/>
+                    <a:lstStyle/>
+                    <a:p>
+                      <a:r>
+                        <a:rPr lang="en-US" sz="1200" dirty="0"/>
+                        <a:t>88.980000</a:t>
+                      </a:r>
+                    </a:p>
+                  </a:txBody>
+                  <a:tcPr marL="63678" marR="63678" marT="31839" marB="31839"/>
+                </a:tc>
+                <a:tc>
+                  <a:txBody>
+                    <a:bodyPr/>
+                    <a:lstStyle/>
+                    <a:p>
+                      <a:r>
+                        <a:rPr lang="en-US" sz="1200" dirty="0"/>
+                        <a:t>39.280000</a:t>
+                      </a:r>
+                    </a:p>
+                  </a:txBody>
+                  <a:tcPr marL="63678" marR="63678" marT="31839" marB="31839"/>
+                </a:tc>
+                <a:extLst>
+                  <a:ext uri="{0D108BD9-81ED-4DB2-BD59-A6C34878D82A}">
+                    <a16:rowId xmlns:a16="http://schemas.microsoft.com/office/drawing/2014/main" val="1481591139"/>
+                  </a:ext>
+                </a:extLst>
+              </a:tr>
+              <a:tr h="347164">
+                <a:tc>
+                  <a:txBody>
+                    <a:bodyPr/>
+                    <a:lstStyle/>
+                    <a:p>
+                      <a:r>
+                        <a:rPr lang="en-US" sz="1200"/>
+                        <a:t>(100)</a:t>
+                      </a:r>
+                    </a:p>
+                  </a:txBody>
+                  <a:tcPr marL="63678" marR="63678" marT="31839" marB="31839"/>
+                </a:tc>
+                <a:tc>
+                  <a:txBody>
+                    <a:bodyPr/>
+                    <a:lstStyle/>
+                    <a:p>
+                      <a:r>
+                        <a:rPr lang="en-US" sz="1200"/>
+                        <a:t>88.450312</a:t>
+                      </a:r>
+                    </a:p>
+                  </a:txBody>
+                  <a:tcPr marL="63678" marR="63678" marT="31839" marB="31839"/>
+                </a:tc>
+                <a:tc>
+                  <a:txBody>
+                    <a:bodyPr/>
+                    <a:lstStyle/>
+                    <a:p>
+                      <a:r>
+                        <a:rPr lang="en-US" sz="1200" dirty="0"/>
+                        <a:t>34.03</a:t>
+                      </a:r>
+                    </a:p>
+                  </a:txBody>
+                  <a:tcPr marL="63678" marR="63678" marT="31839" marB="31839"/>
+                </a:tc>
+                <a:tc>
+                  <a:txBody>
+                    <a:bodyPr/>
+                    <a:lstStyle/>
+                    <a:p>
+                      <a:r>
+                        <a:rPr lang="en-US" sz="1200" dirty="0"/>
+                        <a:t>0.230807</a:t>
+                      </a:r>
+                    </a:p>
+                  </a:txBody>
+                  <a:tcPr marL="63678" marR="63678" marT="31839" marB="31839"/>
+                </a:tc>
+                <a:tc>
+                  <a:txBody>
+                    <a:bodyPr/>
+                    <a:lstStyle/>
+                    <a:p>
+                      <a:r>
+                        <a:rPr lang="en-US" sz="1200" dirty="0"/>
+                        <a:t>-</a:t>
+                      </a:r>
+                    </a:p>
+                  </a:txBody>
+                  <a:tcPr marL="63678" marR="63678" marT="31839" marB="31839"/>
+                </a:tc>
+                <a:tc>
+                  <a:txBody>
+                    <a:bodyPr/>
+                    <a:lstStyle/>
+                    <a:p>
+                      <a:r>
+                        <a:rPr lang="en-US" sz="1200" dirty="0"/>
+                        <a:t>128.210000</a:t>
+                      </a:r>
+                    </a:p>
+                  </a:txBody>
+                  <a:tcPr marL="63678" marR="63678" marT="31839" marB="31839"/>
+                </a:tc>
+                <a:tc>
+                  <a:txBody>
+                    <a:bodyPr/>
+                    <a:lstStyle/>
+                    <a:p>
+                      <a:r>
+                        <a:rPr lang="en-US" sz="1200" dirty="0"/>
+                        <a:t>27.75</a:t>
+                      </a:r>
+                    </a:p>
+                  </a:txBody>
+                  <a:tcPr marL="63678" marR="63678" marT="31839" marB="31839"/>
+                </a:tc>
+                <a:extLst>
+                  <a:ext uri="{0D108BD9-81ED-4DB2-BD59-A6C34878D82A}">
+                    <a16:rowId xmlns:a16="http://schemas.microsoft.com/office/drawing/2014/main" val="2800869269"/>
+                  </a:ext>
+                </a:extLst>
+              </a:tr>
+              <a:tr h="347164">
+                <a:tc>
+                  <a:txBody>
+                    <a:bodyPr/>
+                    <a:lstStyle/>
+                    <a:p>
+                      <a:r>
+                        <a:rPr lang="en-US" sz="1200"/>
+                        <a:t>(20,20)</a:t>
+                      </a:r>
+                    </a:p>
+                  </a:txBody>
+                  <a:tcPr marL="63678" marR="63678" marT="31839" marB="31839"/>
+                </a:tc>
+                <a:tc>
+                  <a:txBody>
+                    <a:bodyPr/>
+                    <a:lstStyle/>
+                    <a:p>
+                      <a:r>
+                        <a:rPr lang="en-US" sz="1200"/>
+                        <a:t>24.361406</a:t>
+                      </a:r>
+                    </a:p>
+                  </a:txBody>
+                  <a:tcPr marL="63678" marR="63678" marT="31839" marB="31839"/>
+                </a:tc>
+                <a:tc>
+                  <a:txBody>
+                    <a:bodyPr/>
+                    <a:lstStyle/>
+                    <a:p>
+                      <a:r>
+                        <a:rPr lang="en-US" sz="1200" dirty="0"/>
+                        <a:t>16.019219</a:t>
+                      </a:r>
+                    </a:p>
+                  </a:txBody>
+                  <a:tcPr marL="63678" marR="63678" marT="31839" marB="31839"/>
+                </a:tc>
+                <a:tc>
+                  <a:txBody>
+                    <a:bodyPr/>
+                    <a:lstStyle/>
+                    <a:p>
+                      <a:r>
+                        <a:rPr lang="en-US" sz="1200" dirty="0"/>
+                        <a:t>1.746305</a:t>
+                      </a:r>
+                    </a:p>
+                  </a:txBody>
+                  <a:tcPr marL="63678" marR="63678" marT="31839" marB="31839"/>
+                </a:tc>
+                <a:tc>
+                  <a:txBody>
+                    <a:bodyPr/>
+                    <a:lstStyle/>
+                    <a:p>
+                      <a:r>
+                        <a:rPr lang="en-US" sz="1200"/>
+                        <a:t>2.365948</a:t>
+                      </a:r>
+                    </a:p>
+                  </a:txBody>
+                  <a:tcPr marL="63678" marR="63678" marT="31839" marB="31839"/>
+                </a:tc>
+                <a:tc>
+                  <a:txBody>
+                    <a:bodyPr/>
+                    <a:lstStyle/>
+                    <a:p>
+                      <a:r>
+                        <a:rPr lang="en-US" sz="1200" dirty="0"/>
+                        <a:t>106.460000</a:t>
+                      </a:r>
+                    </a:p>
+                  </a:txBody>
+                  <a:tcPr marL="63678" marR="63678" marT="31839" marB="31839"/>
+                </a:tc>
+                <a:tc>
+                  <a:txBody>
+                    <a:bodyPr/>
+                    <a:lstStyle/>
+                    <a:p>
+                      <a:r>
+                        <a:rPr lang="en-US" sz="1200" dirty="0"/>
+                        <a:t>40.830000</a:t>
+                      </a:r>
+                    </a:p>
+                  </a:txBody>
+                  <a:tcPr marL="63678" marR="63678" marT="31839" marB="31839"/>
+                </a:tc>
+                <a:extLst>
+                  <a:ext uri="{0D108BD9-81ED-4DB2-BD59-A6C34878D82A}">
+                    <a16:rowId xmlns:a16="http://schemas.microsoft.com/office/drawing/2014/main" val="4068012725"/>
+                  </a:ext>
+                </a:extLst>
+              </a:tr>
+              <a:tr h="347164">
+                <a:tc>
+                  <a:txBody>
+                    <a:bodyPr/>
+                    <a:lstStyle/>
+                    <a:p>
+                      <a:r>
+                        <a:rPr lang="en-US" sz="1200"/>
+                        <a:t>(100,100)</a:t>
+                      </a:r>
+                    </a:p>
+                  </a:txBody>
+                  <a:tcPr marL="63678" marR="63678" marT="31839" marB="31839"/>
+                </a:tc>
+                <a:tc>
+                  <a:txBody>
+                    <a:bodyPr/>
+                    <a:lstStyle/>
+                    <a:p>
+                      <a:r>
+                        <a:rPr lang="en-US" sz="1200" dirty="0"/>
+                        <a:t>132.63171</a:t>
+                      </a:r>
+                    </a:p>
+                  </a:txBody>
+                  <a:tcPr marL="63678" marR="63678" marT="31839" marB="31839"/>
+                </a:tc>
+                <a:tc>
+                  <a:txBody>
+                    <a:bodyPr/>
+                    <a:lstStyle/>
+                    <a:p>
+                      <a:r>
+                        <a:rPr lang="en-US" sz="1200" dirty="0"/>
+                        <a:t>58.947344</a:t>
+                      </a:r>
+                    </a:p>
+                  </a:txBody>
+                  <a:tcPr marL="63678" marR="63678" marT="31839" marB="31839"/>
+                </a:tc>
+                <a:tc>
+                  <a:txBody>
+                    <a:bodyPr/>
+                    <a:lstStyle/>
+                    <a:p>
+                      <a:r>
+                        <a:rPr lang="en-US" sz="1200" dirty="0"/>
+                        <a:t>0.485113</a:t>
+                      </a:r>
+                    </a:p>
+                  </a:txBody>
+                  <a:tcPr marL="63678" marR="63678" marT="31839" marB="31839"/>
+                </a:tc>
+                <a:tc>
+                  <a:txBody>
+                    <a:bodyPr/>
+                    <a:lstStyle/>
+                    <a:p>
+                      <a:r>
+                        <a:rPr lang="en-US" sz="1200" dirty="0"/>
+                        <a:t>-</a:t>
+                      </a:r>
+                    </a:p>
+                  </a:txBody>
+                  <a:tcPr marL="63678" marR="63678" marT="31839" marB="31839"/>
+                </a:tc>
+                <a:tc>
+                  <a:txBody>
+                    <a:bodyPr/>
+                    <a:lstStyle/>
+                    <a:p>
+                      <a:r>
+                        <a:rPr lang="en-US" sz="1200" dirty="0"/>
+                        <a:t>159.600000</a:t>
+                      </a:r>
+                    </a:p>
+                  </a:txBody>
+                  <a:tcPr marL="63678" marR="63678" marT="31839" marB="31839"/>
+                </a:tc>
+                <a:tc>
+                  <a:txBody>
+                    <a:bodyPr/>
+                    <a:lstStyle/>
+                    <a:p>
+                      <a:r>
+                        <a:rPr lang="en-US" sz="1200" dirty="0"/>
+                        <a:t>36.980000</a:t>
+                      </a:r>
+                    </a:p>
+                  </a:txBody>
+                  <a:tcPr marL="63678" marR="63678" marT="31839" marB="31839"/>
+                </a:tc>
+                <a:extLst>
+                  <a:ext uri="{0D108BD9-81ED-4DB2-BD59-A6C34878D82A}">
+                    <a16:rowId xmlns:a16="http://schemas.microsoft.com/office/drawing/2014/main" val="1423040279"/>
+                  </a:ext>
+                </a:extLst>
+              </a:tr>
+              <a:tr h="347164">
+                <a:tc>
+                  <a:txBody>
+                    <a:bodyPr/>
+                    <a:lstStyle/>
+                    <a:p>
+                      <a:r>
+                        <a:rPr lang="en-US" sz="1200"/>
+                        <a:t>(20,20,20,20)</a:t>
+                      </a:r>
+                    </a:p>
+                  </a:txBody>
+                  <a:tcPr marL="63678" marR="63678" marT="31839" marB="31839"/>
+                </a:tc>
+                <a:tc>
+                  <a:txBody>
+                    <a:bodyPr/>
+                    <a:lstStyle/>
+                    <a:p>
+                      <a:r>
+                        <a:rPr lang="en-US" sz="1200"/>
+                        <a:t>49.611094</a:t>
+                      </a:r>
+                    </a:p>
+                  </a:txBody>
+                  <a:tcPr marL="63678" marR="63678" marT="31839" marB="31839"/>
+                </a:tc>
+                <a:tc>
+                  <a:txBody>
+                    <a:bodyPr/>
+                    <a:lstStyle/>
+                    <a:p>
+                      <a:r>
+                        <a:rPr lang="en-US" sz="1200" dirty="0"/>
+                        <a:t>24.362344</a:t>
+                      </a:r>
+                    </a:p>
+                  </a:txBody>
+                  <a:tcPr marL="63678" marR="63678" marT="31839" marB="31839"/>
+                </a:tc>
+                <a:tc>
+                  <a:txBody>
+                    <a:bodyPr/>
+                    <a:lstStyle/>
+                    <a:p>
+                      <a:r>
+                        <a:rPr lang="en-US" sz="1200" dirty="0"/>
+                        <a:t>0.518293</a:t>
+                      </a:r>
+                    </a:p>
+                  </a:txBody>
+                  <a:tcPr marL="63678" marR="63678" marT="31839" marB="31839"/>
+                </a:tc>
+                <a:tc>
+                  <a:txBody>
+                    <a:bodyPr/>
+                    <a:lstStyle/>
+                    <a:p>
+                      <a:r>
+                        <a:rPr lang="en-US" sz="1200" dirty="0"/>
+                        <a:t>2.305293</a:t>
+                      </a:r>
+                    </a:p>
+                  </a:txBody>
+                  <a:tcPr marL="63678" marR="63678" marT="31839" marB="31839"/>
+                </a:tc>
+                <a:tc>
+                  <a:txBody>
+                    <a:bodyPr/>
+                    <a:lstStyle/>
+                    <a:p>
+                      <a:r>
+                        <a:rPr lang="en-US" sz="1200" dirty="0"/>
+                        <a:t>178.240000</a:t>
+                      </a:r>
+                    </a:p>
+                  </a:txBody>
+                  <a:tcPr marL="63678" marR="63678" marT="31839" marB="31839"/>
+                </a:tc>
+                <a:tc>
+                  <a:txBody>
+                    <a:bodyPr/>
+                    <a:lstStyle/>
+                    <a:p>
+                      <a:r>
+                        <a:rPr lang="en-US" sz="1200" dirty="0"/>
+                        <a:t>44.560000</a:t>
+                      </a:r>
+                    </a:p>
+                  </a:txBody>
+                  <a:tcPr marL="63678" marR="63678" marT="31839" marB="31839"/>
+                </a:tc>
+                <a:extLst>
+                  <a:ext uri="{0D108BD9-81ED-4DB2-BD59-A6C34878D82A}">
+                    <a16:rowId xmlns:a16="http://schemas.microsoft.com/office/drawing/2014/main" val="3371743942"/>
+                  </a:ext>
+                </a:extLst>
+              </a:tr>
+            </a:tbl>
+          </a:graphicData>
+        </a:graphic>
+      </p:graphicFrame>
+    </p:spTree>
+    <p:extLst>
+      <p:ext uri="{BB962C8B-B14F-4D97-AF65-F5344CB8AC3E}">
+        <p14:creationId xmlns:p14="http://schemas.microsoft.com/office/powerpoint/2010/main" val="1964538285"/>
+      </p:ext>
+    </p:extLst>
+  </p:cSld>
+  <p:clrMapOvr>
+    <a:masterClrMapping/>
+  </p:clrMapOvr>
+</p:sld>
+</file>
+
+<file path=ppt/slides/slide18.xml><?xml version="1.0" encoding="utf-8"?>
+<p:sld xmlns:a="http://schemas.openxmlformats.org/drawingml/2006/main" xmlns:r="http://schemas.openxmlformats.org/officeDocument/2006/relationships" xmlns:p="http://schemas.openxmlformats.org/presentationml/2006/main">
+  <p:cSld>
+    <p:spTree>
+      <p:nvGrpSpPr>
+        <p:cNvPr id="1" name=""/>
+        <p:cNvGrpSpPr/>
+        <p:nvPr/>
+      </p:nvGrpSpPr>
+      <p:grpSpPr>
+        <a:xfrm>
+          <a:off x="0" y="0"/>
+          <a:ext cx="0" cy="0"/>
+          <a:chOff x="0" y="0"/>
+          <a:chExt cx="0" cy="0"/>
+        </a:xfrm>
+      </p:grpSpPr>
+      <p:sp>
+        <p:nvSpPr>
+          <p:cNvPr id="2" name="Title 1">
+            <a:extLst>
+              <a:ext uri="{FF2B5EF4-FFF2-40B4-BE49-F238E27FC236}">
+                <a16:creationId xmlns:a16="http://schemas.microsoft.com/office/drawing/2014/main" id="{C85E5103-5609-49EF-98AB-A8FC9C131A8E}"/>
+              </a:ext>
+            </a:extLst>
+          </p:cNvPr>
+          <p:cNvSpPr>
+            <a:spLocks noGrp="1"/>
+          </p:cNvSpPr>
+          <p:nvPr>
+            <p:ph type="title"/>
+          </p:nvPr>
+        </p:nvSpPr>
+        <p:spPr/>
+        <p:txBody>
+          <a:bodyPr/>
+          <a:lstStyle/>
+          <a:p>
+            <a:r>
+              <a:rPr lang="en-US" dirty="0"/>
+              <a:t>Control vs. Modified Model</a:t>
+            </a:r>
+          </a:p>
+        </p:txBody>
+      </p:sp>
+      <p:sp>
+        <p:nvSpPr>
+          <p:cNvPr id="3" name="Content Placeholder 2">
+            <a:extLst>
+              <a:ext uri="{FF2B5EF4-FFF2-40B4-BE49-F238E27FC236}">
+                <a16:creationId xmlns:a16="http://schemas.microsoft.com/office/drawing/2014/main" id="{0557754D-70AD-469C-8646-D77EFA279CD3}"/>
+              </a:ext>
+            </a:extLst>
+          </p:cNvPr>
+          <p:cNvSpPr>
+            <a:spLocks noGrp="1"/>
+          </p:cNvSpPr>
+          <p:nvPr>
+            <p:ph idx="1"/>
+          </p:nvPr>
+        </p:nvSpPr>
+        <p:spPr>
+          <a:xfrm>
+            <a:off x="1261872" y="4952673"/>
+            <a:ext cx="8595360" cy="1227464"/>
+          </a:xfrm>
+        </p:spPr>
+        <p:txBody>
+          <a:bodyPr/>
+          <a:lstStyle/>
+          <a:p>
+            <a:r>
+              <a:rPr lang="en-US" dirty="0"/>
+              <a:t>Average Precision &amp; Recall Scores</a:t>
+            </a:r>
+          </a:p>
+          <a:p>
+            <a:r>
+              <a:rPr lang="en-US" dirty="0"/>
+              <a:t>All Values Averaged across 100 instances</a:t>
+            </a:r>
+          </a:p>
+          <a:p>
+            <a:pPr marL="0" indent="0">
+              <a:buNone/>
+            </a:pPr>
+            <a:endParaRPr lang="en-US" dirty="0"/>
+          </a:p>
+        </p:txBody>
+      </p:sp>
+      <p:graphicFrame>
+        <p:nvGraphicFramePr>
+          <p:cNvPr id="4" name="Table 6">
+            <a:extLst>
+              <a:ext uri="{FF2B5EF4-FFF2-40B4-BE49-F238E27FC236}">
+                <a16:creationId xmlns:a16="http://schemas.microsoft.com/office/drawing/2014/main" id="{4AC21312-E6D1-495C-ADFA-DE831729B58B}"/>
+              </a:ext>
+            </a:extLst>
+          </p:cNvPr>
+          <p:cNvGraphicFramePr>
+            <a:graphicFrameLocks noGrp="1"/>
+          </p:cNvGraphicFramePr>
+          <p:nvPr>
+            <p:extLst>
+              <p:ext uri="{D42A27DB-BD31-4B8C-83A1-F6EECF244321}">
+                <p14:modId xmlns:p14="http://schemas.microsoft.com/office/powerpoint/2010/main" val="36100009"/>
+              </p:ext>
+            </p:extLst>
+          </p:nvPr>
+        </p:nvGraphicFramePr>
+        <p:xfrm>
+          <a:off x="1261871" y="1868556"/>
+          <a:ext cx="8595360" cy="2654856"/>
+        </p:xfrm>
+        <a:graphic>
+          <a:graphicData uri="http://schemas.openxmlformats.org/drawingml/2006/table">
+            <a:tbl>
+              <a:tblPr firstRow="1" bandRow="1">
+                <a:tableStyleId>{8EC20E35-A176-4012-BC5E-935CFFF8708E}</a:tableStyleId>
+              </a:tblPr>
+              <a:tblGrid>
+                <a:gridCol w="2013205">
+                  <a:extLst>
+                    <a:ext uri="{9D8B030D-6E8A-4147-A177-3AD203B41FA5}">
+                      <a16:colId xmlns:a16="http://schemas.microsoft.com/office/drawing/2014/main" val="2756454191"/>
+                    </a:ext>
+                  </a:extLst>
+                </a:gridCol>
+                <a:gridCol w="1682656">
+                  <a:extLst>
+                    <a:ext uri="{9D8B030D-6E8A-4147-A177-3AD203B41FA5}">
+                      <a16:colId xmlns:a16="http://schemas.microsoft.com/office/drawing/2014/main" val="54137394"/>
+                    </a:ext>
+                  </a:extLst>
+                </a:gridCol>
+                <a:gridCol w="1534188">
+                  <a:extLst>
+                    <a:ext uri="{9D8B030D-6E8A-4147-A177-3AD203B41FA5}">
+                      <a16:colId xmlns:a16="http://schemas.microsoft.com/office/drawing/2014/main" val="2842917483"/>
+                    </a:ext>
+                  </a:extLst>
+                </a:gridCol>
+                <a:gridCol w="1534188">
+                  <a:extLst>
+                    <a:ext uri="{9D8B030D-6E8A-4147-A177-3AD203B41FA5}">
+                      <a16:colId xmlns:a16="http://schemas.microsoft.com/office/drawing/2014/main" val="9648517"/>
+                    </a:ext>
+                  </a:extLst>
+                </a:gridCol>
+                <a:gridCol w="1831123">
+                  <a:extLst>
+                    <a:ext uri="{9D8B030D-6E8A-4147-A177-3AD203B41FA5}">
+                      <a16:colId xmlns:a16="http://schemas.microsoft.com/office/drawing/2014/main" val="496974234"/>
+                    </a:ext>
+                  </a:extLst>
+                </a:gridCol>
+              </a:tblGrid>
+              <a:tr h="571872">
+                <a:tc>
+                  <a:txBody>
+                    <a:bodyPr/>
+                    <a:lstStyle/>
+                    <a:p>
+                      <a:r>
+                        <a:rPr lang="en-US" sz="1200"/>
+                        <a:t>Model </a:t>
+                      </a:r>
+                    </a:p>
+                  </a:txBody>
+                  <a:tcPr marL="63678" marR="63678" marT="31839" marB="31839"/>
+                </a:tc>
+                <a:tc>
+                  <a:txBody>
+                    <a:bodyPr/>
+                    <a:lstStyle/>
+                    <a:p>
+                      <a:r>
+                        <a:rPr lang="en-US" sz="1200" dirty="0"/>
+                        <a:t>Control</a:t>
+                      </a:r>
+                    </a:p>
+                    <a:p>
+                      <a:r>
+                        <a:rPr lang="en-US" sz="1200" dirty="0"/>
+                        <a:t>Precision</a:t>
+                      </a:r>
+                    </a:p>
+                  </a:txBody>
+                  <a:tcPr marL="63678" marR="63678" marT="31839" marB="31839"/>
+                </a:tc>
+                <a:tc>
+                  <a:txBody>
+                    <a:bodyPr/>
+                    <a:lstStyle/>
+                    <a:p>
+                      <a:r>
+                        <a:rPr lang="en-US" sz="1200" dirty="0"/>
+                        <a:t>Modified Precision</a:t>
+                      </a:r>
+                    </a:p>
+                  </a:txBody>
+                  <a:tcPr marL="63678" marR="63678" marT="31839" marB="31839"/>
+                </a:tc>
+                <a:tc>
+                  <a:txBody>
+                    <a:bodyPr/>
+                    <a:lstStyle/>
+                    <a:p>
+                      <a:r>
+                        <a:rPr lang="en-US" sz="1200" dirty="0"/>
+                        <a:t>Control</a:t>
+                      </a:r>
+                    </a:p>
+                    <a:p>
+                      <a:r>
+                        <a:rPr lang="en-US" sz="1200" dirty="0"/>
+                        <a:t>Recall</a:t>
+                      </a:r>
+                    </a:p>
+                  </a:txBody>
+                  <a:tcPr marL="63678" marR="63678" marT="31839" marB="31839"/>
+                </a:tc>
+                <a:tc>
+                  <a:txBody>
+                    <a:bodyPr/>
+                    <a:lstStyle/>
+                    <a:p>
+                      <a:r>
+                        <a:rPr lang="en-US" sz="1200" dirty="0"/>
+                        <a:t>Modified</a:t>
+                      </a:r>
+                    </a:p>
+                    <a:p>
+                      <a:r>
+                        <a:rPr lang="en-US" sz="1200" dirty="0"/>
+                        <a:t>Recall</a:t>
+                      </a:r>
+                    </a:p>
+                  </a:txBody>
+                  <a:tcPr marL="63678" marR="63678" marT="31839" marB="31839"/>
+                </a:tc>
+                <a:extLst>
+                  <a:ext uri="{0D108BD9-81ED-4DB2-BD59-A6C34878D82A}">
+                    <a16:rowId xmlns:a16="http://schemas.microsoft.com/office/drawing/2014/main" val="3954636428"/>
+                  </a:ext>
+                </a:extLst>
+              </a:tr>
+              <a:tr h="347164">
+                <a:tc>
+                  <a:txBody>
+                    <a:bodyPr/>
+                    <a:lstStyle/>
+                    <a:p>
+                      <a:r>
+                        <a:rPr lang="en-US" sz="1200" dirty="0"/>
+                        <a:t>(0)</a:t>
+                      </a:r>
+                    </a:p>
+                  </a:txBody>
+                  <a:tcPr marL="63678" marR="63678" marT="31839" marB="31839"/>
+                </a:tc>
+                <a:tc>
+                  <a:txBody>
+                    <a:bodyPr/>
+                    <a:lstStyle/>
+                    <a:p>
+                      <a:r>
+                        <a:rPr lang="en-US" sz="1200" dirty="0"/>
+                        <a:t>0.858712</a:t>
+                      </a:r>
+                    </a:p>
+                  </a:txBody>
+                  <a:tcPr marL="63678" marR="63678" marT="31839" marB="31839"/>
+                </a:tc>
+                <a:tc>
+                  <a:txBody>
+                    <a:bodyPr/>
+                    <a:lstStyle/>
+                    <a:p>
+                      <a:r>
+                        <a:rPr lang="en-US" sz="1200" dirty="0"/>
+                        <a:t>0.859069</a:t>
+                      </a:r>
+                    </a:p>
+                  </a:txBody>
+                  <a:tcPr marL="63678" marR="63678" marT="31839" marB="31839"/>
+                </a:tc>
+                <a:tc>
+                  <a:txBody>
+                    <a:bodyPr/>
+                    <a:lstStyle/>
+                    <a:p>
+                      <a:r>
+                        <a:rPr lang="en-US" sz="1200" dirty="0"/>
+                        <a:t>0.856789</a:t>
+                      </a:r>
+                    </a:p>
+                  </a:txBody>
+                  <a:tcPr marL="63678" marR="63678" marT="31839" marB="31839"/>
+                </a:tc>
+                <a:tc>
+                  <a:txBody>
+                    <a:bodyPr/>
+                    <a:lstStyle/>
+                    <a:p>
+                      <a:r>
+                        <a:rPr lang="en-US" sz="1200" dirty="0"/>
+                        <a:t>0.857029</a:t>
+                      </a:r>
+                    </a:p>
+                  </a:txBody>
+                  <a:tcPr marL="63678" marR="63678" marT="31839" marB="31839"/>
+                </a:tc>
+                <a:extLst>
+                  <a:ext uri="{0D108BD9-81ED-4DB2-BD59-A6C34878D82A}">
+                    <a16:rowId xmlns:a16="http://schemas.microsoft.com/office/drawing/2014/main" val="1227817858"/>
+                  </a:ext>
+                </a:extLst>
+              </a:tr>
+              <a:tr h="347164">
+                <a:tc>
+                  <a:txBody>
+                    <a:bodyPr/>
+                    <a:lstStyle/>
+                    <a:p>
+                      <a:r>
+                        <a:rPr lang="en-US" sz="1200"/>
+                        <a:t>(20)</a:t>
+                      </a:r>
+                    </a:p>
+                  </a:txBody>
+                  <a:tcPr marL="63678" marR="63678" marT="31839" marB="31839"/>
+                </a:tc>
+                <a:tc>
+                  <a:txBody>
+                    <a:bodyPr/>
+                    <a:lstStyle/>
+                    <a:p>
+                      <a:r>
+                        <a:rPr lang="en-US" sz="1200" dirty="0"/>
+                        <a:t>0.165242</a:t>
+                      </a:r>
+                    </a:p>
+                  </a:txBody>
+                  <a:tcPr marL="63678" marR="63678" marT="31839" marB="31839"/>
+                </a:tc>
+                <a:tc>
+                  <a:txBody>
+                    <a:bodyPr/>
+                    <a:lstStyle/>
+                    <a:p>
+                      <a:r>
+                        <a:rPr lang="en-US" sz="1200" dirty="0"/>
+                        <a:t>0.158758</a:t>
+                      </a:r>
+                    </a:p>
+                  </a:txBody>
+                  <a:tcPr marL="63678" marR="63678" marT="31839" marB="31839"/>
+                </a:tc>
+                <a:tc>
+                  <a:txBody>
+                    <a:bodyPr/>
+                    <a:lstStyle/>
+                    <a:p>
+                      <a:r>
+                        <a:rPr lang="en-US" sz="1200" dirty="0"/>
+                        <a:t>0.211598</a:t>
+                      </a:r>
+                    </a:p>
+                  </a:txBody>
+                  <a:tcPr marL="63678" marR="63678" marT="31839" marB="31839"/>
+                </a:tc>
+                <a:tc>
+                  <a:txBody>
+                    <a:bodyPr/>
+                    <a:lstStyle/>
+                    <a:p>
+                      <a:r>
+                        <a:rPr lang="en-US" sz="1200" dirty="0"/>
+                        <a:t>0.139739</a:t>
+                      </a:r>
+                    </a:p>
+                  </a:txBody>
+                  <a:tcPr marL="63678" marR="63678" marT="31839" marB="31839"/>
+                </a:tc>
+                <a:extLst>
+                  <a:ext uri="{0D108BD9-81ED-4DB2-BD59-A6C34878D82A}">
+                    <a16:rowId xmlns:a16="http://schemas.microsoft.com/office/drawing/2014/main" val="1481591139"/>
+                  </a:ext>
+                </a:extLst>
+              </a:tr>
+              <a:tr h="347164">
+                <a:tc>
+                  <a:txBody>
+                    <a:bodyPr/>
+                    <a:lstStyle/>
+                    <a:p>
+                      <a:r>
+                        <a:rPr lang="en-US" sz="1200"/>
+                        <a:t>(100)</a:t>
+                      </a:r>
+                    </a:p>
+                  </a:txBody>
+                  <a:tcPr marL="63678" marR="63678" marT="31839" marB="31839"/>
+                </a:tc>
+                <a:tc>
+                  <a:txBody>
+                    <a:bodyPr/>
+                    <a:lstStyle/>
+                    <a:p>
+                      <a:r>
+                        <a:rPr lang="en-US" sz="1200" dirty="0"/>
+                        <a:t>0.855230</a:t>
+                      </a:r>
+                    </a:p>
+                  </a:txBody>
+                  <a:tcPr marL="63678" marR="63678" marT="31839" marB="31839"/>
+                </a:tc>
+                <a:tc>
+                  <a:txBody>
+                    <a:bodyPr/>
+                    <a:lstStyle/>
+                    <a:p>
+                      <a:r>
+                        <a:rPr lang="en-US" sz="1200" dirty="0"/>
+                        <a:t>0.741226</a:t>
+                      </a:r>
+                    </a:p>
+                  </a:txBody>
+                  <a:tcPr marL="63678" marR="63678" marT="31839" marB="31839"/>
+                </a:tc>
+                <a:tc>
+                  <a:txBody>
+                    <a:bodyPr/>
+                    <a:lstStyle/>
+                    <a:p>
+                      <a:r>
+                        <a:rPr lang="en-US" sz="1200" dirty="0"/>
+                        <a:t>0.845842</a:t>
+                      </a:r>
+                    </a:p>
+                  </a:txBody>
+                  <a:tcPr marL="63678" marR="63678" marT="31839" marB="31839"/>
+                </a:tc>
+                <a:tc>
+                  <a:txBody>
+                    <a:bodyPr/>
+                    <a:lstStyle/>
+                    <a:p>
+                      <a:r>
+                        <a:rPr lang="en-US" sz="1200" dirty="0"/>
+                        <a:t>0.703482</a:t>
+                      </a:r>
+                    </a:p>
+                  </a:txBody>
+                  <a:tcPr marL="63678" marR="63678" marT="31839" marB="31839"/>
+                </a:tc>
+                <a:extLst>
+                  <a:ext uri="{0D108BD9-81ED-4DB2-BD59-A6C34878D82A}">
+                    <a16:rowId xmlns:a16="http://schemas.microsoft.com/office/drawing/2014/main" val="2800869269"/>
+                  </a:ext>
+                </a:extLst>
+              </a:tr>
+              <a:tr h="347164">
+                <a:tc>
+                  <a:txBody>
+                    <a:bodyPr/>
+                    <a:lstStyle/>
+                    <a:p>
+                      <a:r>
+                        <a:rPr lang="en-US" sz="1200"/>
+                        <a:t>(20,20)</a:t>
+                      </a:r>
+                    </a:p>
+                  </a:txBody>
+                  <a:tcPr marL="63678" marR="63678" marT="31839" marB="31839"/>
+                </a:tc>
+                <a:tc>
+                  <a:txBody>
+                    <a:bodyPr/>
+                    <a:lstStyle/>
+                    <a:p>
+                      <a:r>
+                        <a:rPr lang="en-US" sz="1200" dirty="0"/>
+                        <a:t>0.226885</a:t>
+                      </a:r>
+                    </a:p>
+                  </a:txBody>
+                  <a:tcPr marL="63678" marR="63678" marT="31839" marB="31839"/>
+                </a:tc>
+                <a:tc>
+                  <a:txBody>
+                    <a:bodyPr/>
+                    <a:lstStyle/>
+                    <a:p>
+                      <a:r>
+                        <a:rPr lang="en-US" sz="1200" dirty="0"/>
+                        <a:t>0.102349</a:t>
+                      </a:r>
+                    </a:p>
+                  </a:txBody>
+                  <a:tcPr marL="63678" marR="63678" marT="31839" marB="31839"/>
+                </a:tc>
+                <a:tc>
+                  <a:txBody>
+                    <a:bodyPr/>
+                    <a:lstStyle/>
+                    <a:p>
+                      <a:r>
+                        <a:rPr lang="en-US" sz="1200" dirty="0"/>
+                        <a:t>0.285867</a:t>
+                      </a:r>
+                    </a:p>
+                  </a:txBody>
+                  <a:tcPr marL="63678" marR="63678" marT="31839" marB="31839"/>
+                </a:tc>
+                <a:tc>
+                  <a:txBody>
+                    <a:bodyPr/>
+                    <a:lstStyle/>
+                    <a:p>
+                      <a:r>
+                        <a:rPr lang="en-US" sz="1200" dirty="0"/>
+                        <a:t>0.127776</a:t>
+                      </a:r>
+                    </a:p>
+                  </a:txBody>
+                  <a:tcPr marL="63678" marR="63678" marT="31839" marB="31839"/>
+                </a:tc>
+                <a:extLst>
+                  <a:ext uri="{0D108BD9-81ED-4DB2-BD59-A6C34878D82A}">
+                    <a16:rowId xmlns:a16="http://schemas.microsoft.com/office/drawing/2014/main" val="4068012725"/>
+                  </a:ext>
+                </a:extLst>
+              </a:tr>
+              <a:tr h="347164">
+                <a:tc>
+                  <a:txBody>
+                    <a:bodyPr/>
+                    <a:lstStyle/>
+                    <a:p>
+                      <a:r>
+                        <a:rPr lang="en-US" sz="1200"/>
+                        <a:t>(100,100)</a:t>
+                      </a:r>
+                    </a:p>
+                  </a:txBody>
+                  <a:tcPr marL="63678" marR="63678" marT="31839" marB="31839"/>
+                </a:tc>
+                <a:tc>
+                  <a:txBody>
+                    <a:bodyPr/>
+                    <a:lstStyle/>
+                    <a:p>
+                      <a:r>
+                        <a:rPr lang="en-US" sz="1200" dirty="0"/>
+                        <a:t>0.736892</a:t>
+                      </a:r>
+                    </a:p>
+                  </a:txBody>
+                  <a:tcPr marL="63678" marR="63678" marT="31839" marB="31839"/>
+                </a:tc>
+                <a:tc>
+                  <a:txBody>
+                    <a:bodyPr/>
+                    <a:lstStyle/>
+                    <a:p>
+                      <a:r>
+                        <a:rPr lang="en-US" sz="1200" dirty="0"/>
+                        <a:t>0.477699</a:t>
+                      </a:r>
+                    </a:p>
+                  </a:txBody>
+                  <a:tcPr marL="63678" marR="63678" marT="31839" marB="31839"/>
+                </a:tc>
+                <a:tc>
+                  <a:txBody>
+                    <a:bodyPr/>
+                    <a:lstStyle/>
+                    <a:p>
+                      <a:r>
+                        <a:rPr lang="en-US" sz="1200" dirty="0"/>
+                        <a:t>0.739866</a:t>
+                      </a:r>
+                    </a:p>
+                  </a:txBody>
+                  <a:tcPr marL="63678" marR="63678" marT="31839" marB="31839"/>
+                </a:tc>
+                <a:tc>
+                  <a:txBody>
+                    <a:bodyPr/>
+                    <a:lstStyle/>
+                    <a:p>
+                      <a:r>
+                        <a:rPr lang="en-US" sz="1200" dirty="0"/>
+                        <a:t>0.426414</a:t>
+                      </a:r>
+                    </a:p>
+                  </a:txBody>
+                  <a:tcPr marL="63678" marR="63678" marT="31839" marB="31839"/>
+                </a:tc>
+                <a:extLst>
+                  <a:ext uri="{0D108BD9-81ED-4DB2-BD59-A6C34878D82A}">
+                    <a16:rowId xmlns:a16="http://schemas.microsoft.com/office/drawing/2014/main" val="1423040279"/>
+                  </a:ext>
+                </a:extLst>
+              </a:tr>
+              <a:tr h="347164">
+                <a:tc>
+                  <a:txBody>
+                    <a:bodyPr/>
+                    <a:lstStyle/>
+                    <a:p>
+                      <a:r>
+                        <a:rPr lang="en-US" sz="1200"/>
+                        <a:t>(20,20,20,20)</a:t>
+                      </a:r>
+                    </a:p>
+                  </a:txBody>
+                  <a:tcPr marL="63678" marR="63678" marT="31839" marB="31839"/>
+                </a:tc>
+                <a:tc>
+                  <a:txBody>
+                    <a:bodyPr/>
+                    <a:lstStyle/>
+                    <a:p>
+                      <a:r>
+                        <a:rPr lang="en-US" sz="1200" dirty="0"/>
+                        <a:t>0.715778</a:t>
+                      </a:r>
+                    </a:p>
+                  </a:txBody>
+                  <a:tcPr marL="63678" marR="63678" marT="31839" marB="31839"/>
+                </a:tc>
+                <a:tc>
+                  <a:txBody>
+                    <a:bodyPr/>
+                    <a:lstStyle/>
+                    <a:p>
+                      <a:r>
+                        <a:rPr lang="en-US" sz="1200" dirty="0"/>
+                        <a:t>0.120012</a:t>
+                      </a:r>
+                    </a:p>
+                  </a:txBody>
+                  <a:tcPr marL="63678" marR="63678" marT="31839" marB="31839"/>
+                </a:tc>
+                <a:tc>
+                  <a:txBody>
+                    <a:bodyPr/>
+                    <a:lstStyle/>
+                    <a:p>
+                      <a:r>
+                        <a:rPr lang="en-US" sz="1200" dirty="0"/>
+                        <a:t>0.726083</a:t>
+                      </a:r>
+                    </a:p>
+                  </a:txBody>
+                  <a:tcPr marL="63678" marR="63678" marT="31839" marB="31839"/>
+                </a:tc>
+                <a:tc>
+                  <a:txBody>
+                    <a:bodyPr/>
+                    <a:lstStyle/>
+                    <a:p>
+                      <a:r>
+                        <a:rPr lang="en-US" sz="1200" dirty="0"/>
+                        <a:t>0.148764</a:t>
+                      </a:r>
+                    </a:p>
+                  </a:txBody>
+                  <a:tcPr marL="63678" marR="63678" marT="31839" marB="31839"/>
+                </a:tc>
+                <a:extLst>
+                  <a:ext uri="{0D108BD9-81ED-4DB2-BD59-A6C34878D82A}">
+                    <a16:rowId xmlns:a16="http://schemas.microsoft.com/office/drawing/2014/main" val="3371743942"/>
+                  </a:ext>
+                </a:extLst>
+              </a:tr>
+            </a:tbl>
+          </a:graphicData>
+        </a:graphic>
+      </p:graphicFrame>
+    </p:spTree>
+    <p:extLst>
+      <p:ext uri="{BB962C8B-B14F-4D97-AF65-F5344CB8AC3E}">
+        <p14:creationId xmlns:p14="http://schemas.microsoft.com/office/powerpoint/2010/main" val="1184893"/>
+      </p:ext>
+    </p:extLst>
+  </p:cSld>
+  <p:clrMapOvr>
+    <a:masterClrMapping/>
+  </p:clrMapOvr>
+</p:sld>
+</file>
+
+<file path=ppt/slides/slide19.xml><?xml version="1.0" encoding="utf-8"?>
+<p:sld xmlns:a="http://schemas.openxmlformats.org/drawingml/2006/main" xmlns:r="http://schemas.openxmlformats.org/officeDocument/2006/relationships" xmlns:p="http://schemas.openxmlformats.org/presentationml/2006/main">
+  <p:cSld>
+    <p:bg>
+      <p:bgPr>
+        <a:solidFill>
+          <a:schemeClr val="bg1"/>
+        </a:solidFill>
+        <a:effectLst/>
+      </p:bgPr>
+    </p:bg>
+    <p:spTree>
+      <p:nvGrpSpPr>
+        <p:cNvPr id="1" name=""/>
+        <p:cNvGrpSpPr/>
+        <p:nvPr/>
+      </p:nvGrpSpPr>
+      <p:grpSpPr>
+        <a:xfrm>
+          <a:off x="0" y="0"/>
+          <a:ext cx="0" cy="0"/>
+          <a:chOff x="0" y="0"/>
+          <a:chExt cx="0" cy="0"/>
+        </a:xfrm>
+      </p:grpSpPr>
+      <p:sp>
+        <p:nvSpPr>
+          <p:cNvPr id="8" name="Rectangle 7">
+            <a:extLst>
+              <a:ext uri="{FF2B5EF4-FFF2-40B4-BE49-F238E27FC236}">
+                <a16:creationId xmlns:a16="http://schemas.microsoft.com/office/drawing/2014/main" id="{33801627-6861-4EA9-BE98-E0CE33A894D9}"/>
+              </a:ext>
+              <a:ext uri="{C183D7F6-B498-43B3-948B-1728B52AA6E4}">
+                <adec:decorative xmlns:adec="http://schemas.microsoft.com/office/drawing/2017/decorative" val="1"/>
+              </a:ext>
+            </a:extLst>
+          </p:cNvPr>
+          <p:cNvSpPr>
+            <a:spLocks noGrp="1" noRot="1" noChangeAspect="1" noMove="1" noResize="1" noEditPoints="1" noAdjustHandles="1" noChangeArrowheads="1" noChangeShapeType="1" noTextEdit="1"/>
+          </p:cNvSpPr>
+          <p:nvPr>
+            <p:extLst>
+              <p:ext uri="{386F3935-93C4-4BCD-93E2-E3B085C9AB24}">
+                <p16:designElem xmlns:p16="http://schemas.microsoft.com/office/powerpoint/2015/main" val="1"/>
+              </p:ext>
+            </p:extLst>
+          </p:nvPr>
+        </p:nvSpPr>
+        <p:spPr>
+          <a:xfrm>
+            <a:off x="1" y="0"/>
+            <a:ext cx="643466" cy="6858000"/>
+          </a:xfrm>
+          <a:prstGeom prst="rect">
+            <a:avLst/>
+          </a:prstGeom>
+          <a:solidFill>
+            <a:srgbClr val="0D0D0D"/>
+          </a:solidFill>
+          <a:ln>
+            <a:noFill/>
+          </a:ln>
+        </p:spPr>
+        <p:style>
+          <a:lnRef idx="2">
+            <a:schemeClr val="accent1">
+              <a:shade val="50000"/>
+            </a:schemeClr>
+          </a:lnRef>
+          <a:fillRef idx="1">
+            <a:schemeClr val="accent1"/>
+          </a:fillRef>
+          <a:effectRef idx="0">
+            <a:schemeClr val="accent1"/>
+          </a:effectRef>
+          <a:fontRef idx="minor">
+            <a:schemeClr val="lt1"/>
+          </a:fontRef>
+        </p:style>
+        <p:txBody>
+          <a:bodyPr rtlCol="0" anchor="ctr"/>
+          <a:lstStyle/>
+          <a:p>
+            <a:pPr algn="ctr"/>
+            <a:endParaRPr lang="en-US"/>
+          </a:p>
+        </p:txBody>
+      </p:sp>
+      <p:sp>
+        <p:nvSpPr>
+          <p:cNvPr id="10" name="Rectangle 9">
+            <a:extLst>
+              <a:ext uri="{FF2B5EF4-FFF2-40B4-BE49-F238E27FC236}">
+                <a16:creationId xmlns:a16="http://schemas.microsoft.com/office/drawing/2014/main" id="{93C1483F-490E-4C8A-8765-1F8AF0C67D5F}"/>
+              </a:ext>
+              <a:ext uri="{C183D7F6-B498-43B3-948B-1728B52AA6E4}">
+                <adec:decorative xmlns:adec="http://schemas.microsoft.com/office/drawing/2017/decorative" val="1"/>
+              </a:ext>
+            </a:extLst>
+          </p:cNvPr>
+          <p:cNvSpPr>
+            <a:spLocks noGrp="1" noRot="1" noChangeAspect="1" noMove="1" noResize="1" noEditPoints="1" noAdjustHandles="1" noChangeArrowheads="1" noChangeShapeType="1" noTextEdit="1"/>
+          </p:cNvSpPr>
+          <p:nvPr>
+            <p:extLst>
+              <p:ext uri="{386F3935-93C4-4BCD-93E2-E3B085C9AB24}">
+                <p16:designElem xmlns:p16="http://schemas.microsoft.com/office/powerpoint/2015/main" val="1"/>
+              </p:ext>
+            </p:extLst>
+          </p:nvPr>
+        </p:nvSpPr>
+        <p:spPr>
+          <a:xfrm>
+            <a:off x="643466" y="0"/>
+            <a:ext cx="3736189" cy="6858000"/>
+          </a:xfrm>
+          <a:prstGeom prst="rect">
+            <a:avLst/>
+          </a:prstGeom>
+          <a:solidFill>
+            <a:srgbClr val="292929"/>
+          </a:solidFill>
+          <a:ln>
+            <a:noFill/>
+          </a:ln>
+        </p:spPr>
+        <p:style>
+          <a:lnRef idx="2">
+            <a:schemeClr val="accent1">
+              <a:shade val="50000"/>
+            </a:schemeClr>
+          </a:lnRef>
+          <a:fillRef idx="1">
+            <a:schemeClr val="accent1"/>
+          </a:fillRef>
+          <a:effectRef idx="0">
+            <a:schemeClr val="accent1"/>
+          </a:effectRef>
+          <a:fontRef idx="minor">
+            <a:schemeClr val="lt1"/>
+          </a:fontRef>
+        </p:style>
+        <p:txBody>
+          <a:bodyPr rtlCol="0" anchor="ctr"/>
+          <a:lstStyle/>
+          <a:p>
+            <a:pPr algn="ctr"/>
+            <a:endParaRPr lang="en-US"/>
+          </a:p>
+        </p:txBody>
+      </p:sp>
+      <p:sp>
+        <p:nvSpPr>
+          <p:cNvPr id="2" name="Title 1">
+            <a:extLst>
+              <a:ext uri="{FF2B5EF4-FFF2-40B4-BE49-F238E27FC236}">
+                <a16:creationId xmlns:a16="http://schemas.microsoft.com/office/drawing/2014/main" id="{582D8065-6009-4E89-BBE9-8B968D87BC9A}"/>
+              </a:ext>
+            </a:extLst>
+          </p:cNvPr>
+          <p:cNvSpPr>
+            <a:spLocks noGrp="1"/>
+          </p:cNvSpPr>
+          <p:nvPr>
+            <p:ph type="title"/>
+          </p:nvPr>
+        </p:nvSpPr>
+        <p:spPr>
+          <a:xfrm>
+            <a:off x="965198" y="643466"/>
+            <a:ext cx="3092718" cy="5528734"/>
+          </a:xfrm>
+          <a:noFill/>
+        </p:spPr>
+        <p:txBody>
+          <a:bodyPr anchor="t">
+            <a:normAutofit/>
+          </a:bodyPr>
+          <a:lstStyle/>
+          <a:p>
+            <a:br>
+              <a:rPr lang="en-US" sz="2800" dirty="0">
+                <a:solidFill>
+                  <a:srgbClr val="FFFFFF"/>
+                </a:solidFill>
+              </a:rPr>
+            </a:br>
+            <a:br>
+              <a:rPr lang="en-US" sz="2800" dirty="0">
+                <a:solidFill>
+                  <a:srgbClr val="FFFFFF"/>
+                </a:solidFill>
+              </a:rPr>
+            </a:br>
+            <a:r>
+              <a:rPr lang="en-US" sz="2800" dirty="0">
+                <a:solidFill>
+                  <a:srgbClr val="FFFFFF"/>
+                </a:solidFill>
+              </a:rPr>
+              <a:t>Notes on Time Complexity</a:t>
+            </a:r>
+            <a:br>
+              <a:rPr lang="en-US" sz="2800" dirty="0">
+                <a:solidFill>
+                  <a:srgbClr val="FFFFFF"/>
+                </a:solidFill>
+              </a:rPr>
+            </a:br>
+            <a:br>
+              <a:rPr lang="en-US" sz="2800" dirty="0">
+                <a:solidFill>
+                  <a:srgbClr val="FFFFFF"/>
+                </a:solidFill>
+              </a:rPr>
+            </a:br>
+            <a:r>
+              <a:rPr lang="en-US" sz="1200" dirty="0">
+                <a:solidFill>
+                  <a:srgbClr val="FFFFFF"/>
+                </a:solidFill>
+              </a:rPr>
+              <a:t>(See </a:t>
+            </a:r>
+            <a:r>
+              <a:rPr lang="en-US" sz="1200" dirty="0" err="1">
+                <a:solidFill>
+                  <a:srgbClr val="FFFFFF"/>
+                </a:solidFill>
+              </a:rPr>
+              <a:t>sklearn</a:t>
+            </a:r>
+            <a:r>
+              <a:rPr lang="en-US" sz="1200" dirty="0">
+                <a:solidFill>
+                  <a:srgbClr val="FFFFFF"/>
+                </a:solidFill>
+              </a:rPr>
+              <a:t> Neural Networks page)</a:t>
+            </a:r>
+            <a:endParaRPr lang="en-US" sz="2800" dirty="0">
+              <a:solidFill>
+                <a:srgbClr val="FFFFFF"/>
+              </a:solidFill>
+            </a:endParaRPr>
+          </a:p>
+        </p:txBody>
+      </p:sp>
+      <p:sp useBgFill="1">
+        <p:nvSpPr>
+          <p:cNvPr id="12" name="Rectangle 11">
+            <a:extLst>
+              <a:ext uri="{FF2B5EF4-FFF2-40B4-BE49-F238E27FC236}">
+                <a16:creationId xmlns:a16="http://schemas.microsoft.com/office/drawing/2014/main" id="{0249BF42-D05C-4553-9417-7B8695759291}"/>
+              </a:ext>
+              <a:ext uri="{C183D7F6-B498-43B3-948B-1728B52AA6E4}">
+                <adec:decorative xmlns:adec="http://schemas.microsoft.com/office/drawing/2017/decorative" val="1"/>
+              </a:ext>
+            </a:extLst>
+          </p:cNvPr>
+          <p:cNvSpPr>
+            <a:spLocks noGrp="1" noRot="1" noChangeAspect="1" noMove="1" noResize="1" noEditPoints="1" noAdjustHandles="1" noChangeArrowheads="1" noChangeShapeType="1" noTextEdit="1"/>
+          </p:cNvSpPr>
+          <p:nvPr>
+            <p:extLst>
+              <p:ext uri="{386F3935-93C4-4BCD-93E2-E3B085C9AB24}">
+                <p16:designElem xmlns:p16="http://schemas.microsoft.com/office/powerpoint/2015/main" val="1"/>
+              </p:ext>
+            </p:extLst>
+          </p:nvPr>
+        </p:nvSpPr>
+        <p:spPr>
+          <a:xfrm>
+            <a:off x="4379654" y="0"/>
+            <a:ext cx="6913185" cy="6858000"/>
+          </a:xfrm>
+          <a:prstGeom prst="rect">
+            <a:avLst/>
+          </a:prstGeom>
+          <a:ln>
+            <a:noFill/>
+          </a:ln>
+        </p:spPr>
+        <p:style>
+          <a:lnRef idx="2">
+            <a:schemeClr val="accent1">
+              <a:shade val="50000"/>
+            </a:schemeClr>
+          </a:lnRef>
+          <a:fillRef idx="1">
+            <a:schemeClr val="accent1"/>
+          </a:fillRef>
+          <a:effectRef idx="0">
+            <a:schemeClr val="accent1"/>
+          </a:effectRef>
+          <a:fontRef idx="minor">
+            <a:schemeClr val="lt1"/>
+          </a:fontRef>
+        </p:style>
+        <p:txBody>
+          <a:bodyPr rtlCol="0" anchor="ctr"/>
+          <a:lstStyle/>
+          <a:p>
+            <a:pPr algn="ctr"/>
+            <a:endParaRPr lang="en-US"/>
+          </a:p>
+        </p:txBody>
+      </p:sp>
+      <mc:AlternateContent xmlns:mc="http://schemas.openxmlformats.org/markup-compatibility/2006">
+        <mc:Choice xmlns:a14="http://schemas.microsoft.com/office/drawing/2010/main" Requires="a14">
+          <p:sp>
+            <p:nvSpPr>
+              <p:cNvPr id="3" name="Content Placeholder 2">
+                <a:extLst>
+                  <a:ext uri="{FF2B5EF4-FFF2-40B4-BE49-F238E27FC236}">
+                    <a16:creationId xmlns:a16="http://schemas.microsoft.com/office/drawing/2014/main" id="{AAF146F4-03B4-406F-8026-9AD3653CD04E}"/>
+                  </a:ext>
+                </a:extLst>
+              </p:cNvPr>
+              <p:cNvSpPr>
+                <a:spLocks noGrp="1"/>
+              </p:cNvSpPr>
+              <p:nvPr>
+                <p:ph idx="1"/>
+              </p:nvPr>
+            </p:nvSpPr>
+            <p:spPr>
+              <a:xfrm>
+                <a:off x="4821898" y="643466"/>
+                <a:ext cx="5827472" cy="5571067"/>
+              </a:xfrm>
+            </p:spPr>
+            <p:txBody>
+              <a:bodyPr>
+                <a:normAutofit lnSpcReduction="10000"/>
+              </a:bodyPr>
+              <a:lstStyle/>
+              <a:p>
+                <a:r>
+                  <a:rPr lang="en-US" dirty="0"/>
+                  <a:t>Rounding to nearest integer improves the time performance of the model?</a:t>
+                </a:r>
+              </a:p>
+              <a:p>
+                <a:r>
+                  <a:rPr lang="en-US" dirty="0"/>
+                  <a:t>General time complexity</a:t>
+                </a:r>
+              </a:p>
+              <a:p>
+                <a:endParaRPr lang="en-US" i="1" dirty="0">
+                  <a:latin typeface="Cambria Math" panose="02040503050406030204" pitchFamily="18" charset="0"/>
+                  <a:ea typeface="Cambria Math" panose="02040503050406030204" pitchFamily="18" charset="0"/>
+                </a:endParaRPr>
+              </a:p>
+              <a:p>
+                <a:pPr marL="0" indent="0">
+                  <a:buNone/>
+                </a:pPr>
+                <a14:m>
+                  <m:oMathPara xmlns:m="http://schemas.openxmlformats.org/officeDocument/2006/math">
+                    <m:oMathParaPr>
+                      <m:jc m:val="centerGroup"/>
+                    </m:oMathParaPr>
+                    <m:oMath xmlns:m="http://schemas.openxmlformats.org/officeDocument/2006/math">
+                      <m:r>
+                        <a:rPr lang="en-US" sz="3200" i="1">
+                          <a:latin typeface="Cambria Math" panose="02040503050406030204" pitchFamily="18" charset="0"/>
+                          <a:ea typeface="Cambria Math" panose="02040503050406030204" pitchFamily="18" charset="0"/>
+                        </a:rPr>
+                        <m:t>𝒪</m:t>
+                      </m:r>
+                      <m:r>
+                        <a:rPr lang="en-US" sz="3200" b="0" i="1">
+                          <a:latin typeface="Cambria Math" panose="02040503050406030204" pitchFamily="18" charset="0"/>
+                          <a:ea typeface="Cambria Math" panose="02040503050406030204" pitchFamily="18" charset="0"/>
+                        </a:rPr>
+                        <m:t>(</m:t>
+                      </m:r>
+                      <m:r>
+                        <a:rPr lang="en-US" sz="3200" b="0" i="1">
+                          <a:latin typeface="Cambria Math" panose="02040503050406030204" pitchFamily="18" charset="0"/>
+                          <a:ea typeface="Cambria Math" panose="02040503050406030204" pitchFamily="18" charset="0"/>
+                        </a:rPr>
+                        <m:t>𝑛</m:t>
+                      </m:r>
+                      <m:r>
+                        <a:rPr lang="en-US" sz="3200" b="0" i="1">
+                          <a:latin typeface="Cambria Math" panose="02040503050406030204" pitchFamily="18" charset="0"/>
+                          <a:ea typeface="Cambria Math" panose="02040503050406030204" pitchFamily="18" charset="0"/>
+                        </a:rPr>
+                        <m:t>⋅</m:t>
+                      </m:r>
+                      <m:r>
+                        <a:rPr lang="en-US" sz="3200" b="0" i="1">
+                          <a:latin typeface="Cambria Math" panose="02040503050406030204" pitchFamily="18" charset="0"/>
+                          <a:ea typeface="Cambria Math" panose="02040503050406030204" pitchFamily="18" charset="0"/>
+                        </a:rPr>
+                        <m:t>𝑚</m:t>
+                      </m:r>
+                      <m:r>
+                        <a:rPr lang="en-US" sz="3200" b="0" i="1">
+                          <a:latin typeface="Cambria Math" panose="02040503050406030204" pitchFamily="18" charset="0"/>
+                          <a:ea typeface="Cambria Math" panose="02040503050406030204" pitchFamily="18" charset="0"/>
+                        </a:rPr>
+                        <m:t>⋅</m:t>
+                      </m:r>
+                      <m:sSup>
+                        <m:sSupPr>
+                          <m:ctrlPr>
+                            <a:rPr lang="en-US" sz="3200" b="0" i="1">
+                              <a:latin typeface="Cambria Math" panose="02040503050406030204" pitchFamily="18" charset="0"/>
+                              <a:ea typeface="Cambria Math" panose="02040503050406030204" pitchFamily="18" charset="0"/>
+                            </a:rPr>
+                          </m:ctrlPr>
+                        </m:sSupPr>
+                        <m:e>
+                          <m:r>
+                            <a:rPr lang="en-US" sz="3200" b="0" i="1">
+                              <a:latin typeface="Cambria Math" panose="02040503050406030204" pitchFamily="18" charset="0"/>
+                              <a:ea typeface="Cambria Math" panose="02040503050406030204" pitchFamily="18" charset="0"/>
+                            </a:rPr>
+                            <m:t>h</m:t>
+                          </m:r>
+                        </m:e>
+                        <m:sup>
+                          <m:r>
+                            <a:rPr lang="en-US" sz="3200" b="0" i="1">
+                              <a:latin typeface="Cambria Math" panose="02040503050406030204" pitchFamily="18" charset="0"/>
+                              <a:ea typeface="Cambria Math" panose="02040503050406030204" pitchFamily="18" charset="0"/>
+                            </a:rPr>
+                            <m:t>𝑘</m:t>
+                          </m:r>
+                        </m:sup>
+                      </m:sSup>
+                      <m:r>
+                        <a:rPr lang="en-US" sz="3200" b="0" i="1">
+                          <a:latin typeface="Cambria Math" panose="02040503050406030204" pitchFamily="18" charset="0"/>
+                          <a:ea typeface="Cambria Math" panose="02040503050406030204" pitchFamily="18" charset="0"/>
+                        </a:rPr>
+                        <m:t>⋅</m:t>
+                      </m:r>
+                      <m:r>
+                        <a:rPr lang="en-US" sz="3200" b="0" i="1">
+                          <a:latin typeface="Cambria Math" panose="02040503050406030204" pitchFamily="18" charset="0"/>
+                          <a:ea typeface="Cambria Math" panose="02040503050406030204" pitchFamily="18" charset="0"/>
+                        </a:rPr>
+                        <m:t>𝑜</m:t>
+                      </m:r>
+                      <m:r>
+                        <a:rPr lang="en-US" sz="3200" b="0" i="1">
+                          <a:latin typeface="Cambria Math" panose="02040503050406030204" pitchFamily="18" charset="0"/>
+                          <a:ea typeface="Cambria Math" panose="02040503050406030204" pitchFamily="18" charset="0"/>
+                        </a:rPr>
+                        <m:t>⋅</m:t>
+                      </m:r>
+                      <m:r>
+                        <a:rPr lang="en-US" sz="3200" b="0" i="1">
+                          <a:latin typeface="Cambria Math" panose="02040503050406030204" pitchFamily="18" charset="0"/>
+                          <a:ea typeface="Cambria Math" panose="02040503050406030204" pitchFamily="18" charset="0"/>
+                        </a:rPr>
+                        <m:t>𝑖</m:t>
+                      </m:r>
+                      <m:r>
+                        <a:rPr lang="en-US" sz="3200" b="0" i="1">
+                          <a:latin typeface="Cambria Math" panose="02040503050406030204" pitchFamily="18" charset="0"/>
+                          <a:ea typeface="Cambria Math" panose="02040503050406030204" pitchFamily="18" charset="0"/>
+                        </a:rPr>
+                        <m:t>)</m:t>
+                      </m:r>
+                    </m:oMath>
+                  </m:oMathPara>
+                </a14:m>
+                <a:endParaRPr lang="en-US" dirty="0"/>
+              </a:p>
+              <a:p>
+                <a:pPr marL="0" indent="0">
+                  <a:buNone/>
+                </a:pPr>
+                <a:endParaRPr lang="en-US" dirty="0"/>
+              </a:p>
+              <a:p>
+                <a:pPr lvl="1"/>
+                <a:r>
+                  <a:rPr lang="en-US" sz="1600" i="1" dirty="0"/>
+                  <a:t>n </a:t>
+                </a:r>
+                <a:r>
+                  <a:rPr lang="en-US" sz="1600" dirty="0"/>
+                  <a:t>is number of training samples (10,000)</a:t>
+                </a:r>
+              </a:p>
+              <a:p>
+                <a:pPr lvl="1"/>
+                <a:r>
+                  <a:rPr lang="en-US" sz="1600" i="1" dirty="0"/>
+                  <a:t>m </a:t>
+                </a:r>
+                <a:r>
+                  <a:rPr lang="en-US" sz="1600" dirty="0"/>
+                  <a:t>is number of features (784)</a:t>
+                </a:r>
+              </a:p>
+              <a:p>
+                <a:pPr lvl="1"/>
+                <a:r>
+                  <a:rPr lang="en-US" sz="1600" i="1" dirty="0"/>
+                  <a:t>h </a:t>
+                </a:r>
+                <a:r>
+                  <a:rPr lang="en-US" sz="1600" dirty="0"/>
+                  <a:t>is number of neurons (per hidden layer)</a:t>
+                </a:r>
+              </a:p>
+              <a:p>
+                <a:pPr lvl="1"/>
+                <a:r>
+                  <a:rPr lang="en-US" sz="1600" i="1" dirty="0"/>
+                  <a:t>k </a:t>
+                </a:r>
+                <a:r>
+                  <a:rPr lang="en-US" sz="1600" dirty="0"/>
+                  <a:t>is number of hidden layers</a:t>
+                </a:r>
+                <a:r>
+                  <a:rPr lang="en-US" sz="1600" i="1" dirty="0"/>
+                  <a:t> </a:t>
+                </a:r>
+              </a:p>
+              <a:p>
+                <a:pPr lvl="1"/>
+                <a:r>
+                  <a:rPr lang="en-US" sz="1600" i="1" dirty="0"/>
+                  <a:t>o </a:t>
+                </a:r>
+                <a:r>
+                  <a:rPr lang="en-US" sz="1600" dirty="0"/>
+                  <a:t>is number of output neurons (10)</a:t>
+                </a:r>
+              </a:p>
+              <a:p>
+                <a:pPr lvl="1"/>
+                <a:r>
+                  <a:rPr lang="en-US" sz="1600" i="1" dirty="0" err="1"/>
+                  <a:t>i</a:t>
+                </a:r>
+                <a:r>
+                  <a:rPr lang="en-US" sz="1600" dirty="0"/>
+                  <a:t> is number of iterations (400 at maximum)</a:t>
+                </a:r>
+                <a:r>
+                  <a:rPr lang="en-US" sz="1600" i="1" dirty="0"/>
+                  <a:t> </a:t>
+                </a:r>
+              </a:p>
+              <a:p>
+                <a:pPr lvl="1"/>
+                <a:endParaRPr lang="en-US" sz="2000" i="1" dirty="0"/>
+              </a:p>
+              <a:p>
+                <a:r>
+                  <a:rPr lang="en-US" dirty="0"/>
+                  <a:t>By only saving the integer portion of a floating-point number, the algorithms seems to be faster</a:t>
+                </a:r>
+              </a:p>
+            </p:txBody>
+          </p:sp>
+        </mc:Choice>
+        <mc:Fallback>
+          <p:sp>
+            <p:nvSpPr>
+              <p:cNvPr id="3" name="Content Placeholder 2">
+                <a:extLst>
+                  <a:ext uri="{FF2B5EF4-FFF2-40B4-BE49-F238E27FC236}">
+                    <a16:creationId xmlns:a16="http://schemas.microsoft.com/office/drawing/2014/main" id="{AAF146F4-03B4-406F-8026-9AD3653CD04E}"/>
+                  </a:ext>
+                </a:extLst>
+              </p:cNvPr>
+              <p:cNvSpPr>
+                <a:spLocks noGrp="1" noRot="1" noChangeAspect="1" noMove="1" noResize="1" noEditPoints="1" noAdjustHandles="1" noChangeArrowheads="1" noChangeShapeType="1" noTextEdit="1"/>
+              </p:cNvSpPr>
+              <p:nvPr>
+                <p:ph idx="1"/>
+              </p:nvPr>
+            </p:nvSpPr>
+            <p:spPr>
+              <a:xfrm>
+                <a:off x="4821898" y="643466"/>
+                <a:ext cx="5827472" cy="5571067"/>
+              </a:xfrm>
+              <a:blipFill>
+                <a:blip r:embed="rId2"/>
+                <a:stretch>
+                  <a:fillRect l="-418" t="-1424"/>
+                </a:stretch>
+              </a:blipFill>
+            </p:spPr>
+            <p:txBody>
+              <a:bodyPr/>
+              <a:lstStyle/>
+              <a:p>
+                <a:r>
+                  <a:rPr lang="en-US">
+                    <a:noFill/>
+                  </a:rPr>
+                  <a:t> </a:t>
+                </a:r>
+              </a:p>
+            </p:txBody>
+          </p:sp>
+        </mc:Fallback>
+      </mc:AlternateContent>
+    </p:spTree>
+    <p:extLst>
+      <p:ext uri="{BB962C8B-B14F-4D97-AF65-F5344CB8AC3E}">
+        <p14:creationId xmlns:p14="http://schemas.microsoft.com/office/powerpoint/2010/main" val="3873917941"/>
       </p:ext>
     </p:extLst>
   </p:cSld>
@@ -8551,27 +14367,7 @@
                   </a:schemeClr>
                 </a:solidFill>
               </a:rPr>
-              <a:t>How does changing Layer Activations affect the performance of a Multi-Layer Perceptron </a:t>
-            </a:r>
-            <a:r>
-              <a:rPr lang="en-US" dirty="0" err="1">
-                <a:solidFill>
-                  <a:schemeClr val="tx1">
-                    <a:lumMod val="75000"/>
-                  </a:schemeClr>
-                </a:solidFill>
-              </a:rPr>
-              <a:t>Classifer</a:t>
-            </a:r>
-            <a:r>
-              <a:rPr lang="en-US" dirty="0">
-                <a:solidFill>
-                  <a:schemeClr val="tx1">
-                    <a:lumMod val="75000"/>
-                  </a:schemeClr>
-                </a:solidFill>
-              </a:rPr>
-              <a:t>?</a:t>
+              <a:t>How does changing Layer Activations affect the performance of a Multi-Layer Perceptron Classifier?</a:t>
             </a:r>
           </a:p>
         </p:txBody>
@@ -8641,6 +14437,1336 @@
 </p:sld>
 </file>
 
+<file path=ppt/slides/slide20.xml><?xml version="1.0" encoding="utf-8"?>
+<p:sld xmlns:a="http://schemas.openxmlformats.org/drawingml/2006/main" xmlns:r="http://schemas.openxmlformats.org/officeDocument/2006/relationships" xmlns:p="http://schemas.openxmlformats.org/presentationml/2006/main">
+  <p:cSld>
+    <p:bg>
+      <p:bgPr>
+        <a:gradFill rotWithShape="1">
+          <a:gsLst>
+            <a:gs pos="0">
+              <a:schemeClr val="bg1">
+                <a:tint val="94000"/>
+                <a:shade val="98000"/>
+                <a:satMod val="130000"/>
+                <a:lumMod val="102000"/>
+              </a:schemeClr>
+            </a:gs>
+            <a:gs pos="100000">
+              <a:schemeClr val="bg1">
+                <a:tint val="98000"/>
+                <a:shade val="78000"/>
+                <a:satMod val="140000"/>
+              </a:schemeClr>
+            </a:gs>
+          </a:gsLst>
+          <a:path path="circle">
+            <a:fillToRect l="100000" t="100000" r="100000" b="100000"/>
+          </a:path>
+        </a:gradFill>
+        <a:effectLst/>
+      </p:bgPr>
+    </p:bg>
+    <p:spTree>
+      <p:nvGrpSpPr>
+        <p:cNvPr id="1" name=""/>
+        <p:cNvGrpSpPr/>
+        <p:nvPr/>
+      </p:nvGrpSpPr>
+      <p:grpSpPr>
+        <a:xfrm>
+          <a:off x="0" y="0"/>
+          <a:ext cx="0" cy="0"/>
+          <a:chOff x="0" y="0"/>
+          <a:chExt cx="0" cy="0"/>
+        </a:xfrm>
+      </p:grpSpPr>
+      <p:sp useBgFill="1">
+        <p:nvSpPr>
+          <p:cNvPr id="8" name="Rectangle 7">
+            <a:extLst>
+              <a:ext uri="{FF2B5EF4-FFF2-40B4-BE49-F238E27FC236}">
+                <a16:creationId xmlns:a16="http://schemas.microsoft.com/office/drawing/2014/main" id="{5DB0431E-0B04-44A1-9C51-531E28D18A60}"/>
+              </a:ext>
+              <a:ext uri="{C183D7F6-B498-43B3-948B-1728B52AA6E4}">
+                <adec:decorative xmlns:adec="http://schemas.microsoft.com/office/drawing/2017/decorative" val="1"/>
+              </a:ext>
+            </a:extLst>
+          </p:cNvPr>
+          <p:cNvSpPr>
+            <a:spLocks noGrp="1" noRot="1" noChangeAspect="1" noMove="1" noResize="1" noEditPoints="1" noAdjustHandles="1" noChangeArrowheads="1" noChangeShapeType="1" noTextEdit="1"/>
+          </p:cNvSpPr>
+          <p:nvPr>
+            <p:extLst>
+              <p:ext uri="{386F3935-93C4-4BCD-93E2-E3B085C9AB24}">
+                <p16:designElem xmlns:p16="http://schemas.microsoft.com/office/powerpoint/2015/main" val="1"/>
+              </p:ext>
+            </p:extLst>
+          </p:nvPr>
+        </p:nvSpPr>
+        <p:spPr>
+          <a:xfrm>
+            <a:off x="0" y="0"/>
+            <a:ext cx="12192000" cy="6858000"/>
+          </a:xfrm>
+          <a:prstGeom prst="rect">
+            <a:avLst/>
+          </a:prstGeom>
+          <a:ln>
+            <a:noFill/>
+          </a:ln>
+        </p:spPr>
+        <p:style>
+          <a:lnRef idx="2">
+            <a:schemeClr val="accent1">
+              <a:shade val="50000"/>
+            </a:schemeClr>
+          </a:lnRef>
+          <a:fillRef idx="1">
+            <a:schemeClr val="accent1"/>
+          </a:fillRef>
+          <a:effectRef idx="0">
+            <a:schemeClr val="accent1"/>
+          </a:effectRef>
+          <a:fontRef idx="minor">
+            <a:schemeClr val="lt1"/>
+          </a:fontRef>
+        </p:style>
+        <p:txBody>
+          <a:bodyPr rtlCol="0" anchor="ctr"/>
+          <a:lstStyle/>
+          <a:p>
+            <a:pPr algn="ctr"/>
+            <a:endParaRPr lang="en-US"/>
+          </a:p>
+        </p:txBody>
+      </p:sp>
+      <p:sp>
+        <p:nvSpPr>
+          <p:cNvPr id="2" name="Title 1">
+            <a:extLst>
+              <a:ext uri="{FF2B5EF4-FFF2-40B4-BE49-F238E27FC236}">
+                <a16:creationId xmlns:a16="http://schemas.microsoft.com/office/drawing/2014/main" id="{1E90DC05-753F-464F-9087-808ACC82BBC9}"/>
+              </a:ext>
+            </a:extLst>
+          </p:cNvPr>
+          <p:cNvSpPr>
+            <a:spLocks noGrp="1"/>
+          </p:cNvSpPr>
+          <p:nvPr>
+            <p:ph type="title"/>
+          </p:nvPr>
+        </p:nvSpPr>
+        <p:spPr>
+          <a:xfrm>
+            <a:off x="1261872" y="262393"/>
+            <a:ext cx="9692640" cy="1428929"/>
+          </a:xfrm>
+        </p:spPr>
+        <p:txBody>
+          <a:bodyPr>
+            <a:normAutofit/>
+          </a:bodyPr>
+          <a:lstStyle/>
+          <a:p>
+            <a:r>
+              <a:rPr lang="en-US" dirty="0"/>
+              <a:t>Some Conclusions From this Model</a:t>
+            </a:r>
+          </a:p>
+        </p:txBody>
+      </p:sp>
+      <p:sp>
+        <p:nvSpPr>
+          <p:cNvPr id="3" name="Content Placeholder 2">
+            <a:extLst>
+              <a:ext uri="{FF2B5EF4-FFF2-40B4-BE49-F238E27FC236}">
+                <a16:creationId xmlns:a16="http://schemas.microsoft.com/office/drawing/2014/main" id="{1964004F-4B10-4106-9D6C-7F5D845BFD32}"/>
+              </a:ext>
+            </a:extLst>
+          </p:cNvPr>
+          <p:cNvSpPr>
+            <a:spLocks noGrp="1"/>
+          </p:cNvSpPr>
+          <p:nvPr>
+            <p:ph idx="1"/>
+          </p:nvPr>
+        </p:nvSpPr>
+        <p:spPr>
+          <a:xfrm>
+            <a:off x="1261872" y="1828800"/>
+            <a:ext cx="8595360" cy="4351337"/>
+          </a:xfrm>
+        </p:spPr>
+        <p:txBody>
+          <a:bodyPr>
+            <a:normAutofit/>
+          </a:bodyPr>
+          <a:lstStyle/>
+          <a:p>
+            <a:r>
+              <a:rPr lang="en-US" dirty="0"/>
+              <a:t>With more complex models, training time reduces</a:t>
+            </a:r>
+          </a:p>
+          <a:p>
+            <a:pPr lvl="1"/>
+            <a:r>
+              <a:rPr lang="en-US" dirty="0"/>
+              <a:t>Less information to use in matrix multiplication?</a:t>
+            </a:r>
+          </a:p>
+          <a:p>
+            <a:pPr lvl="1"/>
+            <a:endParaRPr lang="en-US" dirty="0"/>
+          </a:p>
+          <a:p>
+            <a:r>
+              <a:rPr lang="en-US" dirty="0"/>
+              <a:t>Dramatically affects the performance of classifier model</a:t>
+            </a:r>
+          </a:p>
+          <a:p>
+            <a:endParaRPr lang="en-US" dirty="0"/>
+          </a:p>
+          <a:p>
+            <a:r>
+              <a:rPr lang="en-US" dirty="0"/>
+              <a:t>Compounding error reduces the validity of ‘fit’</a:t>
+            </a:r>
+          </a:p>
+          <a:p>
+            <a:endParaRPr lang="en-US" dirty="0"/>
+          </a:p>
+          <a:p>
+            <a:r>
+              <a:rPr lang="en-US" dirty="0"/>
+              <a:t>Based on these factors, an attack to this operation could be ‘noticed’</a:t>
+            </a:r>
+          </a:p>
+          <a:p>
+            <a:endParaRPr lang="en-US" dirty="0"/>
+          </a:p>
+          <a:p>
+            <a:endParaRPr lang="en-US" dirty="0"/>
+          </a:p>
+        </p:txBody>
+      </p:sp>
+      <p:sp>
+        <p:nvSpPr>
+          <p:cNvPr id="10" name="Rectangle 9">
+            <a:extLst>
+              <a:ext uri="{FF2B5EF4-FFF2-40B4-BE49-F238E27FC236}">
+                <a16:creationId xmlns:a16="http://schemas.microsoft.com/office/drawing/2014/main" id="{6B424749-EEE0-49C9-9ABF-97B171A3EA00}"/>
+              </a:ext>
+              <a:ext uri="{C183D7F6-B498-43B3-948B-1728B52AA6E4}">
+                <adec:decorative xmlns:adec="http://schemas.microsoft.com/office/drawing/2017/decorative" val="1"/>
+              </a:ext>
+            </a:extLst>
+          </p:cNvPr>
+          <p:cNvSpPr>
+            <a:spLocks noGrp="1" noRot="1" noChangeAspect="1" noMove="1" noResize="1" noEditPoints="1" noAdjustHandles="1" noChangeArrowheads="1" noChangeShapeType="1" noTextEdit="1"/>
+          </p:cNvSpPr>
+          <p:nvPr>
+            <p:extLst>
+              <p:ext uri="{386F3935-93C4-4BCD-93E2-E3B085C9AB24}">
+                <p16:designElem xmlns:p16="http://schemas.microsoft.com/office/powerpoint/2015/main" val="1"/>
+              </p:ext>
+            </p:extLst>
+          </p:nvPr>
+        </p:nvSpPr>
+        <p:spPr>
+          <a:xfrm>
+            <a:off x="11287125" y="0"/>
+            <a:ext cx="914400" cy="6858000"/>
+          </a:xfrm>
+          <a:prstGeom prst="rect">
+            <a:avLst/>
+          </a:prstGeom>
+          <a:solidFill>
+            <a:srgbClr val="0D0D0D"/>
+          </a:solidFill>
+          <a:ln>
+            <a:noFill/>
+          </a:ln>
+        </p:spPr>
+        <p:style>
+          <a:lnRef idx="2">
+            <a:schemeClr val="accent1">
+              <a:shade val="50000"/>
+            </a:schemeClr>
+          </a:lnRef>
+          <a:fillRef idx="1">
+            <a:schemeClr val="accent1"/>
+          </a:fillRef>
+          <a:effectRef idx="0">
+            <a:schemeClr val="accent1"/>
+          </a:effectRef>
+          <a:fontRef idx="minor">
+            <a:schemeClr val="lt1"/>
+          </a:fontRef>
+        </p:style>
+      </p:sp>
+    </p:spTree>
+    <p:extLst>
+      <p:ext uri="{BB962C8B-B14F-4D97-AF65-F5344CB8AC3E}">
+        <p14:creationId xmlns:p14="http://schemas.microsoft.com/office/powerpoint/2010/main" val="559506391"/>
+      </p:ext>
+    </p:extLst>
+  </p:cSld>
+  <p:clrMapOvr>
+    <a:masterClrMapping/>
+  </p:clrMapOvr>
+</p:sld>
+</file>
+
+<file path=ppt/slides/slide21.xml><?xml version="1.0" encoding="utf-8"?>
+<p:sld xmlns:a="http://schemas.openxmlformats.org/drawingml/2006/main" xmlns:r="http://schemas.openxmlformats.org/officeDocument/2006/relationships" xmlns:p="http://schemas.openxmlformats.org/presentationml/2006/main">
+  <p:cSld>
+    <p:bg>
+      <p:bgPr>
+        <a:solidFill>
+          <a:schemeClr val="bg1">
+            <a:tint val="95000"/>
+            <a:satMod val="170000"/>
+          </a:schemeClr>
+        </a:solidFill>
+        <a:effectLst/>
+      </p:bgPr>
+    </p:bg>
+    <p:spTree>
+      <p:nvGrpSpPr>
+        <p:cNvPr id="1" name=""/>
+        <p:cNvGrpSpPr/>
+        <p:nvPr/>
+      </p:nvGrpSpPr>
+      <p:grpSpPr>
+        <a:xfrm>
+          <a:off x="0" y="0"/>
+          <a:ext cx="0" cy="0"/>
+          <a:chOff x="0" y="0"/>
+          <a:chExt cx="0" cy="0"/>
+        </a:xfrm>
+      </p:grpSpPr>
+      <p:sp>
+        <p:nvSpPr>
+          <p:cNvPr id="8" name="Rectangle 7">
+            <a:extLst>
+              <a:ext uri="{FF2B5EF4-FFF2-40B4-BE49-F238E27FC236}">
+                <a16:creationId xmlns:a16="http://schemas.microsoft.com/office/drawing/2014/main" id="{493167C4-7ABD-4E49-9694-5E0564B1C67C}"/>
+              </a:ext>
+              <a:ext uri="{C183D7F6-B498-43B3-948B-1728B52AA6E4}">
+                <adec:decorative xmlns:adec="http://schemas.microsoft.com/office/drawing/2017/decorative" val="1"/>
+              </a:ext>
+            </a:extLst>
+          </p:cNvPr>
+          <p:cNvSpPr>
+            <a:spLocks noGrp="1" noRot="1" noChangeAspect="1" noMove="1" noResize="1" noEditPoints="1" noAdjustHandles="1" noChangeArrowheads="1" noChangeShapeType="1" noTextEdit="1"/>
+          </p:cNvSpPr>
+          <p:nvPr>
+            <p:extLst>
+              <p:ext uri="{386F3935-93C4-4BCD-93E2-E3B085C9AB24}">
+                <p16:designElem xmlns:p16="http://schemas.microsoft.com/office/powerpoint/2015/main" val="1"/>
+              </p:ext>
+            </p:extLst>
+          </p:nvPr>
+        </p:nvSpPr>
+        <p:spPr>
+          <a:xfrm>
+            <a:off x="0" y="0"/>
+            <a:ext cx="457200" cy="6858000"/>
+          </a:xfrm>
+          <a:prstGeom prst="rect">
+            <a:avLst/>
+          </a:prstGeom>
+          <a:solidFill>
+            <a:schemeClr val="accent1"/>
+          </a:solidFill>
+          <a:ln>
+            <a:noFill/>
+          </a:ln>
+        </p:spPr>
+        <p:style>
+          <a:lnRef idx="2">
+            <a:schemeClr val="accent1">
+              <a:shade val="50000"/>
+            </a:schemeClr>
+          </a:lnRef>
+          <a:fillRef idx="1">
+            <a:schemeClr val="accent1"/>
+          </a:fillRef>
+          <a:effectRef idx="0">
+            <a:schemeClr val="accent1"/>
+          </a:effectRef>
+          <a:fontRef idx="minor">
+            <a:schemeClr val="lt1"/>
+          </a:fontRef>
+        </p:style>
+      </p:sp>
+      <p:sp>
+        <p:nvSpPr>
+          <p:cNvPr id="10" name="Rectangle 9">
+            <a:extLst>
+              <a:ext uri="{FF2B5EF4-FFF2-40B4-BE49-F238E27FC236}">
+                <a16:creationId xmlns:a16="http://schemas.microsoft.com/office/drawing/2014/main" id="{26C48361-4990-441C-BCC7-1B7E71688F3B}"/>
+              </a:ext>
+              <a:ext uri="{C183D7F6-B498-43B3-948B-1728B52AA6E4}">
+                <adec:decorative xmlns:adec="http://schemas.microsoft.com/office/drawing/2017/decorative" val="1"/>
+              </a:ext>
+            </a:extLst>
+          </p:cNvPr>
+          <p:cNvSpPr>
+            <a:spLocks noGrp="1" noRot="1" noChangeAspect="1" noMove="1" noResize="1" noEditPoints="1" noAdjustHandles="1" noChangeArrowheads="1" noChangeShapeType="1" noTextEdit="1"/>
+          </p:cNvSpPr>
+          <p:nvPr>
+            <p:extLst>
+              <p:ext uri="{386F3935-93C4-4BCD-93E2-E3B085C9AB24}">
+                <p16:designElem xmlns:p16="http://schemas.microsoft.com/office/powerpoint/2015/main" val="1"/>
+              </p:ext>
+            </p:extLst>
+          </p:nvPr>
+        </p:nvSpPr>
+        <p:spPr>
+          <a:xfrm>
+            <a:off x="11292840" y="0"/>
+            <a:ext cx="914400" cy="6858000"/>
+          </a:xfrm>
+          <a:prstGeom prst="rect">
+            <a:avLst/>
+          </a:prstGeom>
+          <a:solidFill>
+            <a:schemeClr val="bg2">
+              <a:lumMod val="75000"/>
+            </a:schemeClr>
+          </a:solidFill>
+          <a:ln>
+            <a:noFill/>
+          </a:ln>
+        </p:spPr>
+        <p:style>
+          <a:lnRef idx="2">
+            <a:schemeClr val="accent1">
+              <a:shade val="50000"/>
+            </a:schemeClr>
+          </a:lnRef>
+          <a:fillRef idx="1">
+            <a:schemeClr val="accent1"/>
+          </a:fillRef>
+          <a:effectRef idx="0">
+            <a:schemeClr val="accent1"/>
+          </a:effectRef>
+          <a:fontRef idx="minor">
+            <a:schemeClr val="lt1"/>
+          </a:fontRef>
+        </p:style>
+      </p:sp>
+      <p:sp>
+        <p:nvSpPr>
+          <p:cNvPr id="2" name="Title 1">
+            <a:extLst>
+              <a:ext uri="{FF2B5EF4-FFF2-40B4-BE49-F238E27FC236}">
+                <a16:creationId xmlns:a16="http://schemas.microsoft.com/office/drawing/2014/main" id="{B78DF1AF-3AB4-4C8C-9A1F-88E2EBC12771}"/>
+              </a:ext>
+            </a:extLst>
+          </p:cNvPr>
+          <p:cNvSpPr>
+            <a:spLocks noGrp="1"/>
+          </p:cNvSpPr>
+          <p:nvPr>
+            <p:ph type="title"/>
+          </p:nvPr>
+        </p:nvSpPr>
+        <p:spPr>
+          <a:xfrm>
+            <a:off x="1261872" y="1028699"/>
+            <a:ext cx="9418320" cy="3862083"/>
+          </a:xfrm>
+        </p:spPr>
+        <p:txBody>
+          <a:bodyPr vert="horz" lIns="91440" tIns="27432" rIns="91440" bIns="45720" rtlCol="0" anchor="ctr">
+            <a:normAutofit/>
+          </a:bodyPr>
+          <a:lstStyle/>
+          <a:p>
+            <a:pPr algn="ctr"/>
+            <a:r>
+              <a:rPr lang="en-US" sz="6000" dirty="0">
+                <a:solidFill>
+                  <a:schemeClr val="tx1"/>
+                </a:solidFill>
+              </a:rPr>
+              <a:t>The Next Modifications</a:t>
+            </a:r>
+          </a:p>
+        </p:txBody>
+      </p:sp>
+      <p:sp>
+        <p:nvSpPr>
+          <p:cNvPr id="3" name="Text Placeholder 2">
+            <a:extLst>
+              <a:ext uri="{FF2B5EF4-FFF2-40B4-BE49-F238E27FC236}">
+                <a16:creationId xmlns:a16="http://schemas.microsoft.com/office/drawing/2014/main" id="{7F898890-83F4-4C96-8B89-5B0B4942902D}"/>
+              </a:ext>
+            </a:extLst>
+          </p:cNvPr>
+          <p:cNvSpPr>
+            <a:spLocks noGrp="1"/>
+          </p:cNvSpPr>
+          <p:nvPr>
+            <p:ph type="body" idx="1"/>
+          </p:nvPr>
+        </p:nvSpPr>
+        <p:spPr>
+          <a:xfrm>
+            <a:off x="1261872" y="5237670"/>
+            <a:ext cx="9418320" cy="1183261"/>
+          </a:xfrm>
+        </p:spPr>
+        <p:txBody>
+          <a:bodyPr vert="horz" lIns="91440" tIns="45720" rIns="91440" bIns="45720" rtlCol="0">
+            <a:normAutofit/>
+          </a:bodyPr>
+          <a:lstStyle/>
+          <a:p>
+            <a:pPr algn="ctr"/>
+            <a:r>
+              <a:rPr lang="en-US" dirty="0">
+                <a:solidFill>
+                  <a:schemeClr val="tx1">
+                    <a:lumMod val="75000"/>
+                  </a:schemeClr>
+                </a:solidFill>
+              </a:rPr>
+              <a:t>The Weighting Matrices &amp; Bias Vectors, Introducing Random Noise</a:t>
+            </a:r>
+          </a:p>
+        </p:txBody>
+      </p:sp>
+      <p:cxnSp>
+        <p:nvCxnSpPr>
+          <p:cNvPr id="12" name="Straight Connector 11">
+            <a:extLst>
+              <a:ext uri="{FF2B5EF4-FFF2-40B4-BE49-F238E27FC236}">
+                <a16:creationId xmlns:a16="http://schemas.microsoft.com/office/drawing/2014/main" id="{D7E8ECA2-60A0-4D39-817D-F1E982ED7F9B}"/>
+              </a:ext>
+              <a:ext uri="{C183D7F6-B498-43B3-948B-1728B52AA6E4}">
+                <adec:decorative xmlns:adec="http://schemas.microsoft.com/office/drawing/2017/decorative" val="1"/>
+              </a:ext>
+            </a:extLst>
+          </p:cNvPr>
+          <p:cNvCxnSpPr>
+            <a:cxnSpLocks noGrp="1" noRot="1" noChangeAspect="1" noMove="1" noResize="1" noEditPoints="1" noAdjustHandles="1" noChangeArrowheads="1" noChangeShapeType="1"/>
+          </p:cNvCxnSpPr>
+          <p:nvPr>
+            <p:extLst>
+              <p:ext uri="{386F3935-93C4-4BCD-93E2-E3B085C9AB24}">
+                <p16:designElem xmlns:p16="http://schemas.microsoft.com/office/powerpoint/2015/main" val="1"/>
+              </p:ext>
+            </p:extLst>
+          </p:nvPr>
+        </p:nvCxnSpPr>
+        <p:spPr>
+          <a:xfrm flipH="1">
+            <a:off x="5651500" y="5097592"/>
+            <a:ext cx="596394" cy="0"/>
+          </a:xfrm>
+          <a:prstGeom prst="line">
+            <a:avLst/>
+          </a:prstGeom>
+          <a:ln w="12700">
+            <a:solidFill>
+              <a:schemeClr val="tx2"/>
+            </a:solidFill>
+          </a:ln>
+        </p:spPr>
+        <p:style>
+          <a:lnRef idx="1">
+            <a:schemeClr val="accent1"/>
+          </a:lnRef>
+          <a:fillRef idx="0">
+            <a:schemeClr val="accent1"/>
+          </a:fillRef>
+          <a:effectRef idx="0">
+            <a:schemeClr val="accent1"/>
+          </a:effectRef>
+          <a:fontRef idx="minor">
+            <a:schemeClr val="tx1"/>
+          </a:fontRef>
+        </p:style>
+      </p:cxnSp>
+    </p:spTree>
+    <p:extLst>
+      <p:ext uri="{BB962C8B-B14F-4D97-AF65-F5344CB8AC3E}">
+        <p14:creationId xmlns:p14="http://schemas.microsoft.com/office/powerpoint/2010/main" val="1551176736"/>
+      </p:ext>
+    </p:extLst>
+  </p:cSld>
+  <p:clrMapOvr>
+    <a:overrideClrMapping bg1="dk1" tx1="lt1" bg2="dk2" tx2="lt2" accent1="accent1" accent2="accent2" accent3="accent3" accent4="accent4" accent5="accent5" accent6="accent6" hlink="hlink" folHlink="folHlink"/>
+  </p:clrMapOvr>
+</p:sld>
+</file>
+
+<file path=ppt/slides/slide22.xml><?xml version="1.0" encoding="utf-8"?>
+<p:sld xmlns:a="http://schemas.openxmlformats.org/drawingml/2006/main" xmlns:r="http://schemas.openxmlformats.org/officeDocument/2006/relationships" xmlns:p="http://schemas.openxmlformats.org/presentationml/2006/main">
+  <p:cSld>
+    <p:bg>
+      <p:bgPr>
+        <a:solidFill>
+          <a:schemeClr val="bg1"/>
+        </a:solidFill>
+        <a:effectLst/>
+      </p:bgPr>
+    </p:bg>
+    <p:spTree>
+      <p:nvGrpSpPr>
+        <p:cNvPr id="1" name=""/>
+        <p:cNvGrpSpPr/>
+        <p:nvPr/>
+      </p:nvGrpSpPr>
+      <p:grpSpPr>
+        <a:xfrm>
+          <a:off x="0" y="0"/>
+          <a:ext cx="0" cy="0"/>
+          <a:chOff x="0" y="0"/>
+          <a:chExt cx="0" cy="0"/>
+        </a:xfrm>
+      </p:grpSpPr>
+      <p:sp useBgFill="1">
+        <p:nvSpPr>
+          <p:cNvPr id="14" name="Rectangle 9">
+            <a:extLst>
+              <a:ext uri="{FF2B5EF4-FFF2-40B4-BE49-F238E27FC236}">
+                <a16:creationId xmlns:a16="http://schemas.microsoft.com/office/drawing/2014/main" id="{DD067974-A2D5-4094-AE1A-B074EF55798C}"/>
+              </a:ext>
+              <a:ext uri="{C183D7F6-B498-43B3-948B-1728B52AA6E4}">
+                <adec:decorative xmlns:adec="http://schemas.microsoft.com/office/drawing/2017/decorative" val="1"/>
+              </a:ext>
+            </a:extLst>
+          </p:cNvPr>
+          <p:cNvSpPr>
+            <a:spLocks noGrp="1" noRot="1" noChangeAspect="1" noMove="1" noResize="1" noEditPoints="1" noAdjustHandles="1" noChangeArrowheads="1" noChangeShapeType="1" noTextEdit="1"/>
+          </p:cNvSpPr>
+          <p:nvPr>
+            <p:extLst>
+              <p:ext uri="{386F3935-93C4-4BCD-93E2-E3B085C9AB24}">
+                <p16:designElem xmlns:p16="http://schemas.microsoft.com/office/powerpoint/2015/main" val="1"/>
+              </p:ext>
+            </p:extLst>
+          </p:nvPr>
+        </p:nvSpPr>
+        <p:spPr>
+          <a:xfrm>
+            <a:off x="-1" y="0"/>
+            <a:ext cx="12220924" cy="6858000"/>
+          </a:xfrm>
+          <a:prstGeom prst="rect">
+            <a:avLst/>
+          </a:prstGeom>
+          <a:ln>
+            <a:noFill/>
+          </a:ln>
+        </p:spPr>
+        <p:style>
+          <a:lnRef idx="2">
+            <a:schemeClr val="accent1">
+              <a:shade val="50000"/>
+            </a:schemeClr>
+          </a:lnRef>
+          <a:fillRef idx="1">
+            <a:schemeClr val="accent1"/>
+          </a:fillRef>
+          <a:effectRef idx="0">
+            <a:schemeClr val="accent1"/>
+          </a:effectRef>
+          <a:fontRef idx="minor">
+            <a:schemeClr val="lt1"/>
+          </a:fontRef>
+        </p:style>
+        <p:txBody>
+          <a:bodyPr rtlCol="0" anchor="ctr"/>
+          <a:lstStyle/>
+          <a:p>
+            <a:pPr algn="ctr"/>
+            <a:endParaRPr lang="en-US"/>
+          </a:p>
+        </p:txBody>
+      </p:sp>
+      <p:sp>
+        <p:nvSpPr>
+          <p:cNvPr id="2" name="Title 1">
+            <a:extLst>
+              <a:ext uri="{FF2B5EF4-FFF2-40B4-BE49-F238E27FC236}">
+                <a16:creationId xmlns:a16="http://schemas.microsoft.com/office/drawing/2014/main" id="{8EA7180B-6C0C-4AB8-9F41-8ADF0A40CB70}"/>
+              </a:ext>
+            </a:extLst>
+          </p:cNvPr>
+          <p:cNvSpPr>
+            <a:spLocks noGrp="1"/>
+          </p:cNvSpPr>
+          <p:nvPr>
+            <p:ph type="title"/>
+          </p:nvPr>
+        </p:nvSpPr>
+        <p:spPr>
+          <a:xfrm>
+            <a:off x="1261871" y="262393"/>
+            <a:ext cx="9993849" cy="1428929"/>
+          </a:xfrm>
+        </p:spPr>
+        <p:txBody>
+          <a:bodyPr>
+            <a:normAutofit/>
+          </a:bodyPr>
+          <a:lstStyle/>
+          <a:p>
+            <a:r>
+              <a:rPr lang="en-US" dirty="0"/>
+              <a:t>Variations of Current Model</a:t>
+            </a:r>
+          </a:p>
+        </p:txBody>
+      </p:sp>
+      <p:sp>
+        <p:nvSpPr>
+          <p:cNvPr id="15" name="Rectangle 11">
+            <a:extLst>
+              <a:ext uri="{FF2B5EF4-FFF2-40B4-BE49-F238E27FC236}">
+                <a16:creationId xmlns:a16="http://schemas.microsoft.com/office/drawing/2014/main" id="{A37E2960-9786-458F-8BF0-9E3E9B4ECEB9}"/>
+              </a:ext>
+              <a:ext uri="{C183D7F6-B498-43B3-948B-1728B52AA6E4}">
+                <adec:decorative xmlns:adec="http://schemas.microsoft.com/office/drawing/2017/decorative" val="1"/>
+              </a:ext>
+            </a:extLst>
+          </p:cNvPr>
+          <p:cNvSpPr>
+            <a:spLocks noGrp="1" noRot="1" noChangeAspect="1" noMove="1" noResize="1" noEditPoints="1" noAdjustHandles="1" noChangeArrowheads="1" noChangeShapeType="1" noTextEdit="1"/>
+          </p:cNvSpPr>
+          <p:nvPr>
+            <p:extLst>
+              <p:ext uri="{386F3935-93C4-4BCD-93E2-E3B085C9AB24}">
+                <p16:designElem xmlns:p16="http://schemas.microsoft.com/office/powerpoint/2015/main" val="1"/>
+              </p:ext>
+            </p:extLst>
+          </p:nvPr>
+        </p:nvSpPr>
+        <p:spPr>
+          <a:xfrm>
+            <a:off x="0" y="0"/>
+            <a:ext cx="914400" cy="6858000"/>
+          </a:xfrm>
+          <a:prstGeom prst="rect">
+            <a:avLst/>
+          </a:prstGeom>
+          <a:solidFill>
+            <a:schemeClr val="tx2"/>
+          </a:solidFill>
+          <a:ln>
+            <a:noFill/>
+          </a:ln>
+        </p:spPr>
+        <p:style>
+          <a:lnRef idx="2">
+            <a:schemeClr val="accent1">
+              <a:shade val="50000"/>
+            </a:schemeClr>
+          </a:lnRef>
+          <a:fillRef idx="1">
+            <a:schemeClr val="accent1"/>
+          </a:fillRef>
+          <a:effectRef idx="0">
+            <a:schemeClr val="accent1"/>
+          </a:effectRef>
+          <a:fontRef idx="minor">
+            <a:schemeClr val="lt1"/>
+          </a:fontRef>
+        </p:style>
+      </p:sp>
+      <p:graphicFrame>
+        <p:nvGraphicFramePr>
+          <p:cNvPr id="16" name="Content Placeholder 2">
+            <a:extLst>
+              <a:ext uri="{FF2B5EF4-FFF2-40B4-BE49-F238E27FC236}">
+                <a16:creationId xmlns:a16="http://schemas.microsoft.com/office/drawing/2014/main" id="{FB394805-D528-4770-95BF-61F9A2636955}"/>
+              </a:ext>
+            </a:extLst>
+          </p:cNvPr>
+          <p:cNvGraphicFramePr>
+            <a:graphicFrameLocks noGrp="1"/>
+          </p:cNvGraphicFramePr>
+          <p:nvPr>
+            <p:ph idx="1"/>
+            <p:extLst>
+              <p:ext uri="{D42A27DB-BD31-4B8C-83A1-F6EECF244321}">
+                <p14:modId xmlns:p14="http://schemas.microsoft.com/office/powerpoint/2010/main" val="2440022467"/>
+              </p:ext>
+            </p:extLst>
+          </p:nvPr>
+        </p:nvGraphicFramePr>
+        <p:xfrm>
+          <a:off x="1262063" y="2013055"/>
+          <a:ext cx="9993657" cy="4201478"/>
+        </p:xfrm>
+        <a:graphic>
+          <a:graphicData uri="http://schemas.openxmlformats.org/drawingml/2006/diagram">
+            <dgm:relIds xmlns:dgm="http://schemas.openxmlformats.org/drawingml/2006/diagram" xmlns:r="http://schemas.openxmlformats.org/officeDocument/2006/relationships" r:dm="rId2" r:lo="rId3" r:qs="rId4" r:cs="rId5"/>
+          </a:graphicData>
+        </a:graphic>
+      </p:graphicFrame>
+    </p:spTree>
+    <p:extLst>
+      <p:ext uri="{BB962C8B-B14F-4D97-AF65-F5344CB8AC3E}">
+        <p14:creationId xmlns:p14="http://schemas.microsoft.com/office/powerpoint/2010/main" val="3686015761"/>
+      </p:ext>
+    </p:extLst>
+  </p:cSld>
+  <p:clrMapOvr>
+    <a:masterClrMapping/>
+  </p:clrMapOvr>
+</p:sld>
+</file>
+
+<file path=ppt/slides/slide23.xml><?xml version="1.0" encoding="utf-8"?>
+<p:sld xmlns:a="http://schemas.openxmlformats.org/drawingml/2006/main" xmlns:r="http://schemas.openxmlformats.org/officeDocument/2006/relationships" xmlns:p="http://schemas.openxmlformats.org/presentationml/2006/main">
+  <p:cSld>
+    <p:bg>
+      <p:bgPr>
+        <a:gradFill rotWithShape="1">
+          <a:gsLst>
+            <a:gs pos="0">
+              <a:schemeClr val="bg1">
+                <a:tint val="94000"/>
+                <a:shade val="98000"/>
+                <a:satMod val="130000"/>
+                <a:lumMod val="102000"/>
+              </a:schemeClr>
+            </a:gs>
+            <a:gs pos="100000">
+              <a:schemeClr val="bg1">
+                <a:tint val="98000"/>
+                <a:shade val="78000"/>
+                <a:satMod val="140000"/>
+              </a:schemeClr>
+            </a:gs>
+          </a:gsLst>
+          <a:path path="circle">
+            <a:fillToRect l="100000" t="100000" r="100000" b="100000"/>
+          </a:path>
+        </a:gradFill>
+        <a:effectLst/>
+      </p:bgPr>
+    </p:bg>
+    <p:spTree>
+      <p:nvGrpSpPr>
+        <p:cNvPr id="1" name=""/>
+        <p:cNvGrpSpPr/>
+        <p:nvPr/>
+      </p:nvGrpSpPr>
+      <p:grpSpPr>
+        <a:xfrm>
+          <a:off x="0" y="0"/>
+          <a:ext cx="0" cy="0"/>
+          <a:chOff x="0" y="0"/>
+          <a:chExt cx="0" cy="0"/>
+        </a:xfrm>
+      </p:grpSpPr>
+      <p:sp useBgFill="1">
+        <p:nvSpPr>
+          <p:cNvPr id="8" name="Rectangle 7">
+            <a:extLst>
+              <a:ext uri="{FF2B5EF4-FFF2-40B4-BE49-F238E27FC236}">
+                <a16:creationId xmlns:a16="http://schemas.microsoft.com/office/drawing/2014/main" id="{5DB0431E-0B04-44A1-9C51-531E28D18A60}"/>
+              </a:ext>
+              <a:ext uri="{C183D7F6-B498-43B3-948B-1728B52AA6E4}">
+                <adec:decorative xmlns:adec="http://schemas.microsoft.com/office/drawing/2017/decorative" val="1"/>
+              </a:ext>
+            </a:extLst>
+          </p:cNvPr>
+          <p:cNvSpPr>
+            <a:spLocks noGrp="1" noRot="1" noChangeAspect="1" noMove="1" noResize="1" noEditPoints="1" noAdjustHandles="1" noChangeArrowheads="1" noChangeShapeType="1" noTextEdit="1"/>
+          </p:cNvSpPr>
+          <p:nvPr>
+            <p:extLst>
+              <p:ext uri="{386F3935-93C4-4BCD-93E2-E3B085C9AB24}">
+                <p16:designElem xmlns:p16="http://schemas.microsoft.com/office/powerpoint/2015/main" val="1"/>
+              </p:ext>
+            </p:extLst>
+          </p:nvPr>
+        </p:nvSpPr>
+        <p:spPr>
+          <a:xfrm>
+            <a:off x="0" y="0"/>
+            <a:ext cx="12192000" cy="6858000"/>
+          </a:xfrm>
+          <a:prstGeom prst="rect">
+            <a:avLst/>
+          </a:prstGeom>
+          <a:ln>
+            <a:noFill/>
+          </a:ln>
+        </p:spPr>
+        <p:style>
+          <a:lnRef idx="2">
+            <a:schemeClr val="accent1">
+              <a:shade val="50000"/>
+            </a:schemeClr>
+          </a:lnRef>
+          <a:fillRef idx="1">
+            <a:schemeClr val="accent1"/>
+          </a:fillRef>
+          <a:effectRef idx="0">
+            <a:schemeClr val="accent1"/>
+          </a:effectRef>
+          <a:fontRef idx="minor">
+            <a:schemeClr val="lt1"/>
+          </a:fontRef>
+        </p:style>
+        <p:txBody>
+          <a:bodyPr rtlCol="0" anchor="ctr"/>
+          <a:lstStyle/>
+          <a:p>
+            <a:pPr algn="ctr"/>
+            <a:endParaRPr lang="en-US"/>
+          </a:p>
+        </p:txBody>
+      </p:sp>
+      <p:sp>
+        <p:nvSpPr>
+          <p:cNvPr id="2" name="Title 1">
+            <a:extLst>
+              <a:ext uri="{FF2B5EF4-FFF2-40B4-BE49-F238E27FC236}">
+                <a16:creationId xmlns:a16="http://schemas.microsoft.com/office/drawing/2014/main" id="{B3D7BF8E-5E9A-41F4-960C-5F6F82090B94}"/>
+              </a:ext>
+            </a:extLst>
+          </p:cNvPr>
+          <p:cNvSpPr>
+            <a:spLocks noGrp="1"/>
+          </p:cNvSpPr>
+          <p:nvPr>
+            <p:ph type="title"/>
+          </p:nvPr>
+        </p:nvSpPr>
+        <p:spPr>
+          <a:xfrm>
+            <a:off x="1261872" y="262393"/>
+            <a:ext cx="9692640" cy="1428929"/>
+          </a:xfrm>
+        </p:spPr>
+        <p:txBody>
+          <a:bodyPr>
+            <a:normAutofit/>
+          </a:bodyPr>
+          <a:lstStyle/>
+          <a:p>
+            <a:r>
+              <a:rPr lang="en-US" dirty="0"/>
+              <a:t>Modifying Weighting Matrices</a:t>
+            </a:r>
+          </a:p>
+        </p:txBody>
+      </p:sp>
+      <p:sp>
+        <p:nvSpPr>
+          <p:cNvPr id="3" name="Content Placeholder 2">
+            <a:extLst>
+              <a:ext uri="{FF2B5EF4-FFF2-40B4-BE49-F238E27FC236}">
+                <a16:creationId xmlns:a16="http://schemas.microsoft.com/office/drawing/2014/main" id="{CF925F64-E203-426E-BE4E-BF02490BEF97}"/>
+              </a:ext>
+            </a:extLst>
+          </p:cNvPr>
+          <p:cNvSpPr>
+            <a:spLocks noGrp="1"/>
+          </p:cNvSpPr>
+          <p:nvPr>
+            <p:ph idx="1"/>
+          </p:nvPr>
+        </p:nvSpPr>
+        <p:spPr>
+          <a:xfrm>
+            <a:off x="1261872" y="1828800"/>
+            <a:ext cx="8595360" cy="4351337"/>
+          </a:xfrm>
+        </p:spPr>
+        <p:txBody>
+          <a:bodyPr>
+            <a:normAutofit/>
+          </a:bodyPr>
+          <a:lstStyle/>
+          <a:p>
+            <a:r>
+              <a:rPr lang="en-US" dirty="0"/>
+              <a:t>Stored locally, and can be exported</a:t>
+            </a:r>
+          </a:p>
+          <a:p>
+            <a:endParaRPr lang="en-US" dirty="0"/>
+          </a:p>
+          <a:p>
+            <a:r>
+              <a:rPr lang="en-US" dirty="0"/>
+              <a:t>Activation values are only useful for a single pass, then discarded</a:t>
+            </a:r>
+          </a:p>
+          <a:p>
+            <a:endParaRPr lang="en-US" dirty="0"/>
+          </a:p>
+          <a:p>
+            <a:r>
+              <a:rPr lang="en-US" dirty="0"/>
+              <a:t>Error in the weighting matrices will compound</a:t>
+            </a:r>
+          </a:p>
+          <a:p>
+            <a:pPr lvl="1"/>
+            <a:r>
+              <a:rPr lang="en-US" dirty="0"/>
+              <a:t>Values are iteratively updated by SGD procedure</a:t>
+            </a:r>
+          </a:p>
+          <a:p>
+            <a:pPr lvl="1"/>
+            <a:endParaRPr lang="en-US" dirty="0"/>
+          </a:p>
+          <a:p>
+            <a:r>
+              <a:rPr lang="en-US" dirty="0"/>
+              <a:t>How does adding small perturbations after each pass change the performance?</a:t>
+            </a:r>
+          </a:p>
+        </p:txBody>
+      </p:sp>
+      <p:sp>
+        <p:nvSpPr>
+          <p:cNvPr id="10" name="Rectangle 9">
+            <a:extLst>
+              <a:ext uri="{FF2B5EF4-FFF2-40B4-BE49-F238E27FC236}">
+                <a16:creationId xmlns:a16="http://schemas.microsoft.com/office/drawing/2014/main" id="{6B424749-EEE0-49C9-9ABF-97B171A3EA00}"/>
+              </a:ext>
+              <a:ext uri="{C183D7F6-B498-43B3-948B-1728B52AA6E4}">
+                <adec:decorative xmlns:adec="http://schemas.microsoft.com/office/drawing/2017/decorative" val="1"/>
+              </a:ext>
+            </a:extLst>
+          </p:cNvPr>
+          <p:cNvSpPr>
+            <a:spLocks noGrp="1" noRot="1" noChangeAspect="1" noMove="1" noResize="1" noEditPoints="1" noAdjustHandles="1" noChangeArrowheads="1" noChangeShapeType="1" noTextEdit="1"/>
+          </p:cNvSpPr>
+          <p:nvPr>
+            <p:extLst>
+              <p:ext uri="{386F3935-93C4-4BCD-93E2-E3B085C9AB24}">
+                <p16:designElem xmlns:p16="http://schemas.microsoft.com/office/powerpoint/2015/main" val="1"/>
+              </p:ext>
+            </p:extLst>
+          </p:nvPr>
+        </p:nvSpPr>
+        <p:spPr>
+          <a:xfrm>
+            <a:off x="11287125" y="0"/>
+            <a:ext cx="914400" cy="6858000"/>
+          </a:xfrm>
+          <a:prstGeom prst="rect">
+            <a:avLst/>
+          </a:prstGeom>
+          <a:solidFill>
+            <a:srgbClr val="0D0D0D"/>
+          </a:solidFill>
+          <a:ln>
+            <a:noFill/>
+          </a:ln>
+        </p:spPr>
+        <p:style>
+          <a:lnRef idx="2">
+            <a:schemeClr val="accent1">
+              <a:shade val="50000"/>
+            </a:schemeClr>
+          </a:lnRef>
+          <a:fillRef idx="1">
+            <a:schemeClr val="accent1"/>
+          </a:fillRef>
+          <a:effectRef idx="0">
+            <a:schemeClr val="accent1"/>
+          </a:effectRef>
+          <a:fontRef idx="minor">
+            <a:schemeClr val="lt1"/>
+          </a:fontRef>
+        </p:style>
+      </p:sp>
+    </p:spTree>
+    <p:extLst>
+      <p:ext uri="{BB962C8B-B14F-4D97-AF65-F5344CB8AC3E}">
+        <p14:creationId xmlns:p14="http://schemas.microsoft.com/office/powerpoint/2010/main" val="2686836834"/>
+      </p:ext>
+    </p:extLst>
+  </p:cSld>
+  <p:clrMapOvr>
+    <a:masterClrMapping/>
+  </p:clrMapOvr>
+</p:sld>
+</file>
+
+<file path=ppt/slides/slide24.xml><?xml version="1.0" encoding="utf-8"?>
+<p:sld xmlns:a="http://schemas.openxmlformats.org/drawingml/2006/main" xmlns:r="http://schemas.openxmlformats.org/officeDocument/2006/relationships" xmlns:p="http://schemas.openxmlformats.org/presentationml/2006/main">
+  <p:cSld>
+    <p:spTree>
+      <p:nvGrpSpPr>
+        <p:cNvPr id="1" name=""/>
+        <p:cNvGrpSpPr/>
+        <p:nvPr/>
+      </p:nvGrpSpPr>
+      <p:grpSpPr>
+        <a:xfrm>
+          <a:off x="0" y="0"/>
+          <a:ext cx="0" cy="0"/>
+          <a:chOff x="0" y="0"/>
+          <a:chExt cx="0" cy="0"/>
+        </a:xfrm>
+      </p:grpSpPr>
+      <p:sp>
+        <p:nvSpPr>
+          <p:cNvPr id="2" name="Title 1">
+            <a:extLst>
+              <a:ext uri="{FF2B5EF4-FFF2-40B4-BE49-F238E27FC236}">
+                <a16:creationId xmlns:a16="http://schemas.microsoft.com/office/drawing/2014/main" id="{09167AD1-3894-4B9A-8455-AC6142878647}"/>
+              </a:ext>
+            </a:extLst>
+          </p:cNvPr>
+          <p:cNvSpPr>
+            <a:spLocks noGrp="1"/>
+          </p:cNvSpPr>
+          <p:nvPr>
+            <p:ph type="title"/>
+          </p:nvPr>
+        </p:nvSpPr>
+        <p:spPr/>
+        <p:txBody>
+          <a:bodyPr/>
+          <a:lstStyle/>
+          <a:p>
+            <a:r>
+              <a:rPr lang="en-US" dirty="0"/>
+              <a:t>Introducing Random Noise</a:t>
+            </a:r>
+          </a:p>
+        </p:txBody>
+      </p:sp>
+      <p:sp>
+        <p:nvSpPr>
+          <p:cNvPr id="3" name="Content Placeholder 2">
+            <a:extLst>
+              <a:ext uri="{FF2B5EF4-FFF2-40B4-BE49-F238E27FC236}">
+                <a16:creationId xmlns:a16="http://schemas.microsoft.com/office/drawing/2014/main" id="{01FC64A9-48DD-491E-AB71-33C6D1FAFF6F}"/>
+              </a:ext>
+            </a:extLst>
+          </p:cNvPr>
+          <p:cNvSpPr>
+            <a:spLocks noGrp="1"/>
+          </p:cNvSpPr>
+          <p:nvPr>
+            <p:ph idx="1"/>
+          </p:nvPr>
+        </p:nvSpPr>
+        <p:spPr/>
+        <p:txBody>
+          <a:bodyPr/>
+          <a:lstStyle/>
+          <a:p>
+            <a:r>
+              <a:rPr lang="en-US" dirty="0"/>
+              <a:t>At designated places, we can introduce “noise”</a:t>
+            </a:r>
+          </a:p>
+          <a:p>
+            <a:endParaRPr lang="en-US" dirty="0"/>
+          </a:p>
+          <a:p>
+            <a:r>
+              <a:rPr lang="en-US" dirty="0"/>
+              <a:t>Add or subtract floating point values</a:t>
+            </a:r>
+          </a:p>
+          <a:p>
+            <a:pPr lvl="1"/>
+            <a:r>
+              <a:rPr lang="en-US" dirty="0"/>
+              <a:t>Typically drawn from Gaussian Curve</a:t>
+            </a:r>
+          </a:p>
+          <a:p>
+            <a:pPr lvl="1"/>
+            <a:endParaRPr lang="en-US" dirty="0"/>
+          </a:p>
+          <a:p>
+            <a:r>
+              <a:rPr lang="en-US" dirty="0"/>
+              <a:t>Most common way to model noise (James)</a:t>
+            </a:r>
+          </a:p>
+        </p:txBody>
+      </p:sp>
+    </p:spTree>
+    <p:extLst>
+      <p:ext uri="{BB962C8B-B14F-4D97-AF65-F5344CB8AC3E}">
+        <p14:creationId xmlns:p14="http://schemas.microsoft.com/office/powerpoint/2010/main" val="3663076677"/>
+      </p:ext>
+    </p:extLst>
+  </p:cSld>
+  <p:clrMapOvr>
+    <a:masterClrMapping/>
+  </p:clrMapOvr>
+</p:sld>
+</file>
+
+<file path=ppt/slides/slide25.xml><?xml version="1.0" encoding="utf-8"?>
+<p:sld xmlns:a="http://schemas.openxmlformats.org/drawingml/2006/main" xmlns:r="http://schemas.openxmlformats.org/officeDocument/2006/relationships" xmlns:p="http://schemas.openxmlformats.org/presentationml/2006/main">
+  <p:cSld>
+    <p:spTree>
+      <p:nvGrpSpPr>
+        <p:cNvPr id="1" name=""/>
+        <p:cNvGrpSpPr/>
+        <p:nvPr/>
+      </p:nvGrpSpPr>
+      <p:grpSpPr>
+        <a:xfrm>
+          <a:off x="0" y="0"/>
+          <a:ext cx="0" cy="0"/>
+          <a:chOff x="0" y="0"/>
+          <a:chExt cx="0" cy="0"/>
+        </a:xfrm>
+      </p:grpSpPr>
+      <p:sp>
+        <p:nvSpPr>
+          <p:cNvPr id="2" name="Title 1">
+            <a:extLst>
+              <a:ext uri="{FF2B5EF4-FFF2-40B4-BE49-F238E27FC236}">
+                <a16:creationId xmlns:a16="http://schemas.microsoft.com/office/drawing/2014/main" id="{AE8D5393-B9F8-401F-A40E-1A2571D635AE}"/>
+              </a:ext>
+            </a:extLst>
+          </p:cNvPr>
+          <p:cNvSpPr>
+            <a:spLocks noGrp="1"/>
+          </p:cNvSpPr>
+          <p:nvPr>
+            <p:ph type="title"/>
+          </p:nvPr>
+        </p:nvSpPr>
+        <p:spPr/>
+        <p:txBody>
+          <a:bodyPr/>
+          <a:lstStyle/>
+          <a:p>
+            <a:r>
+              <a:rPr lang="en-US" dirty="0" err="1"/>
+              <a:t>Refrences</a:t>
+            </a:r>
+            <a:endParaRPr lang="en-US" dirty="0"/>
+          </a:p>
+        </p:txBody>
+      </p:sp>
+      <p:sp>
+        <p:nvSpPr>
+          <p:cNvPr id="3" name="Content Placeholder 2">
+            <a:extLst>
+              <a:ext uri="{FF2B5EF4-FFF2-40B4-BE49-F238E27FC236}">
+                <a16:creationId xmlns:a16="http://schemas.microsoft.com/office/drawing/2014/main" id="{4772D465-0735-42F9-A2BD-AE8E84DEEFF4}"/>
+              </a:ext>
+            </a:extLst>
+          </p:cNvPr>
+          <p:cNvSpPr>
+            <a:spLocks noGrp="1"/>
+          </p:cNvSpPr>
+          <p:nvPr>
+            <p:ph idx="1"/>
+          </p:nvPr>
+        </p:nvSpPr>
+        <p:spPr/>
+        <p:txBody>
+          <a:bodyPr>
+            <a:normAutofit/>
+          </a:bodyPr>
+          <a:lstStyle/>
+          <a:p>
+            <a:endParaRPr lang="en-US" dirty="0"/>
+          </a:p>
+          <a:p>
+            <a:r>
+              <a:rPr lang="en-US" dirty="0" err="1"/>
+              <a:t>Geron</a:t>
+            </a:r>
+            <a:r>
+              <a:rPr lang="en-US" dirty="0"/>
+              <a:t>, </a:t>
+            </a:r>
+            <a:r>
+              <a:rPr lang="en-US" dirty="0" err="1"/>
+              <a:t>Aurelien</a:t>
+            </a:r>
+            <a:r>
+              <a:rPr lang="en-US" dirty="0"/>
+              <a:t>. Hands-on Machine Learning with </a:t>
+            </a:r>
+            <a:r>
+              <a:rPr lang="en-US" dirty="0" err="1"/>
+              <a:t>Scikit</a:t>
+            </a:r>
+            <a:r>
+              <a:rPr lang="en-US" dirty="0"/>
+              <a:t>-Learn and TensorFlow: Concepts, Tools, and Techniques to Build Intelligent Systems. O’Reilly, 2017.</a:t>
+            </a:r>
+          </a:p>
+          <a:p>
+            <a:pPr marL="0" indent="0">
+              <a:buNone/>
+            </a:pPr>
+            <a:endParaRPr lang="en-US" dirty="0"/>
+          </a:p>
+          <a:p>
+            <a:r>
+              <a:rPr lang="en-US" dirty="0"/>
+              <a:t>James, Gareth, et al. An Introduction to Statistical Learning with Applications in R. Springer, 2017.</a:t>
+            </a:r>
+          </a:p>
+          <a:p>
+            <a:endParaRPr lang="en-US" dirty="0"/>
+          </a:p>
+          <a:p>
+            <a:r>
+              <a:rPr lang="en-US" dirty="0"/>
+              <a:t>Sanderson, Grant. </a:t>
+            </a:r>
+            <a:r>
+              <a:rPr lang="en-US" i="1" dirty="0"/>
+              <a:t>But What Is A Neural Network?</a:t>
+            </a:r>
+            <a:r>
+              <a:rPr lang="en-US" dirty="0"/>
+              <a:t> </a:t>
+            </a:r>
+            <a:r>
+              <a:rPr lang="en-US" i="1" dirty="0"/>
+              <a:t>3Blue1Brown</a:t>
+            </a:r>
+            <a:r>
+              <a:rPr lang="en-US" dirty="0"/>
+              <a:t>, www.3blue1brown.com/neural-networks.</a:t>
+            </a:r>
+          </a:p>
+          <a:p>
+            <a:endParaRPr lang="en-US" dirty="0"/>
+          </a:p>
+        </p:txBody>
+      </p:sp>
+    </p:spTree>
+    <p:extLst>
+      <p:ext uri="{BB962C8B-B14F-4D97-AF65-F5344CB8AC3E}">
+        <p14:creationId xmlns:p14="http://schemas.microsoft.com/office/powerpoint/2010/main" val="2064219119"/>
+      </p:ext>
+    </p:extLst>
+  </p:cSld>
+  <p:clrMapOvr>
+    <a:masterClrMapping/>
+  </p:clrMapOvr>
+</p:sld>
+</file>
+
 <file path=ppt/slides/slide3.xml><?xml version="1.0" encoding="utf-8"?>
 <p:sld xmlns:a="http://schemas.openxmlformats.org/drawingml/2006/main" xmlns:r="http://schemas.openxmlformats.org/officeDocument/2006/relationships" xmlns:p="http://schemas.openxmlformats.org/presentationml/2006/main">
   <p:cSld>
@@ -8741,12 +15867,8 @@
           </a:p>
           <a:p>
             <a:r>
-              <a:rPr lang="en-US" dirty="0" err="1"/>
-              <a:t>Analysze</a:t>
-            </a:r>
-            <a:r>
               <a:rPr lang="en-US" dirty="0"/>
-              <a:t> what solutions may arise</a:t>
+              <a:t>Analyze what solutions may arise</a:t>
             </a:r>
           </a:p>
           <a:p>
@@ -8971,7 +16093,15 @@
               <a:p>
                 <a:r>
                   <a:rPr lang="en-US" dirty="0"/>
-                  <a:t>Series of Repeated Matrix – Vector Products</a:t>
+                  <a:t>Series of Repeated Matrix – Vector Products (</a:t>
+                </a:r>
+                <a:r>
+                  <a:rPr lang="en-US" dirty="0" err="1"/>
+                  <a:t>Geron</a:t>
+                </a:r>
+                <a:r>
+                  <a:rPr lang="en-US" dirty="0"/>
+                  <a:t>)</a:t>
                 </a:r>
               </a:p>
               <a:p>
@@ -9234,7 +16364,7 @@
               <a:p>
                 <a:r>
                   <a:rPr lang="en-US" dirty="0"/>
-                  <a:t>This is the general process for forward propagation</a:t>
+                  <a:t>This is the general process for forward propagation (Sanderson)</a:t>
                 </a:r>
               </a:p>
               <a:p>
@@ -9403,8 +16533,8 @@
           </a:p>
         </p:txBody>
       </p:sp>
-      <mc:AlternateContent xmlns:mc="http://schemas.openxmlformats.org/markup-compatibility/2006">
-        <mc:Choice xmlns:a14="http://schemas.microsoft.com/office/drawing/2010/main" Requires="a14">
+      <mc:AlternateContent xmlns:mc="http://schemas.openxmlformats.org/markup-compatibility/2006" xmlns:a14="http://schemas.microsoft.com/office/drawing/2010/main">
+        <mc:Choice Requires="a14">
           <p:sp>
             <p:nvSpPr>
               <p:cNvPr id="3" name="Content Placeholder 2">
@@ -9674,7 +16804,7 @@
             </p:txBody>
           </p:sp>
         </mc:Choice>
-        <mc:Fallback>
+        <mc:Fallback xmlns="">
           <p:sp>
             <p:nvSpPr>
               <p:cNvPr id="3" name="Content Placeholder 2">
@@ -9714,8 +16844,8 @@
           </p:sp>
         </mc:Fallback>
       </mc:AlternateContent>
-      <mc:AlternateContent xmlns:mc="http://schemas.openxmlformats.org/markup-compatibility/2006">
-        <mc:Choice xmlns:a14="http://schemas.microsoft.com/office/drawing/2010/main" Requires="a14">
+      <mc:AlternateContent xmlns:mc="http://schemas.openxmlformats.org/markup-compatibility/2006" xmlns:a14="http://schemas.microsoft.com/office/drawing/2010/main">
+        <mc:Choice Requires="a14">
           <p:sp>
             <p:nvSpPr>
               <p:cNvPr id="4" name="Content Placeholder 3">
@@ -10064,7 +17194,7 @@
             </p:txBody>
           </p:sp>
         </mc:Choice>
-        <mc:Fallback>
+        <mc:Fallback xmlns="">
           <p:sp>
             <p:nvSpPr>
               <p:cNvPr id="4" name="Content Placeholder 3">
@@ -10124,8 +17254,8 @@
       <p:bgPr>
         <a:solidFill>
           <a:schemeClr val="bg1">
-            <a:tint val="95000"/>
-            <a:satMod val="170000"/>
+            <a:lumMod val="75000"/>
+            <a:lumOff val="25000"/>
           </a:schemeClr>
         </a:solidFill>
         <a:effectLst/>
@@ -10240,8 +17370,8 @@
           </a:p>
         </p:txBody>
       </p:sp>
-      <mc:AlternateContent xmlns:mc="http://schemas.openxmlformats.org/markup-compatibility/2006">
-        <mc:Choice xmlns:a14="http://schemas.microsoft.com/office/drawing/2010/main" Requires="a14">
+      <mc:AlternateContent xmlns:mc="http://schemas.openxmlformats.org/markup-compatibility/2006" xmlns:a14="http://schemas.microsoft.com/office/drawing/2010/main">
+        <mc:Choice Requires="a14">
           <p:sp>
             <p:nvSpPr>
               <p:cNvPr id="3" name="Content Placeholder 2">
@@ -10707,13 +17837,13 @@
                     </m:oMath>
                   </m:oMathPara>
                 </a14:m>
-                <a:endParaRPr lang="en-US" b="0"/>
+                <a:endParaRPr lang="en-US" b="0" dirty="0"/>
               </a:p>
               <a:p>
                 <a:pPr marL="0" indent="0">
                   <a:buNone/>
                 </a:pPr>
-                <a:endParaRPr lang="en-US"/>
+                <a:endParaRPr lang="en-US" dirty="0"/>
               </a:p>
               <a:p>
                 <a:r>
@@ -10831,7 +17961,7 @@
             </p:txBody>
           </p:sp>
         </mc:Choice>
-        <mc:Fallback>
+        <mc:Fallback xmlns="">
           <p:sp>
             <p:nvSpPr>
               <p:cNvPr id="3" name="Content Placeholder 2">

--- a/Presentations/02_04_2020/Modifying Layer Activations.pptx
+++ b/Presentations/02_04_2020/Modifying Layer Activations.pptx
@@ -14,22 +14,23 @@
     <p:sldId id="261" r:id="rId8"/>
     <p:sldId id="263" r:id="rId9"/>
     <p:sldId id="268" r:id="rId10"/>
-    <p:sldId id="264" r:id="rId11"/>
-    <p:sldId id="267" r:id="rId12"/>
-    <p:sldId id="269" r:id="rId13"/>
-    <p:sldId id="270" r:id="rId14"/>
-    <p:sldId id="265" r:id="rId15"/>
-    <p:sldId id="266" r:id="rId16"/>
-    <p:sldId id="272" r:id="rId17"/>
-    <p:sldId id="275" r:id="rId18"/>
-    <p:sldId id="277" r:id="rId19"/>
-    <p:sldId id="276" r:id="rId20"/>
-    <p:sldId id="279" r:id="rId21"/>
-    <p:sldId id="278" r:id="rId22"/>
-    <p:sldId id="281" r:id="rId23"/>
-    <p:sldId id="280" r:id="rId24"/>
-    <p:sldId id="282" r:id="rId25"/>
-    <p:sldId id="283" r:id="rId26"/>
+    <p:sldId id="267" r:id="rId11"/>
+    <p:sldId id="264" r:id="rId12"/>
+    <p:sldId id="284" r:id="rId13"/>
+    <p:sldId id="269" r:id="rId14"/>
+    <p:sldId id="270" r:id="rId15"/>
+    <p:sldId id="265" r:id="rId16"/>
+    <p:sldId id="266" r:id="rId17"/>
+    <p:sldId id="272" r:id="rId18"/>
+    <p:sldId id="275" r:id="rId19"/>
+    <p:sldId id="277" r:id="rId20"/>
+    <p:sldId id="276" r:id="rId21"/>
+    <p:sldId id="279" r:id="rId22"/>
+    <p:sldId id="278" r:id="rId23"/>
+    <p:sldId id="281" r:id="rId24"/>
+    <p:sldId id="280" r:id="rId25"/>
+    <p:sldId id="282" r:id="rId26"/>
+    <p:sldId id="283" r:id="rId27"/>
   </p:sldIdLst>
   <p:sldSz cx="12192000" cy="6858000"/>
   <p:notesSz cx="6858000" cy="9144000"/>
@@ -6779,195 +6780,6 @@
 <file path=ppt/slides/slide10.xml><?xml version="1.0" encoding="utf-8"?>
 <p:sld xmlns:a="http://schemas.openxmlformats.org/drawingml/2006/main" xmlns:r="http://schemas.openxmlformats.org/officeDocument/2006/relationships" xmlns:p="http://schemas.openxmlformats.org/presentationml/2006/main">
   <p:cSld>
-    <p:spTree>
-      <p:nvGrpSpPr>
-        <p:cNvPr id="1" name=""/>
-        <p:cNvGrpSpPr/>
-        <p:nvPr/>
-      </p:nvGrpSpPr>
-      <p:grpSpPr>
-        <a:xfrm>
-          <a:off x="0" y="0"/>
-          <a:ext cx="0" cy="0"/>
-          <a:chOff x="0" y="0"/>
-          <a:chExt cx="0" cy="0"/>
-        </a:xfrm>
-      </p:grpSpPr>
-      <p:sp>
-        <p:nvSpPr>
-          <p:cNvPr id="2" name="Title 1">
-            <a:extLst>
-              <a:ext uri="{FF2B5EF4-FFF2-40B4-BE49-F238E27FC236}">
-                <a16:creationId xmlns:a16="http://schemas.microsoft.com/office/drawing/2014/main" id="{F4A4CF11-F80D-47DB-9007-797FFBECC06E}"/>
-              </a:ext>
-            </a:extLst>
-          </p:cNvPr>
-          <p:cNvSpPr>
-            <a:spLocks noGrp="1"/>
-          </p:cNvSpPr>
-          <p:nvPr>
-            <p:ph type="title"/>
-          </p:nvPr>
-        </p:nvSpPr>
-        <p:spPr/>
-        <p:txBody>
-          <a:bodyPr/>
-          <a:lstStyle/>
-          <a:p>
-            <a:r>
-              <a:rPr lang="en-US" dirty="0"/>
-              <a:t>Creating Models</a:t>
-            </a:r>
-          </a:p>
-        </p:txBody>
-      </p:sp>
-      <p:sp>
-        <p:nvSpPr>
-          <p:cNvPr id="3" name="Content Placeholder 2">
-            <a:extLst>
-              <a:ext uri="{FF2B5EF4-FFF2-40B4-BE49-F238E27FC236}">
-                <a16:creationId xmlns:a16="http://schemas.microsoft.com/office/drawing/2014/main" id="{77EDF5DF-CB02-40DD-BF6B-5F34C66AAED3}"/>
-              </a:ext>
-            </a:extLst>
-          </p:cNvPr>
-          <p:cNvSpPr>
-            <a:spLocks noGrp="1"/>
-          </p:cNvSpPr>
-          <p:nvPr>
-            <p:ph sz="half" idx="1"/>
-          </p:nvPr>
-        </p:nvSpPr>
-        <p:spPr/>
-        <p:txBody>
-          <a:bodyPr/>
-          <a:lstStyle/>
-          <a:p>
-            <a:r>
-              <a:rPr lang="en-US" dirty="0"/>
-              <a:t>We create and train a series of Neural Network Models</a:t>
-            </a:r>
-          </a:p>
-          <a:p>
-            <a:endParaRPr lang="en-US" dirty="0"/>
-          </a:p>
-          <a:p>
-            <a:r>
-              <a:rPr lang="en-US" dirty="0"/>
-              <a:t>Set Common Hyperparameters</a:t>
-            </a:r>
-          </a:p>
-          <a:p>
-            <a:pPr lvl="1"/>
-            <a:r>
-              <a:rPr lang="en-US" dirty="0" err="1"/>
-              <a:t>ReLU</a:t>
-            </a:r>
-            <a:r>
-              <a:rPr lang="en-US" dirty="0"/>
-              <a:t> Activation Function</a:t>
-            </a:r>
-          </a:p>
-          <a:p>
-            <a:pPr lvl="1"/>
-            <a:r>
-              <a:rPr lang="en-US" dirty="0"/>
-              <a:t>Stochastic Gradient Descent</a:t>
-            </a:r>
-          </a:p>
-          <a:p>
-            <a:pPr lvl="1"/>
-            <a:r>
-              <a:rPr lang="en-US" dirty="0"/>
-              <a:t>100 Sample Minibatch Size</a:t>
-            </a:r>
-          </a:p>
-          <a:p>
-            <a:pPr lvl="1"/>
-            <a:r>
-              <a:rPr lang="en-US" dirty="0"/>
-              <a:t>400 Iterations Maximum</a:t>
-            </a:r>
-          </a:p>
-          <a:p>
-            <a:pPr lvl="1"/>
-            <a:r>
-              <a:rPr lang="en-US" dirty="0"/>
-              <a:t>0.0001 Tolerance</a:t>
-            </a:r>
-          </a:p>
-          <a:p>
-            <a:pPr lvl="1"/>
-            <a:endParaRPr lang="en-US" dirty="0"/>
-          </a:p>
-          <a:p>
-            <a:r>
-              <a:rPr lang="en-US" dirty="0"/>
-              <a:t>New </a:t>
-            </a:r>
-            <a:r>
-              <a:rPr lang="en-US" i="1" dirty="0"/>
-              <a:t>random state</a:t>
-            </a:r>
-            <a:r>
-              <a:rPr lang="en-US" dirty="0"/>
-              <a:t> each iteration</a:t>
-            </a:r>
-          </a:p>
-          <a:p>
-            <a:pPr marL="0" indent="0">
-              <a:buNone/>
-            </a:pPr>
-            <a:endParaRPr lang="en-US" dirty="0"/>
-          </a:p>
-        </p:txBody>
-      </p:sp>
-      <p:pic>
-        <p:nvPicPr>
-          <p:cNvPr id="5" name="Content Placeholder 4">
-            <a:extLst>
-              <a:ext uri="{FF2B5EF4-FFF2-40B4-BE49-F238E27FC236}">
-                <a16:creationId xmlns:a16="http://schemas.microsoft.com/office/drawing/2014/main" id="{DD7F0323-C145-4A6F-8938-942FAE458944}"/>
-              </a:ext>
-            </a:extLst>
-          </p:cNvPr>
-          <p:cNvPicPr>
-            <a:picLocks noGrp="1" noChangeAspect="1"/>
-          </p:cNvPicPr>
-          <p:nvPr>
-            <p:ph sz="half" idx="2"/>
-          </p:nvPr>
-        </p:nvPicPr>
-        <p:blipFill rotWithShape="1">
-          <a:blip r:embed="rId2"/>
-          <a:srcRect t="29771" r="72975" b="46549"/>
-          <a:stretch/>
-        </p:blipFill>
-        <p:spPr>
-          <a:xfrm>
-            <a:off x="5980456" y="2203174"/>
-            <a:ext cx="4974056" cy="2451652"/>
-          </a:xfrm>
-          <a:prstGeom prst="rect">
-            <a:avLst/>
-          </a:prstGeom>
-        </p:spPr>
-      </p:pic>
-    </p:spTree>
-    <p:extLst>
-      <p:ext uri="{BB962C8B-B14F-4D97-AF65-F5344CB8AC3E}">
-        <p14:creationId xmlns:p14="http://schemas.microsoft.com/office/powerpoint/2010/main" val="2037239260"/>
-      </p:ext>
-    </p:extLst>
-  </p:cSld>
-  <p:clrMapOvr>
-    <a:masterClrMapping/>
-  </p:clrMapOvr>
-</p:sld>
-</file>
-
-<file path=ppt/slides/slide11.xml><?xml version="1.0" encoding="utf-8"?>
-<p:sld xmlns:a="http://schemas.openxmlformats.org/drawingml/2006/main" xmlns:r="http://schemas.openxmlformats.org/officeDocument/2006/relationships" xmlns:p="http://schemas.openxmlformats.org/presentationml/2006/main">
-  <p:cSld>
     <p:bg>
       <p:bgPr>
         <a:solidFill>
@@ -9833,7 +9645,314 @@
 </p:sld>
 </file>
 
+<file path=ppt/slides/slide11.xml><?xml version="1.0" encoding="utf-8"?>
+<p:sld xmlns:a="http://schemas.openxmlformats.org/drawingml/2006/main" xmlns:r="http://schemas.openxmlformats.org/officeDocument/2006/relationships" xmlns:p="http://schemas.openxmlformats.org/presentationml/2006/main">
+  <p:cSld>
+    <p:spTree>
+      <p:nvGrpSpPr>
+        <p:cNvPr id="1" name=""/>
+        <p:cNvGrpSpPr/>
+        <p:nvPr/>
+      </p:nvGrpSpPr>
+      <p:grpSpPr>
+        <a:xfrm>
+          <a:off x="0" y="0"/>
+          <a:ext cx="0" cy="0"/>
+          <a:chOff x="0" y="0"/>
+          <a:chExt cx="0" cy="0"/>
+        </a:xfrm>
+      </p:grpSpPr>
+      <p:sp>
+        <p:nvSpPr>
+          <p:cNvPr id="2" name="Title 1">
+            <a:extLst>
+              <a:ext uri="{FF2B5EF4-FFF2-40B4-BE49-F238E27FC236}">
+                <a16:creationId xmlns:a16="http://schemas.microsoft.com/office/drawing/2014/main" id="{F4A4CF11-F80D-47DB-9007-797FFBECC06E}"/>
+              </a:ext>
+            </a:extLst>
+          </p:cNvPr>
+          <p:cNvSpPr>
+            <a:spLocks noGrp="1"/>
+          </p:cNvSpPr>
+          <p:nvPr>
+            <p:ph type="title"/>
+          </p:nvPr>
+        </p:nvSpPr>
+        <p:spPr/>
+        <p:txBody>
+          <a:bodyPr/>
+          <a:lstStyle/>
+          <a:p>
+            <a:r>
+              <a:rPr lang="en-US" dirty="0"/>
+              <a:t>Creating Models</a:t>
+            </a:r>
+          </a:p>
+        </p:txBody>
+      </p:sp>
+      <p:sp>
+        <p:nvSpPr>
+          <p:cNvPr id="3" name="Content Placeholder 2">
+            <a:extLst>
+              <a:ext uri="{FF2B5EF4-FFF2-40B4-BE49-F238E27FC236}">
+                <a16:creationId xmlns:a16="http://schemas.microsoft.com/office/drawing/2014/main" id="{77EDF5DF-CB02-40DD-BF6B-5F34C66AAED3}"/>
+              </a:ext>
+            </a:extLst>
+          </p:cNvPr>
+          <p:cNvSpPr>
+            <a:spLocks noGrp="1"/>
+          </p:cNvSpPr>
+          <p:nvPr>
+            <p:ph sz="half" idx="1"/>
+          </p:nvPr>
+        </p:nvSpPr>
+        <p:spPr/>
+        <p:txBody>
+          <a:bodyPr/>
+          <a:lstStyle/>
+          <a:p>
+            <a:r>
+              <a:rPr lang="en-US" dirty="0"/>
+              <a:t>We create and train a series of Neural Network Models</a:t>
+            </a:r>
+          </a:p>
+          <a:p>
+            <a:endParaRPr lang="en-US" dirty="0"/>
+          </a:p>
+          <a:p>
+            <a:r>
+              <a:rPr lang="en-US" dirty="0"/>
+              <a:t>Set Common Hyperparameters</a:t>
+            </a:r>
+          </a:p>
+          <a:p>
+            <a:pPr lvl="1"/>
+            <a:r>
+              <a:rPr lang="en-US" dirty="0" err="1"/>
+              <a:t>ReLU</a:t>
+            </a:r>
+            <a:r>
+              <a:rPr lang="en-US" dirty="0"/>
+              <a:t> Activation Function</a:t>
+            </a:r>
+          </a:p>
+          <a:p>
+            <a:pPr lvl="1"/>
+            <a:r>
+              <a:rPr lang="en-US" dirty="0"/>
+              <a:t>Stochastic Gradient Descent</a:t>
+            </a:r>
+          </a:p>
+          <a:p>
+            <a:pPr lvl="1"/>
+            <a:r>
+              <a:rPr lang="en-US" dirty="0"/>
+              <a:t>100 Sample Minibatch Size</a:t>
+            </a:r>
+          </a:p>
+          <a:p>
+            <a:pPr lvl="1"/>
+            <a:r>
+              <a:rPr lang="en-US" dirty="0"/>
+              <a:t>400 Iterations Maximum</a:t>
+            </a:r>
+          </a:p>
+          <a:p>
+            <a:pPr lvl="1"/>
+            <a:r>
+              <a:rPr lang="en-US" dirty="0"/>
+              <a:t>0.0001 Tolerance</a:t>
+            </a:r>
+          </a:p>
+          <a:p>
+            <a:pPr lvl="1"/>
+            <a:endParaRPr lang="en-US" dirty="0"/>
+          </a:p>
+          <a:p>
+            <a:r>
+              <a:rPr lang="en-US" dirty="0"/>
+              <a:t>New </a:t>
+            </a:r>
+            <a:r>
+              <a:rPr lang="en-US" i="1" dirty="0"/>
+              <a:t>random state</a:t>
+            </a:r>
+            <a:r>
+              <a:rPr lang="en-US" dirty="0"/>
+              <a:t> each iteration</a:t>
+            </a:r>
+          </a:p>
+          <a:p>
+            <a:pPr marL="0" indent="0">
+              <a:buNone/>
+            </a:pPr>
+            <a:endParaRPr lang="en-US" dirty="0"/>
+          </a:p>
+        </p:txBody>
+      </p:sp>
+      <p:pic>
+        <p:nvPicPr>
+          <p:cNvPr id="5" name="Content Placeholder 4">
+            <a:extLst>
+              <a:ext uri="{FF2B5EF4-FFF2-40B4-BE49-F238E27FC236}">
+                <a16:creationId xmlns:a16="http://schemas.microsoft.com/office/drawing/2014/main" id="{DD7F0323-C145-4A6F-8938-942FAE458944}"/>
+              </a:ext>
+            </a:extLst>
+          </p:cNvPr>
+          <p:cNvPicPr>
+            <a:picLocks noGrp="1" noChangeAspect="1"/>
+          </p:cNvPicPr>
+          <p:nvPr>
+            <p:ph sz="half" idx="2"/>
+          </p:nvPr>
+        </p:nvPicPr>
+        <p:blipFill rotWithShape="1">
+          <a:blip r:embed="rId2"/>
+          <a:srcRect t="29771" r="72975" b="46549"/>
+          <a:stretch/>
+        </p:blipFill>
+        <p:spPr>
+          <a:xfrm>
+            <a:off x="5980456" y="2203174"/>
+            <a:ext cx="4974056" cy="2451652"/>
+          </a:xfrm>
+          <a:prstGeom prst="rect">
+            <a:avLst/>
+          </a:prstGeom>
+        </p:spPr>
+      </p:pic>
+    </p:spTree>
+    <p:extLst>
+      <p:ext uri="{BB962C8B-B14F-4D97-AF65-F5344CB8AC3E}">
+        <p14:creationId xmlns:p14="http://schemas.microsoft.com/office/powerpoint/2010/main" val="2037239260"/>
+      </p:ext>
+    </p:extLst>
+  </p:cSld>
+  <p:clrMapOvr>
+    <a:masterClrMapping/>
+  </p:clrMapOvr>
+</p:sld>
+</file>
+
 <file path=ppt/slides/slide12.xml><?xml version="1.0" encoding="utf-8"?>
+<p:sld xmlns:a="http://schemas.openxmlformats.org/drawingml/2006/main" xmlns:r="http://schemas.openxmlformats.org/officeDocument/2006/relationships" xmlns:p="http://schemas.openxmlformats.org/presentationml/2006/main">
+  <p:cSld>
+    <p:spTree>
+      <p:nvGrpSpPr>
+        <p:cNvPr id="1" name=""/>
+        <p:cNvGrpSpPr/>
+        <p:nvPr/>
+      </p:nvGrpSpPr>
+      <p:grpSpPr>
+        <a:xfrm>
+          <a:off x="0" y="0"/>
+          <a:ext cx="0" cy="0"/>
+          <a:chOff x="0" y="0"/>
+          <a:chExt cx="0" cy="0"/>
+        </a:xfrm>
+      </p:grpSpPr>
+      <p:sp>
+        <p:nvSpPr>
+          <p:cNvPr id="2" name="Title 1">
+            <a:extLst>
+              <a:ext uri="{FF2B5EF4-FFF2-40B4-BE49-F238E27FC236}">
+                <a16:creationId xmlns:a16="http://schemas.microsoft.com/office/drawing/2014/main" id="{31BFB3B2-E7FD-40D5-B439-61631B0EC49F}"/>
+              </a:ext>
+            </a:extLst>
+          </p:cNvPr>
+          <p:cNvSpPr>
+            <a:spLocks noGrp="1"/>
+          </p:cNvSpPr>
+          <p:nvPr>
+            <p:ph type="title"/>
+          </p:nvPr>
+        </p:nvSpPr>
+        <p:spPr/>
+        <p:txBody>
+          <a:bodyPr/>
+          <a:lstStyle/>
+          <a:p>
+            <a:r>
+              <a:rPr lang="en-US" dirty="0" err="1"/>
+              <a:t>ReLU</a:t>
+            </a:r>
+            <a:r>
+              <a:rPr lang="en-US" dirty="0"/>
+              <a:t> Activation Function</a:t>
+            </a:r>
+          </a:p>
+        </p:txBody>
+      </p:sp>
+      <p:sp>
+        <p:nvSpPr>
+          <p:cNvPr id="4" name="Text Placeholder 3">
+            <a:extLst>
+              <a:ext uri="{FF2B5EF4-FFF2-40B4-BE49-F238E27FC236}">
+                <a16:creationId xmlns:a16="http://schemas.microsoft.com/office/drawing/2014/main" id="{8FFAA266-AEFC-40ED-AC3E-2B63D1C9FBF8}"/>
+              </a:ext>
+            </a:extLst>
+          </p:cNvPr>
+          <p:cNvSpPr>
+            <a:spLocks noGrp="1"/>
+          </p:cNvSpPr>
+          <p:nvPr>
+            <p:ph type="body" sz="half" idx="2"/>
+          </p:nvPr>
+        </p:nvSpPr>
+        <p:spPr/>
+        <p:txBody>
+          <a:bodyPr/>
+          <a:lstStyle/>
+          <a:p>
+            <a:r>
+              <a:rPr lang="en-US" dirty="0"/>
+              <a:t>Rectified Linear Unit</a:t>
+            </a:r>
+          </a:p>
+        </p:txBody>
+      </p:sp>
+      <p:pic>
+        <p:nvPicPr>
+          <p:cNvPr id="10" name="Picture Placeholder 9">
+            <a:extLst>
+              <a:ext uri="{FF2B5EF4-FFF2-40B4-BE49-F238E27FC236}">
+                <a16:creationId xmlns:a16="http://schemas.microsoft.com/office/drawing/2014/main" id="{B96C717B-6CFF-47C9-95C5-B5766D04B2C7}"/>
+              </a:ext>
+            </a:extLst>
+          </p:cNvPr>
+          <p:cNvPicPr>
+            <a:picLocks noGrp="1" noChangeAspect="1"/>
+          </p:cNvPicPr>
+          <p:nvPr>
+            <p:ph type="pic" idx="1"/>
+          </p:nvPr>
+        </p:nvPicPr>
+        <p:blipFill rotWithShape="1">
+          <a:blip r:embed="rId2"/>
+          <a:srcRect l="-2" t="177" r="235" b="75"/>
+          <a:stretch/>
+        </p:blipFill>
+        <p:spPr>
+          <a:xfrm>
+            <a:off x="2054087" y="189948"/>
+            <a:ext cx="6493565" cy="4819374"/>
+          </a:xfrm>
+        </p:spPr>
+      </p:pic>
+    </p:spTree>
+    <p:extLst>
+      <p:ext uri="{BB962C8B-B14F-4D97-AF65-F5344CB8AC3E}">
+        <p14:creationId xmlns:p14="http://schemas.microsoft.com/office/powerpoint/2010/main" val="1118898101"/>
+      </p:ext>
+    </p:extLst>
+  </p:cSld>
+  <p:clrMapOvr>
+    <a:masterClrMapping/>
+  </p:clrMapOvr>
+</p:sld>
+</file>
+
+<file path=ppt/slides/slide13.xml><?xml version="1.0" encoding="utf-8"?>
 <p:sld xmlns:a="http://schemas.openxmlformats.org/drawingml/2006/main" xmlns:r="http://schemas.openxmlformats.org/officeDocument/2006/relationships" xmlns:p="http://schemas.openxmlformats.org/presentationml/2006/main">
   <p:cSld>
     <p:bg>
@@ -10086,7 +10205,7 @@
 </p:sld>
 </file>
 
-<file path=ppt/slides/slide13.xml><?xml version="1.0" encoding="utf-8"?>
+<file path=ppt/slides/slide14.xml><?xml version="1.0" encoding="utf-8"?>
 <p:sld xmlns:a="http://schemas.openxmlformats.org/drawingml/2006/main" xmlns:r="http://schemas.openxmlformats.org/officeDocument/2006/relationships" xmlns:p="http://schemas.openxmlformats.org/presentationml/2006/main">
   <p:cSld>
     <p:bg>
@@ -10373,7 +10492,7 @@
 </p:sld>
 </file>
 
-<file path=ppt/slides/slide14.xml><?xml version="1.0" encoding="utf-8"?>
+<file path=ppt/slides/slide15.xml><?xml version="1.0" encoding="utf-8"?>
 <p:sld xmlns:a="http://schemas.openxmlformats.org/drawingml/2006/main" xmlns:r="http://schemas.openxmlformats.org/officeDocument/2006/relationships" xmlns:p="http://schemas.openxmlformats.org/presentationml/2006/main">
   <p:cSld>
     <p:bg>
@@ -10808,7 +10927,7 @@
 </p:sld>
 </file>
 
-<file path=ppt/slides/slide15.xml><?xml version="1.0" encoding="utf-8"?>
+<file path=ppt/slides/slide16.xml><?xml version="1.0" encoding="utf-8"?>
 <p:sld xmlns:a="http://schemas.openxmlformats.org/drawingml/2006/main" xmlns:r="http://schemas.openxmlformats.org/officeDocument/2006/relationships" xmlns:p="http://schemas.openxmlformats.org/presentationml/2006/main">
   <p:cSld>
     <p:spTree>
@@ -11627,7 +11746,7 @@
 </p:sld>
 </file>
 
-<file path=ppt/slides/slide16.xml><?xml version="1.0" encoding="utf-8"?>
+<file path=ppt/slides/slide17.xml><?xml version="1.0" encoding="utf-8"?>
 <p:sld xmlns:a="http://schemas.openxmlformats.org/drawingml/2006/main" xmlns:r="http://schemas.openxmlformats.org/officeDocument/2006/relationships" xmlns:p="http://schemas.openxmlformats.org/presentationml/2006/main">
   <p:cSld>
     <p:bg>
@@ -11901,7 +12020,7 @@
 </p:sld>
 </file>
 
-<file path=ppt/slides/slide17.xml><?xml version="1.0" encoding="utf-8"?>
+<file path=ppt/slides/slide18.xml><?xml version="1.0" encoding="utf-8"?>
 <p:sld xmlns:a="http://schemas.openxmlformats.org/drawingml/2006/main" xmlns:r="http://schemas.openxmlformats.org/officeDocument/2006/relationships" xmlns:p="http://schemas.openxmlformats.org/presentationml/2006/main">
   <p:cSld>
     <p:bg>
@@ -12829,7 +12948,7 @@
 </p:sld>
 </file>
 
-<file path=ppt/slides/slide18.xml><?xml version="1.0" encoding="utf-8"?>
+<file path=ppt/slides/slide19.xml><?xml version="1.0" encoding="utf-8"?>
 <p:sld xmlns:a="http://schemas.openxmlformats.org/drawingml/2006/main" xmlns:r="http://schemas.openxmlformats.org/officeDocument/2006/relationships" xmlns:p="http://schemas.openxmlformats.org/presentationml/2006/main">
   <p:cSld>
     <p:spTree>
@@ -13525,7 +13644,294 @@
 </p:sld>
 </file>
 
-<file path=ppt/slides/slide19.xml><?xml version="1.0" encoding="utf-8"?>
+<file path=ppt/slides/slide2.xml><?xml version="1.0" encoding="utf-8"?>
+<p:sld xmlns:a="http://schemas.openxmlformats.org/drawingml/2006/main" xmlns:r="http://schemas.openxmlformats.org/officeDocument/2006/relationships" xmlns:p="http://schemas.openxmlformats.org/presentationml/2006/main">
+  <p:cSld>
+    <p:bg>
+      <p:bgPr>
+        <a:solidFill>
+          <a:schemeClr val="bg1">
+            <a:tint val="95000"/>
+            <a:satMod val="170000"/>
+          </a:schemeClr>
+        </a:solidFill>
+        <a:effectLst/>
+      </p:bgPr>
+    </p:bg>
+    <p:spTree>
+      <p:nvGrpSpPr>
+        <p:cNvPr id="1" name=""/>
+        <p:cNvGrpSpPr/>
+        <p:nvPr/>
+      </p:nvGrpSpPr>
+      <p:grpSpPr>
+        <a:xfrm>
+          <a:off x="0" y="0"/>
+          <a:ext cx="0" cy="0"/>
+          <a:chOff x="0" y="0"/>
+          <a:chExt cx="0" cy="0"/>
+        </a:xfrm>
+      </p:grpSpPr>
+      <p:sp>
+        <p:nvSpPr>
+          <p:cNvPr id="8" name="Rectangle 7">
+            <a:extLst>
+              <a:ext uri="{FF2B5EF4-FFF2-40B4-BE49-F238E27FC236}">
+                <a16:creationId xmlns:a16="http://schemas.microsoft.com/office/drawing/2014/main" id="{493167C4-7ABD-4E49-9694-5E0564B1C67C}"/>
+              </a:ext>
+              <a:ext uri="{C183D7F6-B498-43B3-948B-1728B52AA6E4}">
+                <adec:decorative xmlns:adec="http://schemas.microsoft.com/office/drawing/2017/decorative" val="1"/>
+              </a:ext>
+            </a:extLst>
+          </p:cNvPr>
+          <p:cNvSpPr>
+            <a:spLocks noGrp="1" noRot="1" noChangeAspect="1" noMove="1" noResize="1" noEditPoints="1" noAdjustHandles="1" noChangeArrowheads="1" noChangeShapeType="1" noTextEdit="1"/>
+          </p:cNvSpPr>
+          <p:nvPr>
+            <p:extLst>
+              <p:ext uri="{386F3935-93C4-4BCD-93E2-E3B085C9AB24}">
+                <p16:designElem xmlns:p16="http://schemas.microsoft.com/office/powerpoint/2015/main" val="1"/>
+              </p:ext>
+            </p:extLst>
+          </p:nvPr>
+        </p:nvSpPr>
+        <p:spPr>
+          <a:xfrm>
+            <a:off x="0" y="0"/>
+            <a:ext cx="457200" cy="6858000"/>
+          </a:xfrm>
+          <a:prstGeom prst="rect">
+            <a:avLst/>
+          </a:prstGeom>
+          <a:solidFill>
+            <a:schemeClr val="accent1"/>
+          </a:solidFill>
+          <a:ln>
+            <a:noFill/>
+          </a:ln>
+        </p:spPr>
+        <p:style>
+          <a:lnRef idx="2">
+            <a:schemeClr val="accent1">
+              <a:shade val="50000"/>
+            </a:schemeClr>
+          </a:lnRef>
+          <a:fillRef idx="1">
+            <a:schemeClr val="accent1"/>
+          </a:fillRef>
+          <a:effectRef idx="0">
+            <a:schemeClr val="accent1"/>
+          </a:effectRef>
+          <a:fontRef idx="minor">
+            <a:schemeClr val="lt1"/>
+          </a:fontRef>
+        </p:style>
+      </p:sp>
+      <p:sp>
+        <p:nvSpPr>
+          <p:cNvPr id="10" name="Rectangle 9">
+            <a:extLst>
+              <a:ext uri="{FF2B5EF4-FFF2-40B4-BE49-F238E27FC236}">
+                <a16:creationId xmlns:a16="http://schemas.microsoft.com/office/drawing/2014/main" id="{26C48361-4990-441C-BCC7-1B7E71688F3B}"/>
+              </a:ext>
+              <a:ext uri="{C183D7F6-B498-43B3-948B-1728B52AA6E4}">
+                <adec:decorative xmlns:adec="http://schemas.microsoft.com/office/drawing/2017/decorative" val="1"/>
+              </a:ext>
+            </a:extLst>
+          </p:cNvPr>
+          <p:cNvSpPr>
+            <a:spLocks noGrp="1" noRot="1" noChangeAspect="1" noMove="1" noResize="1" noEditPoints="1" noAdjustHandles="1" noChangeArrowheads="1" noChangeShapeType="1" noTextEdit="1"/>
+          </p:cNvSpPr>
+          <p:nvPr>
+            <p:extLst>
+              <p:ext uri="{386F3935-93C4-4BCD-93E2-E3B085C9AB24}">
+                <p16:designElem xmlns:p16="http://schemas.microsoft.com/office/powerpoint/2015/main" val="1"/>
+              </p:ext>
+            </p:extLst>
+          </p:nvPr>
+        </p:nvSpPr>
+        <p:spPr>
+          <a:xfrm>
+            <a:off x="11292840" y="0"/>
+            <a:ext cx="914400" cy="6858000"/>
+          </a:xfrm>
+          <a:prstGeom prst="rect">
+            <a:avLst/>
+          </a:prstGeom>
+          <a:solidFill>
+            <a:schemeClr val="bg2">
+              <a:lumMod val="75000"/>
+            </a:schemeClr>
+          </a:solidFill>
+          <a:ln>
+            <a:noFill/>
+          </a:ln>
+        </p:spPr>
+        <p:style>
+          <a:lnRef idx="2">
+            <a:schemeClr val="accent1">
+              <a:shade val="50000"/>
+            </a:schemeClr>
+          </a:lnRef>
+          <a:fillRef idx="1">
+            <a:schemeClr val="accent1"/>
+          </a:fillRef>
+          <a:effectRef idx="0">
+            <a:schemeClr val="accent1"/>
+          </a:effectRef>
+          <a:fontRef idx="minor">
+            <a:schemeClr val="lt1"/>
+          </a:fontRef>
+        </p:style>
+      </p:sp>
+      <p:sp>
+        <p:nvSpPr>
+          <p:cNvPr id="2" name="Title 1">
+            <a:extLst>
+              <a:ext uri="{FF2B5EF4-FFF2-40B4-BE49-F238E27FC236}">
+                <a16:creationId xmlns:a16="http://schemas.microsoft.com/office/drawing/2014/main" id="{79112969-E90B-4A39-A6AD-AFCFD1A5C6AB}"/>
+              </a:ext>
+            </a:extLst>
+          </p:cNvPr>
+          <p:cNvSpPr>
+            <a:spLocks noGrp="1"/>
+          </p:cNvSpPr>
+          <p:nvPr>
+            <p:ph type="title"/>
+          </p:nvPr>
+        </p:nvSpPr>
+        <p:spPr>
+          <a:xfrm>
+            <a:off x="1261872" y="1028699"/>
+            <a:ext cx="9418320" cy="3862083"/>
+          </a:xfrm>
+        </p:spPr>
+        <p:txBody>
+          <a:bodyPr vert="horz" lIns="91440" tIns="27432" rIns="91440" bIns="45720" rtlCol="0" anchor="ctr">
+            <a:normAutofit/>
+          </a:bodyPr>
+          <a:lstStyle/>
+          <a:p>
+            <a:pPr algn="ctr"/>
+            <a:r>
+              <a:rPr lang="en-US" sz="6000" dirty="0">
+                <a:solidFill>
+                  <a:schemeClr val="tx1"/>
+                </a:solidFill>
+              </a:rPr>
+              <a:t>The Problem</a:t>
+            </a:r>
+          </a:p>
+        </p:txBody>
+      </p:sp>
+      <p:sp>
+        <p:nvSpPr>
+          <p:cNvPr id="3" name="Text Placeholder 2">
+            <a:extLst>
+              <a:ext uri="{FF2B5EF4-FFF2-40B4-BE49-F238E27FC236}">
+                <a16:creationId xmlns:a16="http://schemas.microsoft.com/office/drawing/2014/main" id="{20D09434-BB96-4D33-9074-44D2DAF98680}"/>
+              </a:ext>
+            </a:extLst>
+          </p:cNvPr>
+          <p:cNvSpPr>
+            <a:spLocks noGrp="1"/>
+          </p:cNvSpPr>
+          <p:nvPr>
+            <p:ph type="body" idx="1"/>
+          </p:nvPr>
+        </p:nvSpPr>
+        <p:spPr>
+          <a:xfrm>
+            <a:off x="1261872" y="5237670"/>
+            <a:ext cx="9418320" cy="1183261"/>
+          </a:xfrm>
+        </p:spPr>
+        <p:txBody>
+          <a:bodyPr vert="horz" lIns="91440" tIns="45720" rIns="91440" bIns="45720" rtlCol="0">
+            <a:normAutofit/>
+          </a:bodyPr>
+          <a:lstStyle/>
+          <a:p>
+            <a:pPr algn="ctr"/>
+            <a:r>
+              <a:rPr lang="en-US" dirty="0">
+                <a:solidFill>
+                  <a:schemeClr val="tx1">
+                    <a:lumMod val="75000"/>
+                  </a:schemeClr>
+                </a:solidFill>
+              </a:rPr>
+              <a:t>How does changing Layer Activations affect the performance of a Multi-Layer Perceptron Classifier?</a:t>
+            </a:r>
+          </a:p>
+        </p:txBody>
+      </p:sp>
+      <p:cxnSp>
+        <p:nvCxnSpPr>
+          <p:cNvPr id="12" name="Straight Connector 11">
+            <a:extLst>
+              <a:ext uri="{FF2B5EF4-FFF2-40B4-BE49-F238E27FC236}">
+                <a16:creationId xmlns:a16="http://schemas.microsoft.com/office/drawing/2014/main" id="{D7E8ECA2-60A0-4D39-817D-F1E982ED7F9B}"/>
+              </a:ext>
+              <a:ext uri="{C183D7F6-B498-43B3-948B-1728B52AA6E4}">
+                <adec:decorative xmlns:adec="http://schemas.microsoft.com/office/drawing/2017/decorative" val="1"/>
+              </a:ext>
+            </a:extLst>
+          </p:cNvPr>
+          <p:cNvCxnSpPr>
+            <a:cxnSpLocks noGrp="1" noRot="1" noChangeAspect="1" noMove="1" noResize="1" noEditPoints="1" noAdjustHandles="1" noChangeArrowheads="1" noChangeShapeType="1"/>
+          </p:cNvCxnSpPr>
+          <p:nvPr>
+            <p:extLst>
+              <p:ext uri="{386F3935-93C4-4BCD-93E2-E3B085C9AB24}">
+                <p16:designElem xmlns:p16="http://schemas.microsoft.com/office/powerpoint/2015/main" val="1"/>
+              </p:ext>
+            </p:extLst>
+          </p:nvPr>
+        </p:nvCxnSpPr>
+        <p:spPr>
+          <a:xfrm flipH="1">
+            <a:off x="5651500" y="5097592"/>
+            <a:ext cx="596394" cy="0"/>
+          </a:xfrm>
+          <a:prstGeom prst="line">
+            <a:avLst/>
+          </a:prstGeom>
+          <a:ln w="12700">
+            <a:solidFill>
+              <a:schemeClr val="tx2"/>
+            </a:solidFill>
+          </a:ln>
+        </p:spPr>
+        <p:style>
+          <a:lnRef idx="1">
+            <a:schemeClr val="accent1"/>
+          </a:lnRef>
+          <a:fillRef idx="0">
+            <a:schemeClr val="accent1"/>
+          </a:fillRef>
+          <a:effectRef idx="0">
+            <a:schemeClr val="accent1"/>
+          </a:effectRef>
+          <a:fontRef idx="minor">
+            <a:schemeClr val="tx1"/>
+          </a:fontRef>
+        </p:style>
+      </p:cxnSp>
+    </p:spTree>
+    <p:extLst>
+      <p:ext uri="{BB962C8B-B14F-4D97-AF65-F5344CB8AC3E}">
+        <p14:creationId xmlns:p14="http://schemas.microsoft.com/office/powerpoint/2010/main" val="363575395"/>
+      </p:ext>
+    </p:extLst>
+  </p:cSld>
+  <p:clrMapOvr>
+    <a:overrideClrMapping bg1="dk1" tx1="lt1" bg2="dk2" tx2="lt2" accent1="accent1" accent2="accent2" accent3="accent3" accent4="accent4" accent5="accent5" accent6="accent6" hlink="hlink" folHlink="folHlink"/>
+  </p:clrMapOvr>
+</p:sld>
+</file>
+
+<file path=ppt/slides/slide20.xml><?xml version="1.0" encoding="utf-8"?>
 <p:sld xmlns:a="http://schemas.openxmlformats.org/drawingml/2006/main" xmlns:r="http://schemas.openxmlformats.org/officeDocument/2006/relationships" xmlns:p="http://schemas.openxmlformats.org/presentationml/2006/main">
   <p:cSld>
     <p:bg>
@@ -13833,8 +14239,8 @@
           </a:p>
         </p:txBody>
       </p:sp>
-      <mc:AlternateContent xmlns:mc="http://schemas.openxmlformats.org/markup-compatibility/2006">
-        <mc:Choice xmlns:a14="http://schemas.microsoft.com/office/drawing/2010/main" Requires="a14">
+      <mc:AlternateContent xmlns:mc="http://schemas.openxmlformats.org/markup-compatibility/2006" xmlns:a14="http://schemas.microsoft.com/office/drawing/2010/main">
+        <mc:Choice Requires="a14">
           <p:sp>
             <p:nvSpPr>
               <p:cNvPr id="3" name="Content Placeholder 2">
@@ -14093,7 +14499,7 @@
             </p:txBody>
           </p:sp>
         </mc:Choice>
-        <mc:Fallback>
+        <mc:Fallback xmlns="">
           <p:sp>
             <p:nvSpPr>
               <p:cNvPr id="3" name="Content Placeholder 2">
@@ -14150,294 +14556,7 @@
 </p:sld>
 </file>
 
-<file path=ppt/slides/slide2.xml><?xml version="1.0" encoding="utf-8"?>
-<p:sld xmlns:a="http://schemas.openxmlformats.org/drawingml/2006/main" xmlns:r="http://schemas.openxmlformats.org/officeDocument/2006/relationships" xmlns:p="http://schemas.openxmlformats.org/presentationml/2006/main">
-  <p:cSld>
-    <p:bg>
-      <p:bgPr>
-        <a:solidFill>
-          <a:schemeClr val="bg1">
-            <a:tint val="95000"/>
-            <a:satMod val="170000"/>
-          </a:schemeClr>
-        </a:solidFill>
-        <a:effectLst/>
-      </p:bgPr>
-    </p:bg>
-    <p:spTree>
-      <p:nvGrpSpPr>
-        <p:cNvPr id="1" name=""/>
-        <p:cNvGrpSpPr/>
-        <p:nvPr/>
-      </p:nvGrpSpPr>
-      <p:grpSpPr>
-        <a:xfrm>
-          <a:off x="0" y="0"/>
-          <a:ext cx="0" cy="0"/>
-          <a:chOff x="0" y="0"/>
-          <a:chExt cx="0" cy="0"/>
-        </a:xfrm>
-      </p:grpSpPr>
-      <p:sp>
-        <p:nvSpPr>
-          <p:cNvPr id="8" name="Rectangle 7">
-            <a:extLst>
-              <a:ext uri="{FF2B5EF4-FFF2-40B4-BE49-F238E27FC236}">
-                <a16:creationId xmlns:a16="http://schemas.microsoft.com/office/drawing/2014/main" id="{493167C4-7ABD-4E49-9694-5E0564B1C67C}"/>
-              </a:ext>
-              <a:ext uri="{C183D7F6-B498-43B3-948B-1728B52AA6E4}">
-                <adec:decorative xmlns:adec="http://schemas.microsoft.com/office/drawing/2017/decorative" val="1"/>
-              </a:ext>
-            </a:extLst>
-          </p:cNvPr>
-          <p:cNvSpPr>
-            <a:spLocks noGrp="1" noRot="1" noChangeAspect="1" noMove="1" noResize="1" noEditPoints="1" noAdjustHandles="1" noChangeArrowheads="1" noChangeShapeType="1" noTextEdit="1"/>
-          </p:cNvSpPr>
-          <p:nvPr>
-            <p:extLst>
-              <p:ext uri="{386F3935-93C4-4BCD-93E2-E3B085C9AB24}">
-                <p16:designElem xmlns:p16="http://schemas.microsoft.com/office/powerpoint/2015/main" val="1"/>
-              </p:ext>
-            </p:extLst>
-          </p:nvPr>
-        </p:nvSpPr>
-        <p:spPr>
-          <a:xfrm>
-            <a:off x="0" y="0"/>
-            <a:ext cx="457200" cy="6858000"/>
-          </a:xfrm>
-          <a:prstGeom prst="rect">
-            <a:avLst/>
-          </a:prstGeom>
-          <a:solidFill>
-            <a:schemeClr val="accent1"/>
-          </a:solidFill>
-          <a:ln>
-            <a:noFill/>
-          </a:ln>
-        </p:spPr>
-        <p:style>
-          <a:lnRef idx="2">
-            <a:schemeClr val="accent1">
-              <a:shade val="50000"/>
-            </a:schemeClr>
-          </a:lnRef>
-          <a:fillRef idx="1">
-            <a:schemeClr val="accent1"/>
-          </a:fillRef>
-          <a:effectRef idx="0">
-            <a:schemeClr val="accent1"/>
-          </a:effectRef>
-          <a:fontRef idx="minor">
-            <a:schemeClr val="lt1"/>
-          </a:fontRef>
-        </p:style>
-      </p:sp>
-      <p:sp>
-        <p:nvSpPr>
-          <p:cNvPr id="10" name="Rectangle 9">
-            <a:extLst>
-              <a:ext uri="{FF2B5EF4-FFF2-40B4-BE49-F238E27FC236}">
-                <a16:creationId xmlns:a16="http://schemas.microsoft.com/office/drawing/2014/main" id="{26C48361-4990-441C-BCC7-1B7E71688F3B}"/>
-              </a:ext>
-              <a:ext uri="{C183D7F6-B498-43B3-948B-1728B52AA6E4}">
-                <adec:decorative xmlns:adec="http://schemas.microsoft.com/office/drawing/2017/decorative" val="1"/>
-              </a:ext>
-            </a:extLst>
-          </p:cNvPr>
-          <p:cNvSpPr>
-            <a:spLocks noGrp="1" noRot="1" noChangeAspect="1" noMove="1" noResize="1" noEditPoints="1" noAdjustHandles="1" noChangeArrowheads="1" noChangeShapeType="1" noTextEdit="1"/>
-          </p:cNvSpPr>
-          <p:nvPr>
-            <p:extLst>
-              <p:ext uri="{386F3935-93C4-4BCD-93E2-E3B085C9AB24}">
-                <p16:designElem xmlns:p16="http://schemas.microsoft.com/office/powerpoint/2015/main" val="1"/>
-              </p:ext>
-            </p:extLst>
-          </p:nvPr>
-        </p:nvSpPr>
-        <p:spPr>
-          <a:xfrm>
-            <a:off x="11292840" y="0"/>
-            <a:ext cx="914400" cy="6858000"/>
-          </a:xfrm>
-          <a:prstGeom prst="rect">
-            <a:avLst/>
-          </a:prstGeom>
-          <a:solidFill>
-            <a:schemeClr val="bg2">
-              <a:lumMod val="75000"/>
-            </a:schemeClr>
-          </a:solidFill>
-          <a:ln>
-            <a:noFill/>
-          </a:ln>
-        </p:spPr>
-        <p:style>
-          <a:lnRef idx="2">
-            <a:schemeClr val="accent1">
-              <a:shade val="50000"/>
-            </a:schemeClr>
-          </a:lnRef>
-          <a:fillRef idx="1">
-            <a:schemeClr val="accent1"/>
-          </a:fillRef>
-          <a:effectRef idx="0">
-            <a:schemeClr val="accent1"/>
-          </a:effectRef>
-          <a:fontRef idx="minor">
-            <a:schemeClr val="lt1"/>
-          </a:fontRef>
-        </p:style>
-      </p:sp>
-      <p:sp>
-        <p:nvSpPr>
-          <p:cNvPr id="2" name="Title 1">
-            <a:extLst>
-              <a:ext uri="{FF2B5EF4-FFF2-40B4-BE49-F238E27FC236}">
-                <a16:creationId xmlns:a16="http://schemas.microsoft.com/office/drawing/2014/main" id="{79112969-E90B-4A39-A6AD-AFCFD1A5C6AB}"/>
-              </a:ext>
-            </a:extLst>
-          </p:cNvPr>
-          <p:cNvSpPr>
-            <a:spLocks noGrp="1"/>
-          </p:cNvSpPr>
-          <p:nvPr>
-            <p:ph type="title"/>
-          </p:nvPr>
-        </p:nvSpPr>
-        <p:spPr>
-          <a:xfrm>
-            <a:off x="1261872" y="1028699"/>
-            <a:ext cx="9418320" cy="3862083"/>
-          </a:xfrm>
-        </p:spPr>
-        <p:txBody>
-          <a:bodyPr vert="horz" lIns="91440" tIns="27432" rIns="91440" bIns="45720" rtlCol="0" anchor="ctr">
-            <a:normAutofit/>
-          </a:bodyPr>
-          <a:lstStyle/>
-          <a:p>
-            <a:pPr algn="ctr"/>
-            <a:r>
-              <a:rPr lang="en-US" sz="6000" dirty="0">
-                <a:solidFill>
-                  <a:schemeClr val="tx1"/>
-                </a:solidFill>
-              </a:rPr>
-              <a:t>The Problem</a:t>
-            </a:r>
-          </a:p>
-        </p:txBody>
-      </p:sp>
-      <p:sp>
-        <p:nvSpPr>
-          <p:cNvPr id="3" name="Text Placeholder 2">
-            <a:extLst>
-              <a:ext uri="{FF2B5EF4-FFF2-40B4-BE49-F238E27FC236}">
-                <a16:creationId xmlns:a16="http://schemas.microsoft.com/office/drawing/2014/main" id="{20D09434-BB96-4D33-9074-44D2DAF98680}"/>
-              </a:ext>
-            </a:extLst>
-          </p:cNvPr>
-          <p:cNvSpPr>
-            <a:spLocks noGrp="1"/>
-          </p:cNvSpPr>
-          <p:nvPr>
-            <p:ph type="body" idx="1"/>
-          </p:nvPr>
-        </p:nvSpPr>
-        <p:spPr>
-          <a:xfrm>
-            <a:off x="1261872" y="5237670"/>
-            <a:ext cx="9418320" cy="1183261"/>
-          </a:xfrm>
-        </p:spPr>
-        <p:txBody>
-          <a:bodyPr vert="horz" lIns="91440" tIns="45720" rIns="91440" bIns="45720" rtlCol="0">
-            <a:normAutofit/>
-          </a:bodyPr>
-          <a:lstStyle/>
-          <a:p>
-            <a:pPr algn="ctr"/>
-            <a:r>
-              <a:rPr lang="en-US" dirty="0">
-                <a:solidFill>
-                  <a:schemeClr val="tx1">
-                    <a:lumMod val="75000"/>
-                  </a:schemeClr>
-                </a:solidFill>
-              </a:rPr>
-              <a:t>How does changing Layer Activations affect the performance of a Multi-Layer Perceptron Classifier?</a:t>
-            </a:r>
-          </a:p>
-        </p:txBody>
-      </p:sp>
-      <p:cxnSp>
-        <p:nvCxnSpPr>
-          <p:cNvPr id="12" name="Straight Connector 11">
-            <a:extLst>
-              <a:ext uri="{FF2B5EF4-FFF2-40B4-BE49-F238E27FC236}">
-                <a16:creationId xmlns:a16="http://schemas.microsoft.com/office/drawing/2014/main" id="{D7E8ECA2-60A0-4D39-817D-F1E982ED7F9B}"/>
-              </a:ext>
-              <a:ext uri="{C183D7F6-B498-43B3-948B-1728B52AA6E4}">
-                <adec:decorative xmlns:adec="http://schemas.microsoft.com/office/drawing/2017/decorative" val="1"/>
-              </a:ext>
-            </a:extLst>
-          </p:cNvPr>
-          <p:cNvCxnSpPr>
-            <a:cxnSpLocks noGrp="1" noRot="1" noChangeAspect="1" noMove="1" noResize="1" noEditPoints="1" noAdjustHandles="1" noChangeArrowheads="1" noChangeShapeType="1"/>
-          </p:cNvCxnSpPr>
-          <p:nvPr>
-            <p:extLst>
-              <p:ext uri="{386F3935-93C4-4BCD-93E2-E3B085C9AB24}">
-                <p16:designElem xmlns:p16="http://schemas.microsoft.com/office/powerpoint/2015/main" val="1"/>
-              </p:ext>
-            </p:extLst>
-          </p:nvPr>
-        </p:nvCxnSpPr>
-        <p:spPr>
-          <a:xfrm flipH="1">
-            <a:off x="5651500" y="5097592"/>
-            <a:ext cx="596394" cy="0"/>
-          </a:xfrm>
-          <a:prstGeom prst="line">
-            <a:avLst/>
-          </a:prstGeom>
-          <a:ln w="12700">
-            <a:solidFill>
-              <a:schemeClr val="tx2"/>
-            </a:solidFill>
-          </a:ln>
-        </p:spPr>
-        <p:style>
-          <a:lnRef idx="1">
-            <a:schemeClr val="accent1"/>
-          </a:lnRef>
-          <a:fillRef idx="0">
-            <a:schemeClr val="accent1"/>
-          </a:fillRef>
-          <a:effectRef idx="0">
-            <a:schemeClr val="accent1"/>
-          </a:effectRef>
-          <a:fontRef idx="minor">
-            <a:schemeClr val="tx1"/>
-          </a:fontRef>
-        </p:style>
-      </p:cxnSp>
-    </p:spTree>
-    <p:extLst>
-      <p:ext uri="{BB962C8B-B14F-4D97-AF65-F5344CB8AC3E}">
-        <p14:creationId xmlns:p14="http://schemas.microsoft.com/office/powerpoint/2010/main" val="363575395"/>
-      </p:ext>
-    </p:extLst>
-  </p:cSld>
-  <p:clrMapOvr>
-    <a:overrideClrMapping bg1="dk1" tx1="lt1" bg2="dk2" tx2="lt2" accent1="accent1" accent2="accent2" accent3="accent3" accent4="accent4" accent5="accent5" accent6="accent6" hlink="hlink" folHlink="folHlink"/>
-  </p:clrMapOvr>
-</p:sld>
-</file>
-
-<file path=ppt/slides/slide20.xml><?xml version="1.0" encoding="utf-8"?>
+<file path=ppt/slides/slide21.xml><?xml version="1.0" encoding="utf-8"?>
 <p:sld xmlns:a="http://schemas.openxmlformats.org/drawingml/2006/main" xmlns:r="http://schemas.openxmlformats.org/officeDocument/2006/relationships" xmlns:p="http://schemas.openxmlformats.org/presentationml/2006/main">
   <p:cSld>
     <p:bg>
@@ -14720,7 +14839,7 @@
 </p:sld>
 </file>
 
-<file path=ppt/slides/slide21.xml><?xml version="1.0" encoding="utf-8"?>
+<file path=ppt/slides/slide22.xml><?xml version="1.0" encoding="utf-8"?>
 <p:sld xmlns:a="http://schemas.openxmlformats.org/drawingml/2006/main" xmlns:r="http://schemas.openxmlformats.org/officeDocument/2006/relationships" xmlns:p="http://schemas.openxmlformats.org/presentationml/2006/main">
   <p:cSld>
     <p:bg>
@@ -15007,7 +15126,7 @@
 </p:sld>
 </file>
 
-<file path=ppt/slides/slide22.xml><?xml version="1.0" encoding="utf-8"?>
+<file path=ppt/slides/slide23.xml><?xml version="1.0" encoding="utf-8"?>
 <p:sld xmlns:a="http://schemas.openxmlformats.org/drawingml/2006/main" xmlns:r="http://schemas.openxmlformats.org/officeDocument/2006/relationships" xmlns:p="http://schemas.openxmlformats.org/presentationml/2006/main">
   <p:cSld>
     <p:bg>
@@ -15226,7 +15345,7 @@
 </p:sld>
 </file>
 
-<file path=ppt/slides/slide23.xml><?xml version="1.0" encoding="utf-8"?>
+<file path=ppt/slides/slide24.xml><?xml version="1.0" encoding="utf-8"?>
 <p:sld xmlns:a="http://schemas.openxmlformats.org/drawingml/2006/main" xmlns:r="http://schemas.openxmlformats.org/officeDocument/2006/relationships" xmlns:p="http://schemas.openxmlformats.org/presentationml/2006/main">
   <p:cSld>
     <p:bg>
@@ -15503,7 +15622,7 @@
 </p:sld>
 </file>
 
-<file path=ppt/slides/slide24.xml><?xml version="1.0" encoding="utf-8"?>
+<file path=ppt/slides/slide25.xml><?xml version="1.0" encoding="utf-8"?>
 <p:sld xmlns:a="http://schemas.openxmlformats.org/drawingml/2006/main" xmlns:r="http://schemas.openxmlformats.org/officeDocument/2006/relationships" xmlns:p="http://schemas.openxmlformats.org/presentationml/2006/main">
   <p:cSld>
     <p:spTree>
@@ -15615,7 +15734,7 @@
 </p:sld>
 </file>
 
-<file path=ppt/slides/slide25.xml><?xml version="1.0" encoding="utf-8"?>
+<file path=ppt/slides/slide26.xml><?xml version="1.0" encoding="utf-8"?>
 <p:sld xmlns:a="http://schemas.openxmlformats.org/drawingml/2006/main" xmlns:r="http://schemas.openxmlformats.org/officeDocument/2006/relationships" xmlns:p="http://schemas.openxmlformats.org/presentationml/2006/main">
   <p:cSld>
     <p:spTree>
@@ -16061,8 +16180,8 @@
           </a:p>
         </p:txBody>
       </p:sp>
-      <mc:AlternateContent xmlns:mc="http://schemas.openxmlformats.org/markup-compatibility/2006">
-        <mc:Choice xmlns:a14="http://schemas.microsoft.com/office/drawing/2010/main" Requires="a14">
+      <mc:AlternateContent xmlns:mc="http://schemas.openxmlformats.org/markup-compatibility/2006" xmlns:a14="http://schemas.microsoft.com/office/drawing/2010/main">
+        <mc:Choice Requires="a14">
           <p:sp>
             <p:nvSpPr>
               <p:cNvPr id="3" name="Content Placeholder 2">
@@ -16376,7 +16495,7 @@
             </p:txBody>
           </p:sp>
         </mc:Choice>
-        <mc:Fallback>
+        <mc:Fallback xmlns="">
           <p:sp>
             <p:nvSpPr>
               <p:cNvPr id="3" name="Content Placeholder 2">
@@ -16844,8 +16963,8 @@
           </p:sp>
         </mc:Fallback>
       </mc:AlternateContent>
-      <mc:AlternateContent xmlns:mc="http://schemas.openxmlformats.org/markup-compatibility/2006" xmlns:a14="http://schemas.microsoft.com/office/drawing/2010/main">
-        <mc:Choice Requires="a14">
+      <mc:AlternateContent xmlns:mc="http://schemas.openxmlformats.org/markup-compatibility/2006">
+        <mc:Choice xmlns:a14="http://schemas.microsoft.com/office/drawing/2010/main" Requires="a14">
           <p:sp>
             <p:nvSpPr>
               <p:cNvPr id="4" name="Content Placeholder 3">
@@ -17096,6 +17215,12 @@
                             </m:sup>
                           </m:sSubSup>
                           <m:r>
+                            <a:rPr lang="en-US" b="0" i="1" dirty="0" smtClean="0">
+                              <a:latin typeface="Cambria Math" panose="02040503050406030204" pitchFamily="18" charset="0"/>
+                            </a:rPr>
+                            <m:t>)</m:t>
+                          </m:r>
+                          <m:r>
                             <a:rPr lang="en-US" i="1" dirty="0">
                               <a:latin typeface="Cambria Math" panose="02040503050406030204" pitchFamily="18" charset="0"/>
                             </a:rPr>
@@ -17146,12 +17271,6 @@
                               </m:r>
                             </m:sup>
                           </m:sSubSup>
-                          <m:r>
-                            <a:rPr lang="en-US" i="1" dirty="0">
-                              <a:latin typeface="Cambria Math" panose="02040503050406030204" pitchFamily="18" charset="0"/>
-                            </a:rPr>
-                            <m:t>)</m:t>
-                          </m:r>
                         </m:e>
                       </m:d>
                     </m:oMath>
@@ -17194,7 +17313,7 @@
             </p:txBody>
           </p:sp>
         </mc:Choice>
-        <mc:Fallback xmlns="">
+        <mc:Fallback>
           <p:sp>
             <p:nvSpPr>
               <p:cNvPr id="4" name="Content Placeholder 3">
